--- a/ToolIntegration/dummyTools/wingInitializer/documentation/toolIntegrationSettings.pptx
+++ b/ToolIntegration/dummyTools/wingInitializer/documentation/toolIntegrationSettings.pptx
@@ -5,15 +5,22 @@
     <p:sldMasterId id="2147483648" r:id="rId1"/>
   </p:sldMasterIdLst>
   <p:sldIdLst>
-    <p:sldId id="264" r:id="rId2"/>
-    <p:sldId id="256" r:id="rId3"/>
-    <p:sldId id="257" r:id="rId4"/>
-    <p:sldId id="258" r:id="rId5"/>
-    <p:sldId id="259" r:id="rId6"/>
-    <p:sldId id="260" r:id="rId7"/>
-    <p:sldId id="261" r:id="rId8"/>
-    <p:sldId id="262" r:id="rId9"/>
-    <p:sldId id="263" r:id="rId10"/>
+    <p:sldId id="265" r:id="rId2"/>
+    <p:sldId id="264" r:id="rId3"/>
+    <p:sldId id="256" r:id="rId4"/>
+    <p:sldId id="257" r:id="rId5"/>
+    <p:sldId id="258" r:id="rId6"/>
+    <p:sldId id="259" r:id="rId7"/>
+    <p:sldId id="260" r:id="rId8"/>
+    <p:sldId id="261" r:id="rId9"/>
+    <p:sldId id="262" r:id="rId10"/>
+    <p:sldId id="263" r:id="rId11"/>
+    <p:sldId id="266" r:id="rId12"/>
+    <p:sldId id="268" r:id="rId13"/>
+    <p:sldId id="269" r:id="rId14"/>
+    <p:sldId id="270" r:id="rId15"/>
+    <p:sldId id="271" r:id="rId16"/>
+    <p:sldId id="272" r:id="rId17"/>
   </p:sldIdLst>
   <p:sldSz cx="12192000" cy="6858000"/>
   <p:notesSz cx="6858000" cy="9144000"/>
@@ -267,7 +274,7 @@
           <a:p>
             <a:fld id="{36A4E025-831E-442E-925A-CBB4133DCC51}" type="datetimeFigureOut">
               <a:rPr lang="de-DE" smtClean="0"/>
-              <a:t>31.05.2023</a:t>
+              <a:t>01.06.2023</a:t>
             </a:fld>
             <a:endParaRPr lang="de-DE"/>
           </a:p>
@@ -465,7 +472,7 @@
           <a:p>
             <a:fld id="{36A4E025-831E-442E-925A-CBB4133DCC51}" type="datetimeFigureOut">
               <a:rPr lang="de-DE" smtClean="0"/>
-              <a:t>31.05.2023</a:t>
+              <a:t>01.06.2023</a:t>
             </a:fld>
             <a:endParaRPr lang="de-DE"/>
           </a:p>
@@ -673,7 +680,7 @@
           <a:p>
             <a:fld id="{36A4E025-831E-442E-925A-CBB4133DCC51}" type="datetimeFigureOut">
               <a:rPr lang="de-DE" smtClean="0"/>
-              <a:t>31.05.2023</a:t>
+              <a:t>01.06.2023</a:t>
             </a:fld>
             <a:endParaRPr lang="de-DE"/>
           </a:p>
@@ -871,7 +878,7 @@
           <a:p>
             <a:fld id="{36A4E025-831E-442E-925A-CBB4133DCC51}" type="datetimeFigureOut">
               <a:rPr lang="de-DE" smtClean="0"/>
-              <a:t>31.05.2023</a:t>
+              <a:t>01.06.2023</a:t>
             </a:fld>
             <a:endParaRPr lang="de-DE"/>
           </a:p>
@@ -1146,7 +1153,7 @@
           <a:p>
             <a:fld id="{36A4E025-831E-442E-925A-CBB4133DCC51}" type="datetimeFigureOut">
               <a:rPr lang="de-DE" smtClean="0"/>
-              <a:t>31.05.2023</a:t>
+              <a:t>01.06.2023</a:t>
             </a:fld>
             <a:endParaRPr lang="de-DE"/>
           </a:p>
@@ -1411,7 +1418,7 @@
           <a:p>
             <a:fld id="{36A4E025-831E-442E-925A-CBB4133DCC51}" type="datetimeFigureOut">
               <a:rPr lang="de-DE" smtClean="0"/>
-              <a:t>31.05.2023</a:t>
+              <a:t>01.06.2023</a:t>
             </a:fld>
             <a:endParaRPr lang="de-DE"/>
           </a:p>
@@ -1823,7 +1830,7 @@
           <a:p>
             <a:fld id="{36A4E025-831E-442E-925A-CBB4133DCC51}" type="datetimeFigureOut">
               <a:rPr lang="de-DE" smtClean="0"/>
-              <a:t>31.05.2023</a:t>
+              <a:t>01.06.2023</a:t>
             </a:fld>
             <a:endParaRPr lang="de-DE"/>
           </a:p>
@@ -1964,7 +1971,7 @@
           <a:p>
             <a:fld id="{36A4E025-831E-442E-925A-CBB4133DCC51}" type="datetimeFigureOut">
               <a:rPr lang="de-DE" smtClean="0"/>
-              <a:t>31.05.2023</a:t>
+              <a:t>01.06.2023</a:t>
             </a:fld>
             <a:endParaRPr lang="de-DE"/>
           </a:p>
@@ -2077,7 +2084,7 @@
           <a:p>
             <a:fld id="{36A4E025-831E-442E-925A-CBB4133DCC51}" type="datetimeFigureOut">
               <a:rPr lang="de-DE" smtClean="0"/>
-              <a:t>31.05.2023</a:t>
+              <a:t>01.06.2023</a:t>
             </a:fld>
             <a:endParaRPr lang="de-DE"/>
           </a:p>
@@ -2388,7 +2395,7 @@
           <a:p>
             <a:fld id="{36A4E025-831E-442E-925A-CBB4133DCC51}" type="datetimeFigureOut">
               <a:rPr lang="de-DE" smtClean="0"/>
-              <a:t>31.05.2023</a:t>
+              <a:t>01.06.2023</a:t>
             </a:fld>
             <a:endParaRPr lang="de-DE"/>
           </a:p>
@@ -2676,7 +2683,7 @@
           <a:p>
             <a:fld id="{36A4E025-831E-442E-925A-CBB4133DCC51}" type="datetimeFigureOut">
               <a:rPr lang="de-DE" smtClean="0"/>
-              <a:t>31.05.2023</a:t>
+              <a:t>01.06.2023</a:t>
             </a:fld>
             <a:endParaRPr lang="de-DE"/>
           </a:p>
@@ -2917,7 +2924,7 @@
           <a:p>
             <a:fld id="{36A4E025-831E-442E-925A-CBB4133DCC51}" type="datetimeFigureOut">
               <a:rPr lang="de-DE" smtClean="0"/>
-              <a:t>31.05.2023</a:t>
+              <a:t>01.06.2023</a:t>
             </a:fld>
             <a:endParaRPr lang="de-DE"/>
           </a:p>
@@ -3334,6 +3341,5574 @@
           <a:chExt cx="0" cy="0"/>
         </a:xfrm>
       </p:grpSpPr>
+      <p:sp>
+        <p:nvSpPr>
+          <p:cNvPr id="2" name="Titel 1">
+            <a:extLst>
+              <a:ext uri="{FF2B5EF4-FFF2-40B4-BE49-F238E27FC236}">
+                <a16:creationId xmlns:a16="http://schemas.microsoft.com/office/drawing/2014/main" id="{BBF9D53C-8BFF-4727-8D27-300748060E1D}"/>
+              </a:ext>
+            </a:extLst>
+          </p:cNvPr>
+          <p:cNvSpPr>
+            <a:spLocks noGrp="1"/>
+          </p:cNvSpPr>
+          <p:nvPr>
+            <p:ph type="ctrTitle"/>
+          </p:nvPr>
+        </p:nvSpPr>
+        <p:spPr/>
+        <p:txBody>
+          <a:bodyPr/>
+          <a:lstStyle/>
+          <a:p>
+            <a:r>
+              <a:rPr lang="de-DE" dirty="0"/>
+              <a:t>RCE </a:t>
+            </a:r>
+            <a:r>
+              <a:rPr lang="de-DE" dirty="0" err="1"/>
+              <a:t>tool</a:t>
+            </a:r>
+            <a:r>
+              <a:rPr lang="de-DE" dirty="0"/>
+              <a:t> </a:t>
+            </a:r>
+            <a:r>
+              <a:rPr lang="de-DE" dirty="0" err="1"/>
+              <a:t>integration</a:t>
+            </a:r>
+            <a:endParaRPr lang="de-DE" dirty="0"/>
+          </a:p>
+        </p:txBody>
+      </p:sp>
+      <p:pic>
+        <p:nvPicPr>
+          <p:cNvPr id="4" name="Grafik 3">
+            <a:extLst>
+              <a:ext uri="{FF2B5EF4-FFF2-40B4-BE49-F238E27FC236}">
+                <a16:creationId xmlns:a16="http://schemas.microsoft.com/office/drawing/2014/main" id="{E2FF3F73-8B42-45B4-813B-F6350FE96EBA}"/>
+              </a:ext>
+            </a:extLst>
+          </p:cNvPr>
+          <p:cNvPicPr>
+            <a:picLocks noChangeAspect="1"/>
+          </p:cNvPicPr>
+          <p:nvPr/>
+        </p:nvPicPr>
+        <p:blipFill rotWithShape="1">
+          <a:blip r:embed="rId2">
+            <a:clrChange>
+              <a:clrFrom>
+                <a:srgbClr val="FFFFFF"/>
+              </a:clrFrom>
+              <a:clrTo>
+                <a:srgbClr val="FFFFFF">
+                  <a:alpha val="0"/>
+                </a:srgbClr>
+              </a:clrTo>
+            </a:clrChange>
+          </a:blip>
+          <a:srcRect t="13708"/>
+          <a:stretch/>
+        </p:blipFill>
+        <p:spPr>
+          <a:xfrm>
+            <a:off x="4481287" y="4201064"/>
+            <a:ext cx="3229426" cy="896034"/>
+          </a:xfrm>
+          <a:prstGeom prst="rect">
+            <a:avLst/>
+          </a:prstGeom>
+          <a:effectLst>
+            <a:outerShdw blurRad="50800" dist="38100" dir="2700000" algn="tl" rotWithShape="0">
+              <a:prstClr val="black">
+                <a:alpha val="40000"/>
+              </a:prstClr>
+            </a:outerShdw>
+          </a:effectLst>
+        </p:spPr>
+      </p:pic>
+      <p:sp>
+        <p:nvSpPr>
+          <p:cNvPr id="3" name="Untertitel 2">
+            <a:extLst>
+              <a:ext uri="{FF2B5EF4-FFF2-40B4-BE49-F238E27FC236}">
+                <a16:creationId xmlns:a16="http://schemas.microsoft.com/office/drawing/2014/main" id="{DC5A19B4-AB9D-4D91-A4CC-BBBE2C3A2236}"/>
+              </a:ext>
+            </a:extLst>
+          </p:cNvPr>
+          <p:cNvSpPr>
+            <a:spLocks noGrp="1"/>
+          </p:cNvSpPr>
+          <p:nvPr>
+            <p:ph type="subTitle" idx="1"/>
+          </p:nvPr>
+        </p:nvSpPr>
+        <p:spPr/>
+        <p:txBody>
+          <a:bodyPr/>
+          <a:lstStyle/>
+          <a:p>
+            <a:r>
+              <a:rPr lang="de-DE" dirty="0" err="1"/>
+              <a:t>wingInitializer</a:t>
+            </a:r>
+            <a:endParaRPr lang="de-DE" dirty="0"/>
+          </a:p>
+        </p:txBody>
+      </p:sp>
+    </p:spTree>
+    <p:extLst>
+      <p:ext uri="{BB962C8B-B14F-4D97-AF65-F5344CB8AC3E}">
+        <p14:creationId xmlns:p14="http://schemas.microsoft.com/office/powerpoint/2010/main" val="3284932471"/>
+      </p:ext>
+    </p:extLst>
+  </p:cSld>
+  <p:clrMapOvr>
+    <a:masterClrMapping/>
+  </p:clrMapOvr>
+</p:sld>
+</file>
+
+<file path=ppt/slides/slide10.xml><?xml version="1.0" encoding="utf-8"?>
+<p:sld xmlns:a="http://schemas.openxmlformats.org/drawingml/2006/main" xmlns:r="http://schemas.openxmlformats.org/officeDocument/2006/relationships" xmlns:p="http://schemas.openxmlformats.org/presentationml/2006/main">
+  <p:cSld>
+    <p:spTree>
+      <p:nvGrpSpPr>
+        <p:cNvPr id="1" name=""/>
+        <p:cNvGrpSpPr/>
+        <p:nvPr/>
+      </p:nvGrpSpPr>
+      <p:grpSpPr>
+        <a:xfrm>
+          <a:off x="0" y="0"/>
+          <a:ext cx="0" cy="0"/>
+          <a:chOff x="0" y="0"/>
+          <a:chExt cx="0" cy="0"/>
+        </a:xfrm>
+      </p:grpSpPr>
+      <p:sp>
+        <p:nvSpPr>
+          <p:cNvPr id="5" name="Rechteck 4">
+            <a:extLst>
+              <a:ext uri="{FF2B5EF4-FFF2-40B4-BE49-F238E27FC236}">
+                <a16:creationId xmlns:a16="http://schemas.microsoft.com/office/drawing/2014/main" id="{2788D9EA-0446-4DD9-874F-043C100A8DD4}"/>
+              </a:ext>
+            </a:extLst>
+          </p:cNvPr>
+          <p:cNvSpPr/>
+          <p:nvPr/>
+        </p:nvSpPr>
+        <p:spPr>
+          <a:xfrm>
+            <a:off x="215900" y="897235"/>
+            <a:ext cx="4761542" cy="1061829"/>
+          </a:xfrm>
+          <a:prstGeom prst="rect">
+            <a:avLst/>
+          </a:prstGeom>
+          <a:solidFill>
+            <a:schemeClr val="bg1"/>
+          </a:solidFill>
+          <a:ln>
+            <a:solidFill>
+              <a:schemeClr val="tx1">
+                <a:lumMod val="50000"/>
+                <a:lumOff val="50000"/>
+              </a:schemeClr>
+            </a:solidFill>
+          </a:ln>
+          <a:effectLst>
+            <a:outerShdw blurRad="63500" sx="102000" sy="102000" algn="ctr" rotWithShape="0">
+              <a:prstClr val="black">
+                <a:alpha val="40000"/>
+              </a:prstClr>
+            </a:outerShdw>
+          </a:effectLst>
+        </p:spPr>
+        <p:txBody>
+          <a:bodyPr wrap="square">
+            <a:spAutoFit/>
+          </a:bodyPr>
+          <a:lstStyle/>
+          <a:p>
+            <a:r>
+              <a:rPr lang="de-DE" sz="1050" dirty="0" err="1">
+                <a:latin typeface="Courier"/>
+              </a:rPr>
+              <a:t>dirName</a:t>
+            </a:r>
+            <a:r>
+              <a:rPr lang="de-DE" sz="1050" dirty="0">
+                <a:latin typeface="Courier"/>
+              </a:rPr>
+              <a:t> = "</a:t>
+            </a:r>
+            <a:r>
+              <a:rPr lang="de-DE" sz="1050" dirty="0" err="1">
+                <a:latin typeface="Courier"/>
+              </a:rPr>
+              <a:t>cpacsIO</a:t>
+            </a:r>
+            <a:r>
+              <a:rPr lang="de-DE" sz="1050" dirty="0">
+                <a:latin typeface="Courier"/>
+              </a:rPr>
+              <a:t>"</a:t>
+            </a:r>
+          </a:p>
+          <a:p>
+            <a:r>
+              <a:rPr lang="de-DE" sz="1050" dirty="0" err="1">
+                <a:latin typeface="Courier"/>
+              </a:rPr>
+              <a:t>fileName</a:t>
+            </a:r>
+            <a:r>
+              <a:rPr lang="de-DE" sz="1050" dirty="0">
+                <a:latin typeface="Courier"/>
+              </a:rPr>
+              <a:t> = "CPACS_out.xml"</a:t>
+            </a:r>
+          </a:p>
+          <a:p>
+            <a:endParaRPr lang="de-DE" sz="1050" dirty="0">
+              <a:latin typeface="Courier"/>
+            </a:endParaRPr>
+          </a:p>
+          <a:p>
+            <a:r>
+              <a:rPr lang="de-DE" sz="1050" dirty="0">
+                <a:latin typeface="Courier"/>
+              </a:rPr>
+              <a:t>${</a:t>
+            </a:r>
+            <a:r>
+              <a:rPr lang="de-DE" sz="1050" dirty="0" err="1">
+                <a:latin typeface="Courier"/>
+              </a:rPr>
+              <a:t>out:CPACS_out</a:t>
+            </a:r>
+            <a:r>
+              <a:rPr lang="de-DE" sz="1050" dirty="0">
+                <a:latin typeface="Courier"/>
+              </a:rPr>
+              <a:t>} = </a:t>
+            </a:r>
+            <a:r>
+              <a:rPr lang="de-DE" sz="1050" dirty="0" err="1">
+                <a:latin typeface="Courier"/>
+              </a:rPr>
+              <a:t>os.path.join</a:t>
+            </a:r>
+            <a:r>
+              <a:rPr lang="de-DE" sz="1050" dirty="0">
+                <a:latin typeface="Courier"/>
+              </a:rPr>
+              <a:t>("${</a:t>
+            </a:r>
+            <a:r>
+              <a:rPr lang="de-DE" sz="1050" dirty="0" err="1">
+                <a:latin typeface="Courier"/>
+              </a:rPr>
+              <a:t>dir:working</a:t>
+            </a:r>
+            <a:r>
+              <a:rPr lang="de-DE" sz="1050" dirty="0">
+                <a:latin typeface="Courier"/>
+              </a:rPr>
+              <a:t>}", </a:t>
+            </a:r>
+            <a:r>
+              <a:rPr lang="de-DE" sz="1050" dirty="0" err="1">
+                <a:latin typeface="Courier"/>
+              </a:rPr>
+              <a:t>dirName</a:t>
+            </a:r>
+            <a:r>
+              <a:rPr lang="de-DE" sz="1050" dirty="0">
+                <a:latin typeface="Courier"/>
+              </a:rPr>
+              <a:t>, </a:t>
+            </a:r>
+            <a:r>
+              <a:rPr lang="de-DE" sz="1050" dirty="0" err="1">
+                <a:latin typeface="Courier"/>
+              </a:rPr>
+              <a:t>fileName</a:t>
+            </a:r>
+            <a:r>
+              <a:rPr lang="de-DE" sz="1050" dirty="0">
+                <a:latin typeface="Courier"/>
+              </a:rPr>
+              <a:t>)</a:t>
+            </a:r>
+          </a:p>
+          <a:p>
+            <a:endParaRPr lang="de-DE" sz="1050" dirty="0">
+              <a:latin typeface="Courier"/>
+            </a:endParaRPr>
+          </a:p>
+        </p:txBody>
+      </p:sp>
+      <p:pic>
+        <p:nvPicPr>
+          <p:cNvPr id="2" name="Grafik 1">
+            <a:extLst>
+              <a:ext uri="{FF2B5EF4-FFF2-40B4-BE49-F238E27FC236}">
+                <a16:creationId xmlns:a16="http://schemas.microsoft.com/office/drawing/2014/main" id="{DC1BB6C3-10EE-4B98-A634-E4B9D3A08A55}"/>
+              </a:ext>
+            </a:extLst>
+          </p:cNvPr>
+          <p:cNvPicPr>
+            <a:picLocks noChangeAspect="1"/>
+          </p:cNvPicPr>
+          <p:nvPr/>
+        </p:nvPicPr>
+        <p:blipFill>
+          <a:blip r:embed="rId2"/>
+          <a:stretch>
+            <a:fillRect/>
+          </a:stretch>
+        </p:blipFill>
+        <p:spPr>
+          <a:xfrm>
+            <a:off x="5488419" y="0"/>
+            <a:ext cx="6703581" cy="6858000"/>
+          </a:xfrm>
+          <a:prstGeom prst="rect">
+            <a:avLst/>
+          </a:prstGeom>
+        </p:spPr>
+      </p:pic>
+      <p:sp>
+        <p:nvSpPr>
+          <p:cNvPr id="4" name="Textfeld 3">
+            <a:extLst>
+              <a:ext uri="{FF2B5EF4-FFF2-40B4-BE49-F238E27FC236}">
+                <a16:creationId xmlns:a16="http://schemas.microsoft.com/office/drawing/2014/main" id="{9121101E-7A08-4546-B0F6-03BFA7A46AA9}"/>
+              </a:ext>
+            </a:extLst>
+          </p:cNvPr>
+          <p:cNvSpPr txBox="1"/>
+          <p:nvPr/>
+        </p:nvSpPr>
+        <p:spPr>
+          <a:xfrm>
+            <a:off x="215900" y="2363638"/>
+            <a:ext cx="3897774" cy="890734"/>
+          </a:xfrm>
+          <a:prstGeom prst="rect">
+            <a:avLst/>
+          </a:prstGeom>
+          <a:solidFill>
+            <a:schemeClr val="bg1"/>
+          </a:solidFill>
+          <a:ln>
+            <a:solidFill>
+              <a:schemeClr val="tx1">
+                <a:lumMod val="50000"/>
+                <a:lumOff val="50000"/>
+              </a:schemeClr>
+            </a:solidFill>
+          </a:ln>
+          <a:effectLst>
+            <a:outerShdw blurRad="50800" dist="38100" dir="2700000" algn="tl" rotWithShape="0">
+              <a:prstClr val="black">
+                <a:alpha val="40000"/>
+              </a:prstClr>
+            </a:outerShdw>
+          </a:effectLst>
+        </p:spPr>
+        <p:style>
+          <a:lnRef idx="2">
+            <a:schemeClr val="accent1">
+              <a:shade val="50000"/>
+            </a:schemeClr>
+          </a:lnRef>
+          <a:fillRef idx="1">
+            <a:schemeClr val="accent1"/>
+          </a:fillRef>
+          <a:effectRef idx="0">
+            <a:schemeClr val="accent1"/>
+          </a:effectRef>
+          <a:fontRef idx="minor">
+            <a:schemeClr val="lt1"/>
+          </a:fontRef>
+        </p:style>
+        <p:txBody>
+          <a:bodyPr rtlCol="0" anchor="ctr"/>
+          <a:lstStyle>
+            <a:defPPr>
+              <a:defRPr lang="de-DE"/>
+            </a:defPPr>
+            <a:lvl1pPr marL="361950" indent="-361950">
+              <a:defRPr>
+                <a:solidFill>
+                  <a:schemeClr val="tx1">
+                    <a:lumMod val="75000"/>
+                    <a:lumOff val="25000"/>
+                  </a:schemeClr>
+                </a:solidFill>
+              </a:defRPr>
+            </a:lvl1pPr>
+            <a:lvl2pPr>
+              <a:defRPr>
+                <a:solidFill>
+                  <a:schemeClr val="lt1"/>
+                </a:solidFill>
+              </a:defRPr>
+            </a:lvl2pPr>
+            <a:lvl3pPr>
+              <a:defRPr>
+                <a:solidFill>
+                  <a:schemeClr val="lt1"/>
+                </a:solidFill>
+              </a:defRPr>
+            </a:lvl3pPr>
+            <a:lvl4pPr>
+              <a:defRPr>
+                <a:solidFill>
+                  <a:schemeClr val="lt1"/>
+                </a:solidFill>
+              </a:defRPr>
+            </a:lvl4pPr>
+            <a:lvl5pPr>
+              <a:defRPr>
+                <a:solidFill>
+                  <a:schemeClr val="lt1"/>
+                </a:solidFill>
+              </a:defRPr>
+            </a:lvl5pPr>
+            <a:lvl6pPr>
+              <a:defRPr>
+                <a:solidFill>
+                  <a:schemeClr val="lt1"/>
+                </a:solidFill>
+              </a:defRPr>
+            </a:lvl6pPr>
+            <a:lvl7pPr>
+              <a:defRPr>
+                <a:solidFill>
+                  <a:schemeClr val="lt1"/>
+                </a:solidFill>
+              </a:defRPr>
+            </a:lvl7pPr>
+            <a:lvl8pPr>
+              <a:defRPr>
+                <a:solidFill>
+                  <a:schemeClr val="lt1"/>
+                </a:solidFill>
+              </a:defRPr>
+            </a:lvl8pPr>
+            <a:lvl9pPr>
+              <a:defRPr>
+                <a:solidFill>
+                  <a:schemeClr val="lt1"/>
+                </a:solidFill>
+              </a:defRPr>
+            </a:lvl9pPr>
+          </a:lstStyle>
+          <a:p>
+            <a:pPr marL="266700" indent="-266700"/>
+            <a:r>
+              <a:rPr lang="de-DE" dirty="0">
+                <a:solidFill>
+                  <a:schemeClr val="accent4">
+                    <a:lumMod val="75000"/>
+                  </a:schemeClr>
+                </a:solidFill>
+              </a:rPr>
+              <a:t>🛈 </a:t>
+            </a:r>
+            <a:r>
+              <a:rPr lang="en-US" sz="1600" dirty="0"/>
+              <a:t>Post-execution: What happens after the actual tool has finished. Here we’re telling RCE where to find the output file.</a:t>
+            </a:r>
+            <a:endParaRPr lang="de-DE" dirty="0"/>
+          </a:p>
+        </p:txBody>
+      </p:sp>
+      <p:sp>
+        <p:nvSpPr>
+          <p:cNvPr id="6" name="Legende: mit gebogener Linie 5">
+            <a:extLst>
+              <a:ext uri="{FF2B5EF4-FFF2-40B4-BE49-F238E27FC236}">
+                <a16:creationId xmlns:a16="http://schemas.microsoft.com/office/drawing/2014/main" id="{F99F4073-35A5-4361-AD2B-7B5EF951400A}"/>
+              </a:ext>
+            </a:extLst>
+          </p:cNvPr>
+          <p:cNvSpPr/>
+          <p:nvPr/>
+        </p:nvSpPr>
+        <p:spPr>
+          <a:xfrm flipH="1">
+            <a:off x="2441274" y="3986833"/>
+            <a:ext cx="2714925" cy="583635"/>
+          </a:xfrm>
+          <a:prstGeom prst="borderCallout2">
+            <a:avLst>
+              <a:gd name="adj1" fmla="val 18750"/>
+              <a:gd name="adj2" fmla="val -8333"/>
+              <a:gd name="adj3" fmla="val 18750"/>
+              <a:gd name="adj4" fmla="val -16667"/>
+              <a:gd name="adj5" fmla="val -89505"/>
+              <a:gd name="adj6" fmla="val -71297"/>
+            </a:avLst>
+          </a:prstGeom>
+          <a:solidFill>
+            <a:schemeClr val="bg1"/>
+          </a:solidFill>
+          <a:ln>
+            <a:solidFill>
+              <a:schemeClr val="tx1">
+                <a:lumMod val="50000"/>
+                <a:lumOff val="50000"/>
+              </a:schemeClr>
+            </a:solidFill>
+          </a:ln>
+          <a:effectLst>
+            <a:outerShdw blurRad="50800" dist="38100" dir="2700000" algn="tl" rotWithShape="0">
+              <a:prstClr val="black">
+                <a:alpha val="40000"/>
+              </a:prstClr>
+            </a:outerShdw>
+          </a:effectLst>
+        </p:spPr>
+        <p:style>
+          <a:lnRef idx="2">
+            <a:schemeClr val="accent1">
+              <a:shade val="50000"/>
+            </a:schemeClr>
+          </a:lnRef>
+          <a:fillRef idx="1">
+            <a:schemeClr val="accent1"/>
+          </a:fillRef>
+          <a:effectRef idx="0">
+            <a:schemeClr val="accent1"/>
+          </a:effectRef>
+          <a:fontRef idx="minor">
+            <a:schemeClr val="lt1"/>
+          </a:fontRef>
+        </p:style>
+        <p:txBody>
+          <a:bodyPr rtlCol="0" anchor="ctr"/>
+          <a:lstStyle/>
+          <a:p>
+            <a:pPr marL="361950" indent="-361950"/>
+            <a:r>
+              <a:rPr lang="en-US" dirty="0">
+                <a:solidFill>
+                  <a:schemeClr val="tx1">
+                    <a:lumMod val="75000"/>
+                    <a:lumOff val="25000"/>
+                  </a:schemeClr>
+                </a:solidFill>
+              </a:rPr>
+              <a:t>(1) Insert post-execution script in Python</a:t>
+            </a:r>
+            <a:endParaRPr lang="de-DE" dirty="0">
+              <a:solidFill>
+                <a:schemeClr val="tx1">
+                  <a:lumMod val="75000"/>
+                  <a:lumOff val="25000"/>
+                </a:schemeClr>
+              </a:solidFill>
+            </a:endParaRPr>
+          </a:p>
+        </p:txBody>
+      </p:sp>
+      <p:sp>
+        <p:nvSpPr>
+          <p:cNvPr id="7" name="Legende: mit gebogener Linie 6">
+            <a:extLst>
+              <a:ext uri="{FF2B5EF4-FFF2-40B4-BE49-F238E27FC236}">
+                <a16:creationId xmlns:a16="http://schemas.microsoft.com/office/drawing/2014/main" id="{4BB593AF-FFCA-4D66-8E8E-E4D6191FCA98}"/>
+              </a:ext>
+            </a:extLst>
+          </p:cNvPr>
+          <p:cNvSpPr/>
+          <p:nvPr/>
+        </p:nvSpPr>
+        <p:spPr>
+          <a:xfrm flipH="1">
+            <a:off x="6167887" y="5788325"/>
+            <a:ext cx="3148640" cy="336070"/>
+          </a:xfrm>
+          <a:prstGeom prst="borderCallout2">
+            <a:avLst>
+              <a:gd name="adj1" fmla="val 18750"/>
+              <a:gd name="adj2" fmla="val -8333"/>
+              <a:gd name="adj3" fmla="val 18750"/>
+              <a:gd name="adj4" fmla="val -16667"/>
+              <a:gd name="adj5" fmla="val 230019"/>
+              <a:gd name="adj6" fmla="val -47309"/>
+            </a:avLst>
+          </a:prstGeom>
+          <a:solidFill>
+            <a:schemeClr val="bg1"/>
+          </a:solidFill>
+          <a:ln>
+            <a:solidFill>
+              <a:schemeClr val="tx1">
+                <a:lumMod val="50000"/>
+                <a:lumOff val="50000"/>
+              </a:schemeClr>
+            </a:solidFill>
+          </a:ln>
+          <a:effectLst>
+            <a:outerShdw blurRad="50800" dist="38100" dir="2700000" algn="tl" rotWithShape="0">
+              <a:prstClr val="black">
+                <a:alpha val="40000"/>
+              </a:prstClr>
+            </a:outerShdw>
+          </a:effectLst>
+        </p:spPr>
+        <p:style>
+          <a:lnRef idx="2">
+            <a:schemeClr val="accent1">
+              <a:shade val="50000"/>
+            </a:schemeClr>
+          </a:lnRef>
+          <a:fillRef idx="1">
+            <a:schemeClr val="accent1"/>
+          </a:fillRef>
+          <a:effectRef idx="0">
+            <a:schemeClr val="accent1"/>
+          </a:effectRef>
+          <a:fontRef idx="minor">
+            <a:schemeClr val="lt1"/>
+          </a:fontRef>
+        </p:style>
+        <p:txBody>
+          <a:bodyPr rtlCol="0" anchor="ctr"/>
+          <a:lstStyle/>
+          <a:p>
+            <a:pPr marL="361950" indent="-361950"/>
+            <a:r>
+              <a:rPr lang="en-US" dirty="0">
+                <a:solidFill>
+                  <a:schemeClr val="tx1">
+                    <a:lumMod val="75000"/>
+                    <a:lumOff val="25000"/>
+                  </a:schemeClr>
+                </a:solidFill>
+              </a:rPr>
+              <a:t>(2) “Save and update/activate”</a:t>
+            </a:r>
+            <a:endParaRPr lang="de-DE" dirty="0">
+              <a:solidFill>
+                <a:schemeClr val="tx1">
+                  <a:lumMod val="75000"/>
+                  <a:lumOff val="25000"/>
+                </a:schemeClr>
+              </a:solidFill>
+            </a:endParaRPr>
+          </a:p>
+        </p:txBody>
+      </p:sp>
+    </p:spTree>
+    <p:extLst>
+      <p:ext uri="{BB962C8B-B14F-4D97-AF65-F5344CB8AC3E}">
+        <p14:creationId xmlns:p14="http://schemas.microsoft.com/office/powerpoint/2010/main" val="4043790863"/>
+      </p:ext>
+    </p:extLst>
+  </p:cSld>
+  <p:clrMapOvr>
+    <a:masterClrMapping/>
+  </p:clrMapOvr>
+</p:sld>
+</file>
+
+<file path=ppt/slides/slide11.xml><?xml version="1.0" encoding="utf-8"?>
+<p:sld xmlns:a="http://schemas.openxmlformats.org/drawingml/2006/main" xmlns:r="http://schemas.openxmlformats.org/officeDocument/2006/relationships" xmlns:p="http://schemas.openxmlformats.org/presentationml/2006/main">
+  <p:cSld>
+    <p:spTree>
+      <p:nvGrpSpPr>
+        <p:cNvPr id="1" name=""/>
+        <p:cNvGrpSpPr/>
+        <p:nvPr/>
+      </p:nvGrpSpPr>
+      <p:grpSpPr>
+        <a:xfrm>
+          <a:off x="0" y="0"/>
+          <a:ext cx="0" cy="0"/>
+          <a:chOff x="0" y="0"/>
+          <a:chExt cx="0" cy="0"/>
+        </a:xfrm>
+      </p:grpSpPr>
+      <p:pic>
+        <p:nvPicPr>
+          <p:cNvPr id="4" name="Grafik 3">
+            <a:extLst>
+              <a:ext uri="{FF2B5EF4-FFF2-40B4-BE49-F238E27FC236}">
+                <a16:creationId xmlns:a16="http://schemas.microsoft.com/office/drawing/2014/main" id="{3021ACC2-7434-4D68-8AE4-DBD6BDDC97F1}"/>
+              </a:ext>
+            </a:extLst>
+          </p:cNvPr>
+          <p:cNvPicPr>
+            <a:picLocks noChangeAspect="1"/>
+          </p:cNvPicPr>
+          <p:nvPr/>
+        </p:nvPicPr>
+        <p:blipFill>
+          <a:blip r:embed="rId2">
+            <a:extLst>
+              <a:ext uri="{28A0092B-C50C-407E-A947-70E740481C1C}">
+                <a14:useLocalDpi xmlns:a14="http://schemas.microsoft.com/office/drawing/2010/main" val="0"/>
+              </a:ext>
+            </a:extLst>
+          </a:blip>
+          <a:stretch>
+            <a:fillRect/>
+          </a:stretch>
+        </p:blipFill>
+        <p:spPr>
+          <a:xfrm>
+            <a:off x="1673524" y="301670"/>
+            <a:ext cx="9254593" cy="6254659"/>
+          </a:xfrm>
+          <a:prstGeom prst="rect">
+            <a:avLst/>
+          </a:prstGeom>
+        </p:spPr>
+      </p:pic>
+      <p:sp>
+        <p:nvSpPr>
+          <p:cNvPr id="5" name="Rechteck 4">
+            <a:extLst>
+              <a:ext uri="{FF2B5EF4-FFF2-40B4-BE49-F238E27FC236}">
+                <a16:creationId xmlns:a16="http://schemas.microsoft.com/office/drawing/2014/main" id="{9FD6E7B2-771D-4DA1-B64E-D4D5829C0DDC}"/>
+              </a:ext>
+            </a:extLst>
+          </p:cNvPr>
+          <p:cNvSpPr/>
+          <p:nvPr/>
+        </p:nvSpPr>
+        <p:spPr>
+          <a:xfrm>
+            <a:off x="3329796" y="362309"/>
+            <a:ext cx="1035170" cy="138023"/>
+          </a:xfrm>
+          <a:prstGeom prst="rect">
+            <a:avLst/>
+          </a:prstGeom>
+          <a:solidFill>
+            <a:srgbClr val="FFFFFF"/>
+          </a:solidFill>
+          <a:ln>
+            <a:noFill/>
+          </a:ln>
+        </p:spPr>
+        <p:style>
+          <a:lnRef idx="2">
+            <a:schemeClr val="accent1">
+              <a:shade val="50000"/>
+            </a:schemeClr>
+          </a:lnRef>
+          <a:fillRef idx="1">
+            <a:schemeClr val="accent1"/>
+          </a:fillRef>
+          <a:effectRef idx="0">
+            <a:schemeClr val="accent1"/>
+          </a:effectRef>
+          <a:fontRef idx="minor">
+            <a:schemeClr val="lt1"/>
+          </a:fontRef>
+        </p:style>
+        <p:txBody>
+          <a:bodyPr rtlCol="0" anchor="ctr"/>
+          <a:lstStyle/>
+          <a:p>
+            <a:pPr algn="ctr"/>
+            <a:endParaRPr lang="de-DE"/>
+          </a:p>
+        </p:txBody>
+      </p:sp>
+      <p:cxnSp>
+        <p:nvCxnSpPr>
+          <p:cNvPr id="16" name="Gerade Verbindung mit Pfeil 15">
+            <a:extLst>
+              <a:ext uri="{FF2B5EF4-FFF2-40B4-BE49-F238E27FC236}">
+                <a16:creationId xmlns:a16="http://schemas.microsoft.com/office/drawing/2014/main" id="{27542E07-5A45-40C9-99C8-E0419E3C5BA6}"/>
+              </a:ext>
+            </a:extLst>
+          </p:cNvPr>
+          <p:cNvCxnSpPr>
+            <a:cxnSpLocks/>
+          </p:cNvCxnSpPr>
+          <p:nvPr/>
+        </p:nvCxnSpPr>
+        <p:spPr>
+          <a:xfrm>
+            <a:off x="6819900" y="2905125"/>
+            <a:ext cx="2133600" cy="523875"/>
+          </a:xfrm>
+          <a:prstGeom prst="straightConnector1">
+            <a:avLst/>
+          </a:prstGeom>
+          <a:ln w="12700">
+            <a:solidFill>
+              <a:schemeClr val="tx1">
+                <a:lumMod val="85000"/>
+                <a:lumOff val="15000"/>
+              </a:schemeClr>
+            </a:solidFill>
+            <a:prstDash val="lgDash"/>
+            <a:headEnd type="stealth"/>
+            <a:tailEnd type="none"/>
+          </a:ln>
+          <a:effectLst>
+            <a:outerShdw blurRad="50800" dist="38100" dir="2700000" algn="tl" rotWithShape="0">
+              <a:prstClr val="black">
+                <a:alpha val="40000"/>
+              </a:prstClr>
+            </a:outerShdw>
+          </a:effectLst>
+        </p:spPr>
+        <p:style>
+          <a:lnRef idx="1">
+            <a:schemeClr val="accent1"/>
+          </a:lnRef>
+          <a:fillRef idx="0">
+            <a:schemeClr val="accent1"/>
+          </a:fillRef>
+          <a:effectRef idx="0">
+            <a:schemeClr val="accent1"/>
+          </a:effectRef>
+          <a:fontRef idx="minor">
+            <a:schemeClr val="tx1"/>
+          </a:fontRef>
+        </p:style>
+      </p:cxnSp>
+      <p:grpSp>
+        <p:nvGrpSpPr>
+          <p:cNvPr id="26" name="Gruppieren 25">
+            <a:extLst>
+              <a:ext uri="{FF2B5EF4-FFF2-40B4-BE49-F238E27FC236}">
+                <a16:creationId xmlns:a16="http://schemas.microsoft.com/office/drawing/2014/main" id="{9F631D0C-4A58-498B-B5EE-268275413412}"/>
+              </a:ext>
+            </a:extLst>
+          </p:cNvPr>
+          <p:cNvGrpSpPr/>
+          <p:nvPr/>
+        </p:nvGrpSpPr>
+        <p:grpSpPr>
+          <a:xfrm>
+            <a:off x="123775" y="695325"/>
+            <a:ext cx="4028988" cy="1581946"/>
+            <a:chOff x="123775" y="695325"/>
+            <a:chExt cx="4028988" cy="1581946"/>
+          </a:xfrm>
+          <a:effectLst>
+            <a:outerShdw blurRad="63500" sx="102000" sy="102000" algn="ctr" rotWithShape="0">
+              <a:prstClr val="black">
+                <a:alpha val="40000"/>
+              </a:prstClr>
+            </a:outerShdw>
+          </a:effectLst>
+        </p:grpSpPr>
+        <p:cxnSp>
+          <p:nvCxnSpPr>
+            <p:cNvPr id="11" name="Gerade Verbindung mit Pfeil 10">
+              <a:extLst>
+                <a:ext uri="{FF2B5EF4-FFF2-40B4-BE49-F238E27FC236}">
+                  <a16:creationId xmlns:a16="http://schemas.microsoft.com/office/drawing/2014/main" id="{6B9C29E0-4698-4D36-915E-13A41D633F35}"/>
+                </a:ext>
+              </a:extLst>
+            </p:cNvPr>
+            <p:cNvCxnSpPr>
+              <a:cxnSpLocks/>
+            </p:cNvCxnSpPr>
+            <p:nvPr/>
+          </p:nvCxnSpPr>
+          <p:spPr>
+            <a:xfrm flipV="1">
+              <a:off x="1017917" y="695325"/>
+              <a:ext cx="772783" cy="510252"/>
+            </a:xfrm>
+            <a:prstGeom prst="straightConnector1">
+              <a:avLst/>
+            </a:prstGeom>
+            <a:ln>
+              <a:solidFill>
+                <a:schemeClr val="tx1">
+                  <a:lumMod val="85000"/>
+                  <a:lumOff val="15000"/>
+                </a:schemeClr>
+              </a:solidFill>
+              <a:tailEnd type="oval"/>
+            </a:ln>
+          </p:spPr>
+          <p:style>
+            <a:lnRef idx="1">
+              <a:schemeClr val="accent1"/>
+            </a:lnRef>
+            <a:fillRef idx="0">
+              <a:schemeClr val="accent1"/>
+            </a:fillRef>
+            <a:effectRef idx="0">
+              <a:schemeClr val="accent1"/>
+            </a:effectRef>
+            <a:fontRef idx="minor">
+              <a:schemeClr val="tx1"/>
+            </a:fontRef>
+          </p:style>
+        </p:cxnSp>
+        <p:grpSp>
+          <p:nvGrpSpPr>
+            <p:cNvPr id="25" name="Gruppieren 24">
+              <a:extLst>
+                <a:ext uri="{FF2B5EF4-FFF2-40B4-BE49-F238E27FC236}">
+                  <a16:creationId xmlns:a16="http://schemas.microsoft.com/office/drawing/2014/main" id="{8BD94832-FB0A-41E8-B18D-324B4EC909C5}"/>
+                </a:ext>
+              </a:extLst>
+            </p:cNvPr>
+            <p:cNvGrpSpPr/>
+            <p:nvPr/>
+          </p:nvGrpSpPr>
+          <p:grpSpPr>
+            <a:xfrm>
+              <a:off x="123775" y="1205577"/>
+              <a:ext cx="4028988" cy="1071694"/>
+              <a:chOff x="123775" y="1205577"/>
+              <a:chExt cx="4028988" cy="1071694"/>
+            </a:xfrm>
+          </p:grpSpPr>
+          <p:pic>
+            <p:nvPicPr>
+              <p:cNvPr id="6" name="Grafik 5">
+                <a:extLst>
+                  <a:ext uri="{FF2B5EF4-FFF2-40B4-BE49-F238E27FC236}">
+                    <a16:creationId xmlns:a16="http://schemas.microsoft.com/office/drawing/2014/main" id="{87DA1A99-9107-4E59-8F10-703E6DA04968}"/>
+                  </a:ext>
+                </a:extLst>
+              </p:cNvPr>
+              <p:cNvPicPr>
+                <a:picLocks noChangeAspect="1"/>
+              </p:cNvPicPr>
+              <p:nvPr/>
+            </p:nvPicPr>
+            <p:blipFill>
+              <a:blip r:embed="rId3"/>
+              <a:stretch>
+                <a:fillRect/>
+              </a:stretch>
+            </p:blipFill>
+            <p:spPr>
+              <a:xfrm>
+                <a:off x="246968" y="1205577"/>
+                <a:ext cx="3905795" cy="943107"/>
+              </a:xfrm>
+              <a:prstGeom prst="rect">
+                <a:avLst/>
+              </a:prstGeom>
+              <a:ln>
+                <a:solidFill>
+                  <a:schemeClr val="tx1">
+                    <a:lumMod val="75000"/>
+                    <a:lumOff val="25000"/>
+                  </a:schemeClr>
+                </a:solidFill>
+              </a:ln>
+              <a:effectLst/>
+            </p:spPr>
+          </p:pic>
+          <p:sp>
+            <p:nvSpPr>
+              <p:cNvPr id="19" name="Ellipse 18">
+                <a:extLst>
+                  <a:ext uri="{FF2B5EF4-FFF2-40B4-BE49-F238E27FC236}">
+                    <a16:creationId xmlns:a16="http://schemas.microsoft.com/office/drawing/2014/main" id="{A74D684B-4C83-4698-A512-CE80D9C27ABB}"/>
+                  </a:ext>
+                </a:extLst>
+              </p:cNvPr>
+              <p:cNvSpPr/>
+              <p:nvPr/>
+            </p:nvSpPr>
+            <p:spPr>
+              <a:xfrm>
+                <a:off x="123775" y="2039146"/>
+                <a:ext cx="238125" cy="238125"/>
+              </a:xfrm>
+              <a:prstGeom prst="ellipse">
+                <a:avLst/>
+              </a:prstGeom>
+              <a:solidFill>
+                <a:schemeClr val="bg1"/>
+              </a:solidFill>
+              <a:ln>
+                <a:solidFill>
+                  <a:schemeClr val="tx1">
+                    <a:lumMod val="75000"/>
+                    <a:lumOff val="25000"/>
+                  </a:schemeClr>
+                </a:solidFill>
+              </a:ln>
+            </p:spPr>
+            <p:style>
+              <a:lnRef idx="2">
+                <a:schemeClr val="accent1">
+                  <a:shade val="50000"/>
+                </a:schemeClr>
+              </a:lnRef>
+              <a:fillRef idx="1">
+                <a:schemeClr val="accent1"/>
+              </a:fillRef>
+              <a:effectRef idx="0">
+                <a:schemeClr val="accent1"/>
+              </a:effectRef>
+              <a:fontRef idx="minor">
+                <a:schemeClr val="lt1"/>
+              </a:fontRef>
+            </p:style>
+            <p:txBody>
+              <a:bodyPr rtlCol="0" anchor="ctr"/>
+              <a:lstStyle/>
+              <a:p>
+                <a:pPr algn="ctr"/>
+                <a:r>
+                  <a:rPr lang="de-DE" dirty="0">
+                    <a:solidFill>
+                      <a:schemeClr val="tx1">
+                        <a:lumMod val="75000"/>
+                        <a:lumOff val="25000"/>
+                      </a:schemeClr>
+                    </a:solidFill>
+                  </a:rPr>
+                  <a:t>1</a:t>
+                </a:r>
+              </a:p>
+            </p:txBody>
+          </p:sp>
+        </p:grpSp>
+      </p:grpSp>
+      <p:grpSp>
+        <p:nvGrpSpPr>
+          <p:cNvPr id="24" name="Gruppieren 23">
+            <a:extLst>
+              <a:ext uri="{FF2B5EF4-FFF2-40B4-BE49-F238E27FC236}">
+                <a16:creationId xmlns:a16="http://schemas.microsoft.com/office/drawing/2014/main" id="{C9AFB553-7E3C-4EF4-9A48-7F2DDA915445}"/>
+              </a:ext>
+            </a:extLst>
+          </p:cNvPr>
+          <p:cNvGrpSpPr/>
+          <p:nvPr/>
+        </p:nvGrpSpPr>
+        <p:grpSpPr>
+          <a:xfrm>
+            <a:off x="127905" y="2426147"/>
+            <a:ext cx="3218560" cy="2862992"/>
+            <a:chOff x="127905" y="2426147"/>
+            <a:chExt cx="3218560" cy="2862992"/>
+          </a:xfrm>
+          <a:effectLst>
+            <a:outerShdw blurRad="63500" sx="102000" sy="102000" algn="ctr" rotWithShape="0">
+              <a:prstClr val="black">
+                <a:alpha val="40000"/>
+              </a:prstClr>
+            </a:outerShdw>
+          </a:effectLst>
+        </p:grpSpPr>
+        <p:pic>
+          <p:nvPicPr>
+            <p:cNvPr id="15" name="Grafik 14">
+              <a:extLst>
+                <a:ext uri="{FF2B5EF4-FFF2-40B4-BE49-F238E27FC236}">
+                  <a16:creationId xmlns:a16="http://schemas.microsoft.com/office/drawing/2014/main" id="{1D428A53-8FC4-4BDB-9D4A-7F6C0A43BE1C}"/>
+                </a:ext>
+              </a:extLst>
+            </p:cNvPr>
+            <p:cNvPicPr>
+              <a:picLocks noChangeAspect="1"/>
+            </p:cNvPicPr>
+            <p:nvPr/>
+          </p:nvPicPr>
+          <p:blipFill>
+            <a:blip r:embed="rId4"/>
+            <a:stretch>
+              <a:fillRect/>
+            </a:stretch>
+          </p:blipFill>
+          <p:spPr>
+            <a:xfrm>
+              <a:off x="246968" y="2426147"/>
+              <a:ext cx="3099497" cy="2762980"/>
+            </a:xfrm>
+            <a:prstGeom prst="rect">
+              <a:avLst/>
+            </a:prstGeom>
+            <a:effectLst/>
+          </p:spPr>
+        </p:pic>
+        <p:sp>
+          <p:nvSpPr>
+            <p:cNvPr id="20" name="Ellipse 19">
+              <a:extLst>
+                <a:ext uri="{FF2B5EF4-FFF2-40B4-BE49-F238E27FC236}">
+                  <a16:creationId xmlns:a16="http://schemas.microsoft.com/office/drawing/2014/main" id="{723D921D-F475-4590-BD44-61E91992A183}"/>
+                </a:ext>
+              </a:extLst>
+            </p:cNvPr>
+            <p:cNvSpPr/>
+            <p:nvPr/>
+          </p:nvSpPr>
+          <p:spPr>
+            <a:xfrm>
+              <a:off x="127905" y="5051014"/>
+              <a:ext cx="238125" cy="238125"/>
+            </a:xfrm>
+            <a:prstGeom prst="ellipse">
+              <a:avLst/>
+            </a:prstGeom>
+            <a:solidFill>
+              <a:schemeClr val="bg1"/>
+            </a:solidFill>
+            <a:ln>
+              <a:solidFill>
+                <a:schemeClr val="tx1">
+                  <a:lumMod val="75000"/>
+                  <a:lumOff val="25000"/>
+                </a:schemeClr>
+              </a:solidFill>
+            </a:ln>
+          </p:spPr>
+          <p:style>
+            <a:lnRef idx="2">
+              <a:schemeClr val="accent1">
+                <a:shade val="50000"/>
+              </a:schemeClr>
+            </a:lnRef>
+            <a:fillRef idx="1">
+              <a:schemeClr val="accent1"/>
+            </a:fillRef>
+            <a:effectRef idx="0">
+              <a:schemeClr val="accent1"/>
+            </a:effectRef>
+            <a:fontRef idx="minor">
+              <a:schemeClr val="lt1"/>
+            </a:fontRef>
+          </p:style>
+          <p:txBody>
+            <a:bodyPr rtlCol="0" anchor="ctr"/>
+            <a:lstStyle/>
+            <a:p>
+              <a:pPr algn="ctr"/>
+              <a:r>
+                <a:rPr lang="de-DE" dirty="0">
+                  <a:solidFill>
+                    <a:schemeClr val="tx1">
+                      <a:lumMod val="75000"/>
+                      <a:lumOff val="25000"/>
+                    </a:schemeClr>
+                  </a:solidFill>
+                </a:rPr>
+                <a:t>2</a:t>
+              </a:r>
+            </a:p>
+          </p:txBody>
+        </p:sp>
+      </p:grpSp>
+      <p:sp>
+        <p:nvSpPr>
+          <p:cNvPr id="21" name="Ellipse 20">
+            <a:extLst>
+              <a:ext uri="{FF2B5EF4-FFF2-40B4-BE49-F238E27FC236}">
+                <a16:creationId xmlns:a16="http://schemas.microsoft.com/office/drawing/2014/main" id="{11BF1E87-B49B-44C4-990C-1A3B52C84F36}"/>
+              </a:ext>
+            </a:extLst>
+          </p:cNvPr>
+          <p:cNvSpPr/>
+          <p:nvPr/>
+        </p:nvSpPr>
+        <p:spPr>
+          <a:xfrm>
+            <a:off x="8166393" y="3167062"/>
+            <a:ext cx="238125" cy="238125"/>
+          </a:xfrm>
+          <a:prstGeom prst="ellipse">
+            <a:avLst/>
+          </a:prstGeom>
+          <a:solidFill>
+            <a:schemeClr val="bg1"/>
+          </a:solidFill>
+          <a:ln>
+            <a:solidFill>
+              <a:schemeClr val="tx1">
+                <a:lumMod val="75000"/>
+                <a:lumOff val="25000"/>
+              </a:schemeClr>
+            </a:solidFill>
+          </a:ln>
+          <a:effectLst>
+            <a:outerShdw blurRad="63500" sx="102000" sy="102000" algn="ctr" rotWithShape="0">
+              <a:prstClr val="black">
+                <a:alpha val="40000"/>
+              </a:prstClr>
+            </a:outerShdw>
+          </a:effectLst>
+        </p:spPr>
+        <p:style>
+          <a:lnRef idx="2">
+            <a:schemeClr val="accent1">
+              <a:shade val="50000"/>
+            </a:schemeClr>
+          </a:lnRef>
+          <a:fillRef idx="1">
+            <a:schemeClr val="accent1"/>
+          </a:fillRef>
+          <a:effectRef idx="0">
+            <a:schemeClr val="accent1"/>
+          </a:effectRef>
+          <a:fontRef idx="minor">
+            <a:schemeClr val="lt1"/>
+          </a:fontRef>
+        </p:style>
+        <p:txBody>
+          <a:bodyPr rtlCol="0" anchor="ctr"/>
+          <a:lstStyle/>
+          <a:p>
+            <a:pPr algn="ctr"/>
+            <a:r>
+              <a:rPr lang="de-DE" dirty="0">
+                <a:solidFill>
+                  <a:schemeClr val="tx1">
+                    <a:lumMod val="75000"/>
+                    <a:lumOff val="25000"/>
+                  </a:schemeClr>
+                </a:solidFill>
+              </a:rPr>
+              <a:t>3</a:t>
+            </a:r>
+          </a:p>
+        </p:txBody>
+      </p:sp>
+      <p:sp>
+        <p:nvSpPr>
+          <p:cNvPr id="22" name="Rechteck 21">
+            <a:extLst>
+              <a:ext uri="{FF2B5EF4-FFF2-40B4-BE49-F238E27FC236}">
+                <a16:creationId xmlns:a16="http://schemas.microsoft.com/office/drawing/2014/main" id="{35C7B450-1B2E-4161-AB38-95E6125926B4}"/>
+              </a:ext>
+            </a:extLst>
+          </p:cNvPr>
+          <p:cNvSpPr/>
+          <p:nvPr/>
+        </p:nvSpPr>
+        <p:spPr>
+          <a:xfrm>
+            <a:off x="8557178" y="3649293"/>
+            <a:ext cx="823104" cy="316688"/>
+          </a:xfrm>
+          <a:prstGeom prst="rect">
+            <a:avLst/>
+          </a:prstGeom>
+          <a:solidFill>
+            <a:srgbClr val="FFFFFF"/>
+          </a:solidFill>
+          <a:ln>
+            <a:noFill/>
+          </a:ln>
+        </p:spPr>
+        <p:style>
+          <a:lnRef idx="2">
+            <a:schemeClr val="accent1">
+              <a:shade val="50000"/>
+            </a:schemeClr>
+          </a:lnRef>
+          <a:fillRef idx="1">
+            <a:schemeClr val="accent1"/>
+          </a:fillRef>
+          <a:effectRef idx="0">
+            <a:schemeClr val="accent1"/>
+          </a:effectRef>
+          <a:fontRef idx="minor">
+            <a:schemeClr val="lt1"/>
+          </a:fontRef>
+        </p:style>
+        <p:txBody>
+          <a:bodyPr rtlCol="0" anchor="ctr"/>
+          <a:lstStyle/>
+          <a:p>
+            <a:pPr algn="ctr"/>
+            <a:endParaRPr lang="de-DE"/>
+          </a:p>
+        </p:txBody>
+      </p:sp>
+      <p:sp>
+        <p:nvSpPr>
+          <p:cNvPr id="27" name="Textfeld 26">
+            <a:extLst>
+              <a:ext uri="{FF2B5EF4-FFF2-40B4-BE49-F238E27FC236}">
+                <a16:creationId xmlns:a16="http://schemas.microsoft.com/office/drawing/2014/main" id="{D4B2E054-8A2A-4AB3-B24F-964E374096CC}"/>
+              </a:ext>
+            </a:extLst>
+          </p:cNvPr>
+          <p:cNvSpPr txBox="1"/>
+          <p:nvPr/>
+        </p:nvSpPr>
+        <p:spPr>
+          <a:xfrm rot="836627">
+            <a:off x="7035914" y="3046509"/>
+            <a:ext cx="1054969" cy="307777"/>
+          </a:xfrm>
+          <a:prstGeom prst="rect">
+            <a:avLst/>
+          </a:prstGeom>
+          <a:noFill/>
+        </p:spPr>
+        <p:txBody>
+          <a:bodyPr wrap="none" rtlCol="0">
+            <a:spAutoFit/>
+          </a:bodyPr>
+          <a:lstStyle/>
+          <a:p>
+            <a:r>
+              <a:rPr lang="de-DE" sz="1400" dirty="0" err="1">
+                <a:solidFill>
+                  <a:schemeClr val="tx1">
+                    <a:lumMod val="75000"/>
+                    <a:lumOff val="25000"/>
+                  </a:schemeClr>
+                </a:solidFill>
+              </a:rPr>
+              <a:t>drag</a:t>
+            </a:r>
+            <a:r>
+              <a:rPr lang="de-DE" sz="1400" dirty="0">
+                <a:solidFill>
+                  <a:schemeClr val="tx1">
+                    <a:lumMod val="75000"/>
+                    <a:lumOff val="25000"/>
+                  </a:schemeClr>
+                </a:solidFill>
+              </a:rPr>
+              <a:t> &amp; </a:t>
+            </a:r>
+            <a:r>
+              <a:rPr lang="de-DE" sz="1400" dirty="0" err="1">
+                <a:solidFill>
+                  <a:schemeClr val="tx1">
+                    <a:lumMod val="75000"/>
+                    <a:lumOff val="25000"/>
+                  </a:schemeClr>
+                </a:solidFill>
+              </a:rPr>
+              <a:t>drop</a:t>
+            </a:r>
+            <a:endParaRPr lang="de-DE" sz="1400" dirty="0">
+              <a:solidFill>
+                <a:schemeClr val="tx1">
+                  <a:lumMod val="75000"/>
+                  <a:lumOff val="25000"/>
+                </a:schemeClr>
+              </a:solidFill>
+            </a:endParaRPr>
+          </a:p>
+        </p:txBody>
+      </p:sp>
+    </p:spTree>
+    <p:extLst>
+      <p:ext uri="{BB962C8B-B14F-4D97-AF65-F5344CB8AC3E}">
+        <p14:creationId xmlns:p14="http://schemas.microsoft.com/office/powerpoint/2010/main" val="865638879"/>
+      </p:ext>
+    </p:extLst>
+  </p:cSld>
+  <p:clrMapOvr>
+    <a:masterClrMapping/>
+  </p:clrMapOvr>
+</p:sld>
+</file>
+
+<file path=ppt/slides/slide12.xml><?xml version="1.0" encoding="utf-8"?>
+<p:sld xmlns:a="http://schemas.openxmlformats.org/drawingml/2006/main" xmlns:r="http://schemas.openxmlformats.org/officeDocument/2006/relationships" xmlns:p="http://schemas.openxmlformats.org/presentationml/2006/main">
+  <p:cSld>
+    <p:spTree>
+      <p:nvGrpSpPr>
+        <p:cNvPr id="1" name=""/>
+        <p:cNvGrpSpPr/>
+        <p:nvPr/>
+      </p:nvGrpSpPr>
+      <p:grpSpPr>
+        <a:xfrm>
+          <a:off x="0" y="0"/>
+          <a:ext cx="0" cy="0"/>
+          <a:chOff x="0" y="0"/>
+          <a:chExt cx="0" cy="0"/>
+        </a:xfrm>
+      </p:grpSpPr>
+      <p:pic>
+        <p:nvPicPr>
+          <p:cNvPr id="4" name="Grafik 3">
+            <a:extLst>
+              <a:ext uri="{FF2B5EF4-FFF2-40B4-BE49-F238E27FC236}">
+                <a16:creationId xmlns:a16="http://schemas.microsoft.com/office/drawing/2014/main" id="{3021ACC2-7434-4D68-8AE4-DBD6BDDC97F1}"/>
+              </a:ext>
+            </a:extLst>
+          </p:cNvPr>
+          <p:cNvPicPr>
+            <a:picLocks noChangeAspect="1"/>
+          </p:cNvPicPr>
+          <p:nvPr/>
+        </p:nvPicPr>
+        <p:blipFill>
+          <a:blip r:embed="rId2">
+            <a:extLst>
+              <a:ext uri="{28A0092B-C50C-407E-A947-70E740481C1C}">
+                <a14:useLocalDpi xmlns:a14="http://schemas.microsoft.com/office/drawing/2010/main" val="0"/>
+              </a:ext>
+            </a:extLst>
+          </a:blip>
+          <a:stretch>
+            <a:fillRect/>
+          </a:stretch>
+        </p:blipFill>
+        <p:spPr>
+          <a:xfrm>
+            <a:off x="1673524" y="301670"/>
+            <a:ext cx="9254593" cy="6254658"/>
+          </a:xfrm>
+          <a:prstGeom prst="rect">
+            <a:avLst/>
+          </a:prstGeom>
+          <a:ln w="12700">
+            <a:solidFill>
+              <a:schemeClr val="tx1"/>
+            </a:solidFill>
+          </a:ln>
+        </p:spPr>
+      </p:pic>
+      <p:sp>
+        <p:nvSpPr>
+          <p:cNvPr id="5" name="Rechteck 4">
+            <a:extLst>
+              <a:ext uri="{FF2B5EF4-FFF2-40B4-BE49-F238E27FC236}">
+                <a16:creationId xmlns:a16="http://schemas.microsoft.com/office/drawing/2014/main" id="{9FD6E7B2-771D-4DA1-B64E-D4D5829C0DDC}"/>
+              </a:ext>
+            </a:extLst>
+          </p:cNvPr>
+          <p:cNvSpPr/>
+          <p:nvPr/>
+        </p:nvSpPr>
+        <p:spPr>
+          <a:xfrm>
+            <a:off x="3329796" y="362309"/>
+            <a:ext cx="1035170" cy="138023"/>
+          </a:xfrm>
+          <a:prstGeom prst="rect">
+            <a:avLst/>
+          </a:prstGeom>
+          <a:solidFill>
+            <a:srgbClr val="FFFFFF"/>
+          </a:solidFill>
+          <a:ln>
+            <a:noFill/>
+          </a:ln>
+        </p:spPr>
+        <p:style>
+          <a:lnRef idx="2">
+            <a:schemeClr val="accent1">
+              <a:shade val="50000"/>
+            </a:schemeClr>
+          </a:lnRef>
+          <a:fillRef idx="1">
+            <a:schemeClr val="accent1"/>
+          </a:fillRef>
+          <a:effectRef idx="0">
+            <a:schemeClr val="accent1"/>
+          </a:effectRef>
+          <a:fontRef idx="minor">
+            <a:schemeClr val="lt1"/>
+          </a:fontRef>
+        </p:style>
+        <p:txBody>
+          <a:bodyPr rtlCol="0" anchor="ctr"/>
+          <a:lstStyle/>
+          <a:p>
+            <a:pPr algn="ctr"/>
+            <a:endParaRPr lang="de-DE"/>
+          </a:p>
+        </p:txBody>
+      </p:sp>
+      <p:sp>
+        <p:nvSpPr>
+          <p:cNvPr id="22" name="Rechteck 21">
+            <a:extLst>
+              <a:ext uri="{FF2B5EF4-FFF2-40B4-BE49-F238E27FC236}">
+                <a16:creationId xmlns:a16="http://schemas.microsoft.com/office/drawing/2014/main" id="{35C7B450-1B2E-4161-AB38-95E6125926B4}"/>
+              </a:ext>
+            </a:extLst>
+          </p:cNvPr>
+          <p:cNvSpPr/>
+          <p:nvPr/>
+        </p:nvSpPr>
+        <p:spPr>
+          <a:xfrm>
+            <a:off x="7902217" y="3606586"/>
+            <a:ext cx="823104" cy="316688"/>
+          </a:xfrm>
+          <a:prstGeom prst="rect">
+            <a:avLst/>
+          </a:prstGeom>
+          <a:solidFill>
+            <a:srgbClr val="FFFFFF"/>
+          </a:solidFill>
+          <a:ln>
+            <a:noFill/>
+          </a:ln>
+        </p:spPr>
+        <p:style>
+          <a:lnRef idx="2">
+            <a:schemeClr val="accent1">
+              <a:shade val="50000"/>
+            </a:schemeClr>
+          </a:lnRef>
+          <a:fillRef idx="1">
+            <a:schemeClr val="accent1"/>
+          </a:fillRef>
+          <a:effectRef idx="0">
+            <a:schemeClr val="accent1"/>
+          </a:effectRef>
+          <a:fontRef idx="minor">
+            <a:schemeClr val="lt1"/>
+          </a:fontRef>
+        </p:style>
+        <p:txBody>
+          <a:bodyPr rtlCol="0" anchor="ctr"/>
+          <a:lstStyle/>
+          <a:p>
+            <a:pPr algn="ctr"/>
+            <a:endParaRPr lang="de-DE"/>
+          </a:p>
+        </p:txBody>
+      </p:sp>
+      <p:sp>
+        <p:nvSpPr>
+          <p:cNvPr id="27" name="Textfeld 26">
+            <a:extLst>
+              <a:ext uri="{FF2B5EF4-FFF2-40B4-BE49-F238E27FC236}">
+                <a16:creationId xmlns:a16="http://schemas.microsoft.com/office/drawing/2014/main" id="{D4B2E054-8A2A-4AB3-B24F-964E374096CC}"/>
+              </a:ext>
+            </a:extLst>
+          </p:cNvPr>
+          <p:cNvSpPr txBox="1"/>
+          <p:nvPr/>
+        </p:nvSpPr>
+        <p:spPr>
+          <a:xfrm rot="355389">
+            <a:off x="6109065" y="2211630"/>
+            <a:ext cx="1054969" cy="307777"/>
+          </a:xfrm>
+          <a:prstGeom prst="rect">
+            <a:avLst/>
+          </a:prstGeom>
+          <a:noFill/>
+        </p:spPr>
+        <p:txBody>
+          <a:bodyPr wrap="none" rtlCol="0">
+            <a:spAutoFit/>
+          </a:bodyPr>
+          <a:lstStyle/>
+          <a:p>
+            <a:r>
+              <a:rPr lang="de-DE" sz="1400" dirty="0" err="1">
+                <a:solidFill>
+                  <a:schemeClr val="tx1">
+                    <a:lumMod val="75000"/>
+                    <a:lumOff val="25000"/>
+                  </a:schemeClr>
+                </a:solidFill>
+              </a:rPr>
+              <a:t>drag</a:t>
+            </a:r>
+            <a:r>
+              <a:rPr lang="de-DE" sz="1400" dirty="0">
+                <a:solidFill>
+                  <a:schemeClr val="tx1">
+                    <a:lumMod val="75000"/>
+                    <a:lumOff val="25000"/>
+                  </a:schemeClr>
+                </a:solidFill>
+              </a:rPr>
+              <a:t> &amp; </a:t>
+            </a:r>
+            <a:r>
+              <a:rPr lang="de-DE" sz="1400" dirty="0" err="1">
+                <a:solidFill>
+                  <a:schemeClr val="tx1">
+                    <a:lumMod val="75000"/>
+                    <a:lumOff val="25000"/>
+                  </a:schemeClr>
+                </a:solidFill>
+              </a:rPr>
+              <a:t>drop</a:t>
+            </a:r>
+            <a:endParaRPr lang="de-DE" sz="1400" dirty="0">
+              <a:solidFill>
+                <a:schemeClr val="tx1">
+                  <a:lumMod val="75000"/>
+                  <a:lumOff val="25000"/>
+                </a:schemeClr>
+              </a:solidFill>
+            </a:endParaRPr>
+          </a:p>
+        </p:txBody>
+      </p:sp>
+      <p:sp>
+        <p:nvSpPr>
+          <p:cNvPr id="2" name="Freihandform: Form 1">
+            <a:extLst>
+              <a:ext uri="{FF2B5EF4-FFF2-40B4-BE49-F238E27FC236}">
+                <a16:creationId xmlns:a16="http://schemas.microsoft.com/office/drawing/2014/main" id="{8D2A6F2F-E83B-4263-A249-7BB8BB3F99B9}"/>
+              </a:ext>
+            </a:extLst>
+          </p:cNvPr>
+          <p:cNvSpPr/>
+          <p:nvPr/>
+        </p:nvSpPr>
+        <p:spPr>
+          <a:xfrm>
+            <a:off x="3411295" y="2107970"/>
+            <a:ext cx="4752975" cy="516976"/>
+          </a:xfrm>
+          <a:custGeom>
+            <a:avLst/>
+            <a:gdLst>
+              <a:gd name="connsiteX0" fmla="*/ 3381375 w 3381375"/>
+              <a:gd name="connsiteY0" fmla="*/ 47625 h 47625"/>
+              <a:gd name="connsiteX1" fmla="*/ 0 w 3381375"/>
+              <a:gd name="connsiteY1" fmla="*/ 0 h 47625"/>
+              <a:gd name="connsiteX0" fmla="*/ 3381375 w 3381375"/>
+              <a:gd name="connsiteY0" fmla="*/ 345281 h 345281"/>
+              <a:gd name="connsiteX1" fmla="*/ 0 w 3381375"/>
+              <a:gd name="connsiteY1" fmla="*/ 297656 h 345281"/>
+              <a:gd name="connsiteX0" fmla="*/ 3390900 w 3390900"/>
+              <a:gd name="connsiteY0" fmla="*/ 282074 h 320174"/>
+              <a:gd name="connsiteX1" fmla="*/ 0 w 3390900"/>
+              <a:gd name="connsiteY1" fmla="*/ 320174 h 320174"/>
+              <a:gd name="connsiteX0" fmla="*/ 3390900 w 3390900"/>
+              <a:gd name="connsiteY0" fmla="*/ 413135 h 451235"/>
+              <a:gd name="connsiteX1" fmla="*/ 0 w 3390900"/>
+              <a:gd name="connsiteY1" fmla="*/ 451235 h 451235"/>
+              <a:gd name="connsiteX0" fmla="*/ 4752975 w 4752975"/>
+              <a:gd name="connsiteY0" fmla="*/ 269326 h 516976"/>
+              <a:gd name="connsiteX1" fmla="*/ 0 w 4752975"/>
+              <a:gd name="connsiteY1" fmla="*/ 516976 h 516976"/>
+            </a:gdLst>
+            <a:ahLst/>
+            <a:cxnLst>
+              <a:cxn ang="0">
+                <a:pos x="connsiteX0" y="connsiteY0"/>
+              </a:cxn>
+              <a:cxn ang="0">
+                <a:pos x="connsiteX1" y="connsiteY1"/>
+              </a:cxn>
+            </a:cxnLst>
+            <a:rect l="l" t="t" r="r" b="b"/>
+            <a:pathLst>
+              <a:path w="4752975" h="516976">
+                <a:moveTo>
+                  <a:pt x="4752975" y="269326"/>
+                </a:moveTo>
+                <a:cubicBezTo>
+                  <a:pt x="3625850" y="253451"/>
+                  <a:pt x="498475" y="-467274"/>
+                  <a:pt x="0" y="516976"/>
+                </a:cubicBezTo>
+              </a:path>
+            </a:pathLst>
+          </a:custGeom>
+          <a:ln w="12700">
+            <a:solidFill>
+              <a:schemeClr val="tx1">
+                <a:lumMod val="85000"/>
+                <a:lumOff val="15000"/>
+              </a:schemeClr>
+            </a:solidFill>
+            <a:prstDash val="lgDash"/>
+            <a:headEnd type="none"/>
+            <a:tailEnd type="stealth"/>
+          </a:ln>
+          <a:effectLst>
+            <a:outerShdw blurRad="50800" dist="38100" dir="2700000" algn="tl" rotWithShape="0">
+              <a:prstClr val="black">
+                <a:alpha val="40000"/>
+              </a:prstClr>
+            </a:outerShdw>
+          </a:effectLst>
+        </p:spPr>
+        <p:style>
+          <a:lnRef idx="1">
+            <a:schemeClr val="accent1"/>
+          </a:lnRef>
+          <a:fillRef idx="0">
+            <a:schemeClr val="accent1"/>
+          </a:fillRef>
+          <a:effectRef idx="0">
+            <a:schemeClr val="accent1"/>
+          </a:effectRef>
+          <a:fontRef idx="minor">
+            <a:schemeClr val="tx1"/>
+          </a:fontRef>
+        </p:style>
+        <p:txBody>
+          <a:bodyPr rtlCol="0" anchor="ctr"/>
+          <a:lstStyle/>
+          <a:p>
+            <a:pPr algn="ctr"/>
+            <a:endParaRPr lang="de-DE"/>
+          </a:p>
+        </p:txBody>
+      </p:sp>
+      <p:sp>
+        <p:nvSpPr>
+          <p:cNvPr id="21" name="Ellipse 20">
+            <a:extLst>
+              <a:ext uri="{FF2B5EF4-FFF2-40B4-BE49-F238E27FC236}">
+                <a16:creationId xmlns:a16="http://schemas.microsoft.com/office/drawing/2014/main" id="{11BF1E87-B49B-44C4-990C-1A3B52C84F36}"/>
+              </a:ext>
+            </a:extLst>
+          </p:cNvPr>
+          <p:cNvSpPr/>
+          <p:nvPr/>
+        </p:nvSpPr>
+        <p:spPr>
+          <a:xfrm>
+            <a:off x="5168658" y="1988907"/>
+            <a:ext cx="238125" cy="238125"/>
+          </a:xfrm>
+          <a:prstGeom prst="ellipse">
+            <a:avLst/>
+          </a:prstGeom>
+          <a:solidFill>
+            <a:schemeClr val="bg1"/>
+          </a:solidFill>
+          <a:ln>
+            <a:solidFill>
+              <a:schemeClr val="tx1">
+                <a:lumMod val="75000"/>
+                <a:lumOff val="25000"/>
+              </a:schemeClr>
+            </a:solidFill>
+          </a:ln>
+          <a:effectLst>
+            <a:outerShdw blurRad="63500" sx="102000" sy="102000" algn="ctr" rotWithShape="0">
+              <a:prstClr val="black">
+                <a:alpha val="40000"/>
+              </a:prstClr>
+            </a:outerShdw>
+          </a:effectLst>
+        </p:spPr>
+        <p:style>
+          <a:lnRef idx="2">
+            <a:schemeClr val="accent1">
+              <a:shade val="50000"/>
+            </a:schemeClr>
+          </a:lnRef>
+          <a:fillRef idx="1">
+            <a:schemeClr val="accent1"/>
+          </a:fillRef>
+          <a:effectRef idx="0">
+            <a:schemeClr val="accent1"/>
+          </a:effectRef>
+          <a:fontRef idx="minor">
+            <a:schemeClr val="lt1"/>
+          </a:fontRef>
+        </p:style>
+        <p:txBody>
+          <a:bodyPr rtlCol="0" anchor="ctr"/>
+          <a:lstStyle/>
+          <a:p>
+            <a:pPr algn="ctr"/>
+            <a:r>
+              <a:rPr lang="de-DE" dirty="0">
+                <a:solidFill>
+                  <a:schemeClr val="tx1">
+                    <a:lumMod val="75000"/>
+                    <a:lumOff val="25000"/>
+                  </a:schemeClr>
+                </a:solidFill>
+              </a:rPr>
+              <a:t>1</a:t>
+            </a:r>
+          </a:p>
+        </p:txBody>
+      </p:sp>
+      <p:sp>
+        <p:nvSpPr>
+          <p:cNvPr id="17" name="Freihandform: Form 16">
+            <a:extLst>
+              <a:ext uri="{FF2B5EF4-FFF2-40B4-BE49-F238E27FC236}">
+                <a16:creationId xmlns:a16="http://schemas.microsoft.com/office/drawing/2014/main" id="{93FD43BC-0986-43A9-B69B-414B5E3A9A42}"/>
+              </a:ext>
+            </a:extLst>
+          </p:cNvPr>
+          <p:cNvSpPr/>
+          <p:nvPr/>
+        </p:nvSpPr>
+        <p:spPr>
+          <a:xfrm>
+            <a:off x="5168658" y="2471172"/>
+            <a:ext cx="2995613" cy="203694"/>
+          </a:xfrm>
+          <a:custGeom>
+            <a:avLst/>
+            <a:gdLst>
+              <a:gd name="connsiteX0" fmla="*/ 3381375 w 3381375"/>
+              <a:gd name="connsiteY0" fmla="*/ 47625 h 47625"/>
+              <a:gd name="connsiteX1" fmla="*/ 0 w 3381375"/>
+              <a:gd name="connsiteY1" fmla="*/ 0 h 47625"/>
+              <a:gd name="connsiteX0" fmla="*/ 3381375 w 3381375"/>
+              <a:gd name="connsiteY0" fmla="*/ 345281 h 345281"/>
+              <a:gd name="connsiteX1" fmla="*/ 0 w 3381375"/>
+              <a:gd name="connsiteY1" fmla="*/ 297656 h 345281"/>
+              <a:gd name="connsiteX0" fmla="*/ 3390900 w 3390900"/>
+              <a:gd name="connsiteY0" fmla="*/ 282074 h 320174"/>
+              <a:gd name="connsiteX1" fmla="*/ 0 w 3390900"/>
+              <a:gd name="connsiteY1" fmla="*/ 320174 h 320174"/>
+              <a:gd name="connsiteX0" fmla="*/ 3390900 w 3390900"/>
+              <a:gd name="connsiteY0" fmla="*/ 413135 h 451235"/>
+              <a:gd name="connsiteX1" fmla="*/ 0 w 3390900"/>
+              <a:gd name="connsiteY1" fmla="*/ 451235 h 451235"/>
+              <a:gd name="connsiteX0" fmla="*/ 1566863 w 1566863"/>
+              <a:gd name="connsiteY0" fmla="*/ 639397 h 639397"/>
+              <a:gd name="connsiteX1" fmla="*/ 0 w 1566863"/>
+              <a:gd name="connsiteY1" fmla="*/ 382222 h 639397"/>
+              <a:gd name="connsiteX0" fmla="*/ 1566863 w 1566863"/>
+              <a:gd name="connsiteY0" fmla="*/ 362289 h 362289"/>
+              <a:gd name="connsiteX1" fmla="*/ 0 w 1566863"/>
+              <a:gd name="connsiteY1" fmla="*/ 105114 h 362289"/>
+              <a:gd name="connsiteX0" fmla="*/ 2957513 w 2957513"/>
+              <a:gd name="connsiteY0" fmla="*/ 211179 h 211179"/>
+              <a:gd name="connsiteX1" fmla="*/ 0 w 2957513"/>
+              <a:gd name="connsiteY1" fmla="*/ 134979 h 211179"/>
+              <a:gd name="connsiteX0" fmla="*/ 2995613 w 2995613"/>
+              <a:gd name="connsiteY0" fmla="*/ 203694 h 203694"/>
+              <a:gd name="connsiteX1" fmla="*/ 0 w 2995613"/>
+              <a:gd name="connsiteY1" fmla="*/ 137019 h 203694"/>
+            </a:gdLst>
+            <a:ahLst/>
+            <a:cxnLst>
+              <a:cxn ang="0">
+                <a:pos x="connsiteX0" y="connsiteY0"/>
+              </a:cxn>
+              <a:cxn ang="0">
+                <a:pos x="connsiteX1" y="connsiteY1"/>
+              </a:cxn>
+            </a:cxnLst>
+            <a:rect l="l" t="t" r="r" b="b"/>
+            <a:pathLst>
+              <a:path w="2995613" h="203694">
+                <a:moveTo>
+                  <a:pt x="2995613" y="203694"/>
+                </a:moveTo>
+                <a:cubicBezTo>
+                  <a:pt x="1868488" y="187819"/>
+                  <a:pt x="131763" y="-199531"/>
+                  <a:pt x="0" y="137019"/>
+                </a:cubicBezTo>
+              </a:path>
+            </a:pathLst>
+          </a:custGeom>
+          <a:ln w="12700">
+            <a:solidFill>
+              <a:schemeClr val="tx1">
+                <a:lumMod val="85000"/>
+                <a:lumOff val="15000"/>
+              </a:schemeClr>
+            </a:solidFill>
+            <a:prstDash val="lgDash"/>
+            <a:headEnd type="none"/>
+            <a:tailEnd type="stealth"/>
+          </a:ln>
+          <a:effectLst>
+            <a:outerShdw blurRad="50800" dist="38100" dir="2700000" algn="tl" rotWithShape="0">
+              <a:prstClr val="black">
+                <a:alpha val="40000"/>
+              </a:prstClr>
+            </a:outerShdw>
+          </a:effectLst>
+        </p:spPr>
+        <p:style>
+          <a:lnRef idx="1">
+            <a:schemeClr val="accent1"/>
+          </a:lnRef>
+          <a:fillRef idx="0">
+            <a:schemeClr val="accent1"/>
+          </a:fillRef>
+          <a:effectRef idx="0">
+            <a:schemeClr val="accent1"/>
+          </a:effectRef>
+          <a:fontRef idx="minor">
+            <a:schemeClr val="tx1"/>
+          </a:fontRef>
+        </p:style>
+        <p:txBody>
+          <a:bodyPr rtlCol="0" anchor="ctr"/>
+          <a:lstStyle/>
+          <a:p>
+            <a:pPr algn="ctr"/>
+            <a:endParaRPr lang="de-DE"/>
+          </a:p>
+        </p:txBody>
+      </p:sp>
+      <p:sp>
+        <p:nvSpPr>
+          <p:cNvPr id="18" name="Ellipse 17">
+            <a:extLst>
+              <a:ext uri="{FF2B5EF4-FFF2-40B4-BE49-F238E27FC236}">
+                <a16:creationId xmlns:a16="http://schemas.microsoft.com/office/drawing/2014/main" id="{9260922C-BFAC-470E-8CE9-2CED2361FBC9}"/>
+              </a:ext>
+            </a:extLst>
+          </p:cNvPr>
+          <p:cNvSpPr/>
+          <p:nvPr/>
+        </p:nvSpPr>
+        <p:spPr>
+          <a:xfrm>
+            <a:off x="7302269" y="2522128"/>
+            <a:ext cx="238125" cy="238125"/>
+          </a:xfrm>
+          <a:prstGeom prst="ellipse">
+            <a:avLst/>
+          </a:prstGeom>
+          <a:solidFill>
+            <a:schemeClr val="bg1"/>
+          </a:solidFill>
+          <a:ln>
+            <a:solidFill>
+              <a:schemeClr val="tx1">
+                <a:lumMod val="75000"/>
+                <a:lumOff val="25000"/>
+              </a:schemeClr>
+            </a:solidFill>
+          </a:ln>
+          <a:effectLst>
+            <a:outerShdw blurRad="63500" sx="102000" sy="102000" algn="ctr" rotWithShape="0">
+              <a:prstClr val="black">
+                <a:alpha val="40000"/>
+              </a:prstClr>
+            </a:outerShdw>
+          </a:effectLst>
+        </p:spPr>
+        <p:style>
+          <a:lnRef idx="2">
+            <a:schemeClr val="accent1">
+              <a:shade val="50000"/>
+            </a:schemeClr>
+          </a:lnRef>
+          <a:fillRef idx="1">
+            <a:schemeClr val="accent1"/>
+          </a:fillRef>
+          <a:effectRef idx="0">
+            <a:schemeClr val="accent1"/>
+          </a:effectRef>
+          <a:fontRef idx="minor">
+            <a:schemeClr val="lt1"/>
+          </a:fontRef>
+        </p:style>
+        <p:txBody>
+          <a:bodyPr rtlCol="0" anchor="ctr"/>
+          <a:lstStyle/>
+          <a:p>
+            <a:pPr algn="ctr"/>
+            <a:r>
+              <a:rPr lang="de-DE" dirty="0">
+                <a:solidFill>
+                  <a:schemeClr val="tx1">
+                    <a:lumMod val="75000"/>
+                    <a:lumOff val="25000"/>
+                  </a:schemeClr>
+                </a:solidFill>
+              </a:rPr>
+              <a:t>2</a:t>
+            </a:r>
+          </a:p>
+        </p:txBody>
+      </p:sp>
+      <p:sp>
+        <p:nvSpPr>
+          <p:cNvPr id="23" name="Legende: mit gebogener Linie 22">
+            <a:extLst>
+              <a:ext uri="{FF2B5EF4-FFF2-40B4-BE49-F238E27FC236}">
+                <a16:creationId xmlns:a16="http://schemas.microsoft.com/office/drawing/2014/main" id="{1589C81C-9C5E-4741-ADF3-F6669FB2FD35}"/>
+              </a:ext>
+            </a:extLst>
+          </p:cNvPr>
+          <p:cNvSpPr/>
+          <p:nvPr/>
+        </p:nvSpPr>
+        <p:spPr>
+          <a:xfrm flipH="1">
+            <a:off x="113580" y="3330113"/>
+            <a:ext cx="2714925" cy="316689"/>
+          </a:xfrm>
+          <a:prstGeom prst="borderCallout2">
+            <a:avLst>
+              <a:gd name="adj1" fmla="val 18750"/>
+              <a:gd name="adj2" fmla="val -8333"/>
+              <a:gd name="adj3" fmla="val 18750"/>
+              <a:gd name="adj4" fmla="val -16667"/>
+              <a:gd name="adj5" fmla="val -134620"/>
+              <a:gd name="adj6" fmla="val -22530"/>
+            </a:avLst>
+          </a:prstGeom>
+          <a:solidFill>
+            <a:schemeClr val="bg1"/>
+          </a:solidFill>
+          <a:ln>
+            <a:solidFill>
+              <a:schemeClr val="tx1">
+                <a:lumMod val="50000"/>
+                <a:lumOff val="50000"/>
+              </a:schemeClr>
+            </a:solidFill>
+          </a:ln>
+          <a:effectLst>
+            <a:outerShdw blurRad="50800" dist="38100" dir="2700000" algn="tl" rotWithShape="0">
+              <a:prstClr val="black">
+                <a:alpha val="40000"/>
+              </a:prstClr>
+            </a:outerShdw>
+          </a:effectLst>
+        </p:spPr>
+        <p:style>
+          <a:lnRef idx="2">
+            <a:schemeClr val="accent1">
+              <a:shade val="50000"/>
+            </a:schemeClr>
+          </a:lnRef>
+          <a:fillRef idx="1">
+            <a:schemeClr val="accent1"/>
+          </a:fillRef>
+          <a:effectRef idx="0">
+            <a:schemeClr val="accent1"/>
+          </a:effectRef>
+          <a:fontRef idx="minor">
+            <a:schemeClr val="lt1"/>
+          </a:fontRef>
+        </p:style>
+        <p:txBody>
+          <a:bodyPr rtlCol="0" anchor="ctr"/>
+          <a:lstStyle/>
+          <a:p>
+            <a:pPr marL="361950" indent="-361950"/>
+            <a:r>
+              <a:rPr lang="en-US" dirty="0">
+                <a:solidFill>
+                  <a:schemeClr val="tx1">
+                    <a:lumMod val="75000"/>
+                    <a:lumOff val="25000"/>
+                  </a:schemeClr>
+                </a:solidFill>
+              </a:rPr>
+              <a:t>(3) Select Input provider</a:t>
+            </a:r>
+            <a:endParaRPr lang="de-DE" dirty="0">
+              <a:solidFill>
+                <a:schemeClr val="tx1">
+                  <a:lumMod val="75000"/>
+                  <a:lumOff val="25000"/>
+                </a:schemeClr>
+              </a:solidFill>
+            </a:endParaRPr>
+          </a:p>
+        </p:txBody>
+      </p:sp>
+      <p:sp>
+        <p:nvSpPr>
+          <p:cNvPr id="28" name="Legende: mit gebogener Linie 27">
+            <a:extLst>
+              <a:ext uri="{FF2B5EF4-FFF2-40B4-BE49-F238E27FC236}">
+                <a16:creationId xmlns:a16="http://schemas.microsoft.com/office/drawing/2014/main" id="{313BF2D1-1FDE-4CC7-A194-C200213F7280}"/>
+              </a:ext>
+            </a:extLst>
+          </p:cNvPr>
+          <p:cNvSpPr/>
+          <p:nvPr/>
+        </p:nvSpPr>
+        <p:spPr>
+          <a:xfrm flipH="1">
+            <a:off x="113580" y="3764929"/>
+            <a:ext cx="2714925" cy="316689"/>
+          </a:xfrm>
+          <a:prstGeom prst="borderCallout2">
+            <a:avLst>
+              <a:gd name="adj1" fmla="val 18750"/>
+              <a:gd name="adj2" fmla="val -8333"/>
+              <a:gd name="adj3" fmla="val 18750"/>
+              <a:gd name="adj4" fmla="val -16667"/>
+              <a:gd name="adj5" fmla="val 166148"/>
+              <a:gd name="adj6" fmla="val -142517"/>
+            </a:avLst>
+          </a:prstGeom>
+          <a:solidFill>
+            <a:schemeClr val="bg1"/>
+          </a:solidFill>
+          <a:ln>
+            <a:solidFill>
+              <a:schemeClr val="tx1">
+                <a:lumMod val="50000"/>
+                <a:lumOff val="50000"/>
+              </a:schemeClr>
+            </a:solidFill>
+          </a:ln>
+          <a:effectLst>
+            <a:outerShdw blurRad="50800" dist="38100" dir="2700000" algn="tl" rotWithShape="0">
+              <a:prstClr val="black">
+                <a:alpha val="40000"/>
+              </a:prstClr>
+            </a:outerShdw>
+          </a:effectLst>
+        </p:spPr>
+        <p:style>
+          <a:lnRef idx="2">
+            <a:schemeClr val="accent1">
+              <a:shade val="50000"/>
+            </a:schemeClr>
+          </a:lnRef>
+          <a:fillRef idx="1">
+            <a:schemeClr val="accent1"/>
+          </a:fillRef>
+          <a:effectRef idx="0">
+            <a:schemeClr val="accent1"/>
+          </a:effectRef>
+          <a:fontRef idx="minor">
+            <a:schemeClr val="lt1"/>
+          </a:fontRef>
+        </p:style>
+        <p:txBody>
+          <a:bodyPr rtlCol="0" anchor="ctr"/>
+          <a:lstStyle/>
+          <a:p>
+            <a:pPr marL="361950" indent="-361950"/>
+            <a:r>
+              <a:rPr lang="en-US" dirty="0">
+                <a:solidFill>
+                  <a:schemeClr val="tx1">
+                    <a:lumMod val="75000"/>
+                    <a:lumOff val="25000"/>
+                  </a:schemeClr>
+                </a:solidFill>
+              </a:rPr>
+              <a:t>(4) Select “Properties”</a:t>
+            </a:r>
+            <a:endParaRPr lang="de-DE" dirty="0">
+              <a:solidFill>
+                <a:schemeClr val="tx1">
+                  <a:lumMod val="75000"/>
+                  <a:lumOff val="25000"/>
+                </a:schemeClr>
+              </a:solidFill>
+            </a:endParaRPr>
+          </a:p>
+        </p:txBody>
+      </p:sp>
+      <p:sp>
+        <p:nvSpPr>
+          <p:cNvPr id="29" name="Legende: mit gebogener Linie 28">
+            <a:extLst>
+              <a:ext uri="{FF2B5EF4-FFF2-40B4-BE49-F238E27FC236}">
+                <a16:creationId xmlns:a16="http://schemas.microsoft.com/office/drawing/2014/main" id="{1515C724-3488-42C3-B7E1-2ABA673585B6}"/>
+              </a:ext>
+            </a:extLst>
+          </p:cNvPr>
+          <p:cNvSpPr/>
+          <p:nvPr/>
+        </p:nvSpPr>
+        <p:spPr>
+          <a:xfrm flipH="1">
+            <a:off x="113580" y="4199745"/>
+            <a:ext cx="2714925" cy="316689"/>
+          </a:xfrm>
+          <a:prstGeom prst="borderCallout2">
+            <a:avLst>
+              <a:gd name="adj1" fmla="val 18750"/>
+              <a:gd name="adj2" fmla="val -8333"/>
+              <a:gd name="adj3" fmla="val 18750"/>
+              <a:gd name="adj4" fmla="val -16667"/>
+              <a:gd name="adj5" fmla="val 295478"/>
+              <a:gd name="adj6" fmla="val -271626"/>
+            </a:avLst>
+          </a:prstGeom>
+          <a:solidFill>
+            <a:schemeClr val="bg1"/>
+          </a:solidFill>
+          <a:ln>
+            <a:solidFill>
+              <a:schemeClr val="tx1">
+                <a:lumMod val="50000"/>
+                <a:lumOff val="50000"/>
+              </a:schemeClr>
+            </a:solidFill>
+          </a:ln>
+          <a:effectLst>
+            <a:outerShdw blurRad="50800" dist="38100" dir="2700000" algn="tl" rotWithShape="0">
+              <a:prstClr val="black">
+                <a:alpha val="40000"/>
+              </a:prstClr>
+            </a:outerShdw>
+          </a:effectLst>
+        </p:spPr>
+        <p:style>
+          <a:lnRef idx="2">
+            <a:schemeClr val="accent1">
+              <a:shade val="50000"/>
+            </a:schemeClr>
+          </a:lnRef>
+          <a:fillRef idx="1">
+            <a:schemeClr val="accent1"/>
+          </a:fillRef>
+          <a:effectRef idx="0">
+            <a:schemeClr val="accent1"/>
+          </a:effectRef>
+          <a:fontRef idx="minor">
+            <a:schemeClr val="lt1"/>
+          </a:fontRef>
+        </p:style>
+        <p:txBody>
+          <a:bodyPr rtlCol="0" anchor="ctr"/>
+          <a:lstStyle/>
+          <a:p>
+            <a:pPr marL="361950" indent="-361950"/>
+            <a:r>
+              <a:rPr lang="en-US" dirty="0">
+                <a:solidFill>
+                  <a:schemeClr val="tx1">
+                    <a:lumMod val="75000"/>
+                    <a:lumOff val="25000"/>
+                  </a:schemeClr>
+                </a:solidFill>
+              </a:rPr>
+              <a:t>(5) Select “Add”</a:t>
+            </a:r>
+            <a:endParaRPr lang="de-DE" dirty="0">
+              <a:solidFill>
+                <a:schemeClr val="tx1">
+                  <a:lumMod val="75000"/>
+                  <a:lumOff val="25000"/>
+                </a:schemeClr>
+              </a:solidFill>
+            </a:endParaRPr>
+          </a:p>
+        </p:txBody>
+      </p:sp>
+      <p:grpSp>
+        <p:nvGrpSpPr>
+          <p:cNvPr id="7" name="Gruppieren 6">
+            <a:extLst>
+              <a:ext uri="{FF2B5EF4-FFF2-40B4-BE49-F238E27FC236}">
+                <a16:creationId xmlns:a16="http://schemas.microsoft.com/office/drawing/2014/main" id="{83CFC291-0E85-4CE4-896D-C5C6667460DA}"/>
+              </a:ext>
+            </a:extLst>
+          </p:cNvPr>
+          <p:cNvGrpSpPr/>
+          <p:nvPr/>
+        </p:nvGrpSpPr>
+        <p:grpSpPr>
+          <a:xfrm>
+            <a:off x="4388449" y="3531475"/>
+            <a:ext cx="2529904" cy="2980545"/>
+            <a:chOff x="9325555" y="1219200"/>
+            <a:chExt cx="2529904" cy="2980545"/>
+          </a:xfrm>
+          <a:effectLst>
+            <a:outerShdw blurRad="63500" sx="102000" sy="102000" algn="ctr" rotWithShape="0">
+              <a:prstClr val="black">
+                <a:alpha val="40000"/>
+              </a:prstClr>
+            </a:outerShdw>
+          </a:effectLst>
+        </p:grpSpPr>
+        <p:pic>
+          <p:nvPicPr>
+            <p:cNvPr id="3" name="Grafik 2">
+              <a:extLst>
+                <a:ext uri="{FF2B5EF4-FFF2-40B4-BE49-F238E27FC236}">
+                  <a16:creationId xmlns:a16="http://schemas.microsoft.com/office/drawing/2014/main" id="{2A91AF43-4F6A-4BFE-A2DA-F201A3EA4A64}"/>
+                </a:ext>
+              </a:extLst>
+            </p:cNvPr>
+            <p:cNvPicPr>
+              <a:picLocks noChangeAspect="1"/>
+            </p:cNvPicPr>
+            <p:nvPr/>
+          </p:nvPicPr>
+          <p:blipFill>
+            <a:blip r:embed="rId3"/>
+            <a:stretch>
+              <a:fillRect/>
+            </a:stretch>
+          </p:blipFill>
+          <p:spPr>
+            <a:xfrm>
+              <a:off x="9444618" y="1219200"/>
+              <a:ext cx="2410841" cy="2862418"/>
+            </a:xfrm>
+            <a:prstGeom prst="rect">
+              <a:avLst/>
+            </a:prstGeom>
+          </p:spPr>
+        </p:pic>
+        <p:sp>
+          <p:nvSpPr>
+            <p:cNvPr id="30" name="Ellipse 29">
+              <a:extLst>
+                <a:ext uri="{FF2B5EF4-FFF2-40B4-BE49-F238E27FC236}">
+                  <a16:creationId xmlns:a16="http://schemas.microsoft.com/office/drawing/2014/main" id="{06B29609-2223-4704-A303-684A88F954E0}"/>
+                </a:ext>
+              </a:extLst>
+            </p:cNvPr>
+            <p:cNvSpPr/>
+            <p:nvPr/>
+          </p:nvSpPr>
+          <p:spPr>
+            <a:xfrm>
+              <a:off x="9325555" y="3961620"/>
+              <a:ext cx="238125" cy="238125"/>
+            </a:xfrm>
+            <a:prstGeom prst="ellipse">
+              <a:avLst/>
+            </a:prstGeom>
+            <a:solidFill>
+              <a:schemeClr val="bg1"/>
+            </a:solidFill>
+            <a:ln>
+              <a:solidFill>
+                <a:schemeClr val="tx1">
+                  <a:lumMod val="75000"/>
+                  <a:lumOff val="25000"/>
+                </a:schemeClr>
+              </a:solidFill>
+            </a:ln>
+          </p:spPr>
+          <p:style>
+            <a:lnRef idx="2">
+              <a:schemeClr val="accent1">
+                <a:shade val="50000"/>
+              </a:schemeClr>
+            </a:lnRef>
+            <a:fillRef idx="1">
+              <a:schemeClr val="accent1"/>
+            </a:fillRef>
+            <a:effectRef idx="0">
+              <a:schemeClr val="accent1"/>
+            </a:effectRef>
+            <a:fontRef idx="minor">
+              <a:schemeClr val="lt1"/>
+            </a:fontRef>
+          </p:style>
+          <p:txBody>
+            <a:bodyPr rtlCol="0" anchor="ctr"/>
+            <a:lstStyle/>
+            <a:p>
+              <a:pPr algn="ctr"/>
+              <a:r>
+                <a:rPr lang="de-DE" dirty="0">
+                  <a:solidFill>
+                    <a:schemeClr val="tx1">
+                      <a:lumMod val="75000"/>
+                      <a:lumOff val="25000"/>
+                    </a:schemeClr>
+                  </a:solidFill>
+                </a:rPr>
+                <a:t>6</a:t>
+              </a:r>
+            </a:p>
+          </p:txBody>
+        </p:sp>
+      </p:grpSp>
+      <p:sp>
+        <p:nvSpPr>
+          <p:cNvPr id="32" name="Ellipse 31">
+            <a:extLst>
+              <a:ext uri="{FF2B5EF4-FFF2-40B4-BE49-F238E27FC236}">
+                <a16:creationId xmlns:a16="http://schemas.microsoft.com/office/drawing/2014/main" id="{D5B43A51-E4ED-4A65-912B-85B2E8ED8070}"/>
+              </a:ext>
+            </a:extLst>
+          </p:cNvPr>
+          <p:cNvSpPr/>
+          <p:nvPr/>
+        </p:nvSpPr>
+        <p:spPr>
+          <a:xfrm>
+            <a:off x="5287720" y="4232584"/>
+            <a:ext cx="238125" cy="238125"/>
+          </a:xfrm>
+          <a:prstGeom prst="ellipse">
+            <a:avLst/>
+          </a:prstGeom>
+          <a:solidFill>
+            <a:schemeClr val="bg1"/>
+          </a:solidFill>
+          <a:ln>
+            <a:solidFill>
+              <a:schemeClr val="tx1">
+                <a:lumMod val="75000"/>
+                <a:lumOff val="25000"/>
+              </a:schemeClr>
+            </a:solidFill>
+          </a:ln>
+        </p:spPr>
+        <p:style>
+          <a:lnRef idx="2">
+            <a:schemeClr val="accent1">
+              <a:shade val="50000"/>
+            </a:schemeClr>
+          </a:lnRef>
+          <a:fillRef idx="1">
+            <a:schemeClr val="accent1"/>
+          </a:fillRef>
+          <a:effectRef idx="0">
+            <a:schemeClr val="accent1"/>
+          </a:effectRef>
+          <a:fontRef idx="minor">
+            <a:schemeClr val="lt1"/>
+          </a:fontRef>
+        </p:style>
+        <p:txBody>
+          <a:bodyPr lIns="0" tIns="0" rIns="0" bIns="0" rtlCol="0" anchor="ctr"/>
+          <a:lstStyle/>
+          <a:p>
+            <a:pPr algn="ctr"/>
+            <a:r>
+              <a:rPr lang="de-DE" sz="900" dirty="0">
+                <a:solidFill>
+                  <a:schemeClr val="tx1">
+                    <a:lumMod val="75000"/>
+                    <a:lumOff val="25000"/>
+                  </a:schemeClr>
+                </a:solidFill>
+              </a:rPr>
+              <a:t>6.1</a:t>
+            </a:r>
+          </a:p>
+        </p:txBody>
+      </p:sp>
+      <p:sp>
+        <p:nvSpPr>
+          <p:cNvPr id="33" name="Ellipse 32">
+            <a:extLst>
+              <a:ext uri="{FF2B5EF4-FFF2-40B4-BE49-F238E27FC236}">
+                <a16:creationId xmlns:a16="http://schemas.microsoft.com/office/drawing/2014/main" id="{42850773-530A-4731-BC04-6F341E3409F2}"/>
+              </a:ext>
+            </a:extLst>
+          </p:cNvPr>
+          <p:cNvSpPr/>
+          <p:nvPr/>
+        </p:nvSpPr>
+        <p:spPr>
+          <a:xfrm>
+            <a:off x="5644908" y="4427564"/>
+            <a:ext cx="238125" cy="238125"/>
+          </a:xfrm>
+          <a:prstGeom prst="ellipse">
+            <a:avLst/>
+          </a:prstGeom>
+          <a:solidFill>
+            <a:schemeClr val="bg1"/>
+          </a:solidFill>
+          <a:ln>
+            <a:solidFill>
+              <a:schemeClr val="tx1">
+                <a:lumMod val="75000"/>
+                <a:lumOff val="25000"/>
+              </a:schemeClr>
+            </a:solidFill>
+          </a:ln>
+        </p:spPr>
+        <p:style>
+          <a:lnRef idx="2">
+            <a:schemeClr val="accent1">
+              <a:shade val="50000"/>
+            </a:schemeClr>
+          </a:lnRef>
+          <a:fillRef idx="1">
+            <a:schemeClr val="accent1"/>
+          </a:fillRef>
+          <a:effectRef idx="0">
+            <a:schemeClr val="accent1"/>
+          </a:effectRef>
+          <a:fontRef idx="minor">
+            <a:schemeClr val="lt1"/>
+          </a:fontRef>
+        </p:style>
+        <p:txBody>
+          <a:bodyPr lIns="0" tIns="0" rIns="0" bIns="0" rtlCol="0" anchor="ctr"/>
+          <a:lstStyle/>
+          <a:p>
+            <a:pPr algn="ctr"/>
+            <a:r>
+              <a:rPr lang="de-DE" sz="900" dirty="0">
+                <a:solidFill>
+                  <a:schemeClr val="tx1">
+                    <a:lumMod val="75000"/>
+                    <a:lumOff val="25000"/>
+                  </a:schemeClr>
+                </a:solidFill>
+              </a:rPr>
+              <a:t>6.2</a:t>
+            </a:r>
+          </a:p>
+        </p:txBody>
+      </p:sp>
+      <p:sp>
+        <p:nvSpPr>
+          <p:cNvPr id="34" name="Ellipse 33">
+            <a:extLst>
+              <a:ext uri="{FF2B5EF4-FFF2-40B4-BE49-F238E27FC236}">
+                <a16:creationId xmlns:a16="http://schemas.microsoft.com/office/drawing/2014/main" id="{225DA54B-94E1-4F65-BA7C-C52E9D246D71}"/>
+              </a:ext>
+            </a:extLst>
+          </p:cNvPr>
+          <p:cNvSpPr/>
+          <p:nvPr/>
+        </p:nvSpPr>
+        <p:spPr>
+          <a:xfrm>
+            <a:off x="6719673" y="4962684"/>
+            <a:ext cx="238125" cy="238125"/>
+          </a:xfrm>
+          <a:prstGeom prst="ellipse">
+            <a:avLst/>
+          </a:prstGeom>
+          <a:solidFill>
+            <a:schemeClr val="bg1"/>
+          </a:solidFill>
+          <a:ln>
+            <a:solidFill>
+              <a:schemeClr val="tx1">
+                <a:lumMod val="75000"/>
+                <a:lumOff val="25000"/>
+              </a:schemeClr>
+            </a:solidFill>
+          </a:ln>
+        </p:spPr>
+        <p:style>
+          <a:lnRef idx="2">
+            <a:schemeClr val="accent1">
+              <a:shade val="50000"/>
+            </a:schemeClr>
+          </a:lnRef>
+          <a:fillRef idx="1">
+            <a:schemeClr val="accent1"/>
+          </a:fillRef>
+          <a:effectRef idx="0">
+            <a:schemeClr val="accent1"/>
+          </a:effectRef>
+          <a:fontRef idx="minor">
+            <a:schemeClr val="lt1"/>
+          </a:fontRef>
+        </p:style>
+        <p:txBody>
+          <a:bodyPr lIns="0" tIns="0" rIns="0" bIns="0" rtlCol="0" anchor="ctr"/>
+          <a:lstStyle/>
+          <a:p>
+            <a:pPr algn="ctr"/>
+            <a:r>
+              <a:rPr lang="de-DE" sz="900" dirty="0">
+                <a:solidFill>
+                  <a:schemeClr val="tx1">
+                    <a:lumMod val="75000"/>
+                    <a:lumOff val="25000"/>
+                  </a:schemeClr>
+                </a:solidFill>
+              </a:rPr>
+              <a:t>6.3</a:t>
+            </a:r>
+          </a:p>
+        </p:txBody>
+      </p:sp>
+      <p:sp>
+        <p:nvSpPr>
+          <p:cNvPr id="35" name="Ellipse 34">
+            <a:extLst>
+              <a:ext uri="{FF2B5EF4-FFF2-40B4-BE49-F238E27FC236}">
+                <a16:creationId xmlns:a16="http://schemas.microsoft.com/office/drawing/2014/main" id="{5390570A-9C3E-4000-AB16-DFAB0EB9D9D6}"/>
+              </a:ext>
+            </a:extLst>
+          </p:cNvPr>
+          <p:cNvSpPr/>
+          <p:nvPr/>
+        </p:nvSpPr>
+        <p:spPr>
+          <a:xfrm>
+            <a:off x="5883033" y="5934234"/>
+            <a:ext cx="238125" cy="238125"/>
+          </a:xfrm>
+          <a:prstGeom prst="ellipse">
+            <a:avLst/>
+          </a:prstGeom>
+          <a:solidFill>
+            <a:schemeClr val="bg1"/>
+          </a:solidFill>
+          <a:ln>
+            <a:solidFill>
+              <a:schemeClr val="tx1">
+                <a:lumMod val="75000"/>
+                <a:lumOff val="25000"/>
+              </a:schemeClr>
+            </a:solidFill>
+          </a:ln>
+        </p:spPr>
+        <p:style>
+          <a:lnRef idx="2">
+            <a:schemeClr val="accent1">
+              <a:shade val="50000"/>
+            </a:schemeClr>
+          </a:lnRef>
+          <a:fillRef idx="1">
+            <a:schemeClr val="accent1"/>
+          </a:fillRef>
+          <a:effectRef idx="0">
+            <a:schemeClr val="accent1"/>
+          </a:effectRef>
+          <a:fontRef idx="minor">
+            <a:schemeClr val="lt1"/>
+          </a:fontRef>
+        </p:style>
+        <p:txBody>
+          <a:bodyPr lIns="0" tIns="0" rIns="0" bIns="0" rtlCol="0" anchor="ctr"/>
+          <a:lstStyle/>
+          <a:p>
+            <a:pPr algn="ctr"/>
+            <a:r>
+              <a:rPr lang="de-DE" sz="900" dirty="0">
+                <a:solidFill>
+                  <a:schemeClr val="tx1">
+                    <a:lumMod val="75000"/>
+                    <a:lumOff val="25000"/>
+                  </a:schemeClr>
+                </a:solidFill>
+              </a:rPr>
+              <a:t>6.4</a:t>
+            </a:r>
+          </a:p>
+        </p:txBody>
+      </p:sp>
+    </p:spTree>
+    <p:extLst>
+      <p:ext uri="{BB962C8B-B14F-4D97-AF65-F5344CB8AC3E}">
+        <p14:creationId xmlns:p14="http://schemas.microsoft.com/office/powerpoint/2010/main" val="1595299396"/>
+      </p:ext>
+    </p:extLst>
+  </p:cSld>
+  <p:clrMapOvr>
+    <a:masterClrMapping/>
+  </p:clrMapOvr>
+</p:sld>
+</file>
+
+<file path=ppt/slides/slide13.xml><?xml version="1.0" encoding="utf-8"?>
+<p:sld xmlns:a="http://schemas.openxmlformats.org/drawingml/2006/main" xmlns:r="http://schemas.openxmlformats.org/officeDocument/2006/relationships" xmlns:p="http://schemas.openxmlformats.org/presentationml/2006/main">
+  <p:cSld>
+    <p:spTree>
+      <p:nvGrpSpPr>
+        <p:cNvPr id="1" name=""/>
+        <p:cNvGrpSpPr/>
+        <p:nvPr/>
+      </p:nvGrpSpPr>
+      <p:grpSpPr>
+        <a:xfrm>
+          <a:off x="0" y="0"/>
+          <a:ext cx="0" cy="0"/>
+          <a:chOff x="0" y="0"/>
+          <a:chExt cx="0" cy="0"/>
+        </a:xfrm>
+      </p:grpSpPr>
+      <p:pic>
+        <p:nvPicPr>
+          <p:cNvPr id="4" name="Grafik 3">
+            <a:extLst>
+              <a:ext uri="{FF2B5EF4-FFF2-40B4-BE49-F238E27FC236}">
+                <a16:creationId xmlns:a16="http://schemas.microsoft.com/office/drawing/2014/main" id="{3021ACC2-7434-4D68-8AE4-DBD6BDDC97F1}"/>
+              </a:ext>
+            </a:extLst>
+          </p:cNvPr>
+          <p:cNvPicPr>
+            <a:picLocks noChangeAspect="1"/>
+          </p:cNvPicPr>
+          <p:nvPr/>
+        </p:nvPicPr>
+        <p:blipFill>
+          <a:blip r:embed="rId2">
+            <a:extLst>
+              <a:ext uri="{28A0092B-C50C-407E-A947-70E740481C1C}">
+                <a14:useLocalDpi xmlns:a14="http://schemas.microsoft.com/office/drawing/2010/main" val="0"/>
+              </a:ext>
+            </a:extLst>
+          </a:blip>
+          <a:stretch>
+            <a:fillRect/>
+          </a:stretch>
+        </p:blipFill>
+        <p:spPr>
+          <a:xfrm>
+            <a:off x="1673524" y="301670"/>
+            <a:ext cx="9254592" cy="6254658"/>
+          </a:xfrm>
+          <a:prstGeom prst="rect">
+            <a:avLst/>
+          </a:prstGeom>
+          <a:ln w="12700">
+            <a:solidFill>
+              <a:schemeClr val="tx1"/>
+            </a:solidFill>
+          </a:ln>
+        </p:spPr>
+      </p:pic>
+      <p:sp>
+        <p:nvSpPr>
+          <p:cNvPr id="5" name="Rechteck 4">
+            <a:extLst>
+              <a:ext uri="{FF2B5EF4-FFF2-40B4-BE49-F238E27FC236}">
+                <a16:creationId xmlns:a16="http://schemas.microsoft.com/office/drawing/2014/main" id="{9FD6E7B2-771D-4DA1-B64E-D4D5829C0DDC}"/>
+              </a:ext>
+            </a:extLst>
+          </p:cNvPr>
+          <p:cNvSpPr/>
+          <p:nvPr/>
+        </p:nvSpPr>
+        <p:spPr>
+          <a:xfrm>
+            <a:off x="3329796" y="362309"/>
+            <a:ext cx="1035170" cy="138023"/>
+          </a:xfrm>
+          <a:prstGeom prst="rect">
+            <a:avLst/>
+          </a:prstGeom>
+          <a:solidFill>
+            <a:srgbClr val="FFFFFF"/>
+          </a:solidFill>
+          <a:ln>
+            <a:noFill/>
+          </a:ln>
+        </p:spPr>
+        <p:style>
+          <a:lnRef idx="2">
+            <a:schemeClr val="accent1">
+              <a:shade val="50000"/>
+            </a:schemeClr>
+          </a:lnRef>
+          <a:fillRef idx="1">
+            <a:schemeClr val="accent1"/>
+          </a:fillRef>
+          <a:effectRef idx="0">
+            <a:schemeClr val="accent1"/>
+          </a:effectRef>
+          <a:fontRef idx="minor">
+            <a:schemeClr val="lt1"/>
+          </a:fontRef>
+        </p:style>
+        <p:txBody>
+          <a:bodyPr rtlCol="0" anchor="ctr"/>
+          <a:lstStyle/>
+          <a:p>
+            <a:pPr algn="ctr"/>
+            <a:endParaRPr lang="de-DE"/>
+          </a:p>
+        </p:txBody>
+      </p:sp>
+      <p:sp>
+        <p:nvSpPr>
+          <p:cNvPr id="22" name="Rechteck 21">
+            <a:extLst>
+              <a:ext uri="{FF2B5EF4-FFF2-40B4-BE49-F238E27FC236}">
+                <a16:creationId xmlns:a16="http://schemas.microsoft.com/office/drawing/2014/main" id="{35C7B450-1B2E-4161-AB38-95E6125926B4}"/>
+              </a:ext>
+            </a:extLst>
+          </p:cNvPr>
+          <p:cNvSpPr/>
+          <p:nvPr/>
+        </p:nvSpPr>
+        <p:spPr>
+          <a:xfrm>
+            <a:off x="7902217" y="3606586"/>
+            <a:ext cx="823104" cy="316688"/>
+          </a:xfrm>
+          <a:prstGeom prst="rect">
+            <a:avLst/>
+          </a:prstGeom>
+          <a:solidFill>
+            <a:srgbClr val="FFFFFF"/>
+          </a:solidFill>
+          <a:ln>
+            <a:noFill/>
+          </a:ln>
+        </p:spPr>
+        <p:style>
+          <a:lnRef idx="2">
+            <a:schemeClr val="accent1">
+              <a:shade val="50000"/>
+            </a:schemeClr>
+          </a:lnRef>
+          <a:fillRef idx="1">
+            <a:schemeClr val="accent1"/>
+          </a:fillRef>
+          <a:effectRef idx="0">
+            <a:schemeClr val="accent1"/>
+          </a:effectRef>
+          <a:fontRef idx="minor">
+            <a:schemeClr val="lt1"/>
+          </a:fontRef>
+        </p:style>
+        <p:txBody>
+          <a:bodyPr rtlCol="0" anchor="ctr"/>
+          <a:lstStyle/>
+          <a:p>
+            <a:pPr algn="ctr"/>
+            <a:endParaRPr lang="de-DE"/>
+          </a:p>
+        </p:txBody>
+      </p:sp>
+      <p:sp>
+        <p:nvSpPr>
+          <p:cNvPr id="23" name="Legende: mit gebogener Linie 22">
+            <a:extLst>
+              <a:ext uri="{FF2B5EF4-FFF2-40B4-BE49-F238E27FC236}">
+                <a16:creationId xmlns:a16="http://schemas.microsoft.com/office/drawing/2014/main" id="{1589C81C-9C5E-4741-ADF3-F6669FB2FD35}"/>
+              </a:ext>
+            </a:extLst>
+          </p:cNvPr>
+          <p:cNvSpPr/>
+          <p:nvPr/>
+        </p:nvSpPr>
+        <p:spPr>
+          <a:xfrm flipH="1">
+            <a:off x="1350206" y="1725035"/>
+            <a:ext cx="2714925" cy="316689"/>
+          </a:xfrm>
+          <a:prstGeom prst="borderCallout2">
+            <a:avLst>
+              <a:gd name="adj1" fmla="val 18750"/>
+              <a:gd name="adj2" fmla="val -8333"/>
+              <a:gd name="adj3" fmla="val 18750"/>
+              <a:gd name="adj4" fmla="val -16667"/>
+              <a:gd name="adj5" fmla="val 310517"/>
+              <a:gd name="adj6" fmla="val -37266"/>
+            </a:avLst>
+          </a:prstGeom>
+          <a:solidFill>
+            <a:schemeClr val="bg1"/>
+          </a:solidFill>
+          <a:ln>
+            <a:solidFill>
+              <a:schemeClr val="tx1">
+                <a:lumMod val="50000"/>
+                <a:lumOff val="50000"/>
+              </a:schemeClr>
+            </a:solidFill>
+          </a:ln>
+          <a:effectLst>
+            <a:outerShdw blurRad="50800" dist="38100" dir="2700000" algn="tl" rotWithShape="0">
+              <a:prstClr val="black">
+                <a:alpha val="40000"/>
+              </a:prstClr>
+            </a:outerShdw>
+          </a:effectLst>
+        </p:spPr>
+        <p:style>
+          <a:lnRef idx="2">
+            <a:schemeClr val="accent1">
+              <a:shade val="50000"/>
+            </a:schemeClr>
+          </a:lnRef>
+          <a:fillRef idx="1">
+            <a:schemeClr val="accent1"/>
+          </a:fillRef>
+          <a:effectRef idx="0">
+            <a:schemeClr val="accent1"/>
+          </a:effectRef>
+          <a:fontRef idx="minor">
+            <a:schemeClr val="lt1"/>
+          </a:fontRef>
+        </p:style>
+        <p:txBody>
+          <a:bodyPr rtlCol="0" anchor="ctr"/>
+          <a:lstStyle/>
+          <a:p>
+            <a:pPr marL="361950" indent="-361950"/>
+            <a:r>
+              <a:rPr lang="en-US" dirty="0">
+                <a:solidFill>
+                  <a:schemeClr val="tx1">
+                    <a:lumMod val="75000"/>
+                    <a:lumOff val="25000"/>
+                  </a:schemeClr>
+                </a:solidFill>
+              </a:rPr>
+              <a:t>(1) Select Output provider</a:t>
+            </a:r>
+            <a:endParaRPr lang="de-DE" dirty="0">
+              <a:solidFill>
+                <a:schemeClr val="tx1">
+                  <a:lumMod val="75000"/>
+                  <a:lumOff val="25000"/>
+                </a:schemeClr>
+              </a:solidFill>
+            </a:endParaRPr>
+          </a:p>
+        </p:txBody>
+      </p:sp>
+      <p:sp>
+        <p:nvSpPr>
+          <p:cNvPr id="28" name="Legende: mit gebogener Linie 27">
+            <a:extLst>
+              <a:ext uri="{FF2B5EF4-FFF2-40B4-BE49-F238E27FC236}">
+                <a16:creationId xmlns:a16="http://schemas.microsoft.com/office/drawing/2014/main" id="{313BF2D1-1FDE-4CC7-A194-C200213F7280}"/>
+              </a:ext>
+            </a:extLst>
+          </p:cNvPr>
+          <p:cNvSpPr/>
+          <p:nvPr/>
+        </p:nvSpPr>
+        <p:spPr>
+          <a:xfrm flipH="1">
+            <a:off x="2082456" y="3492354"/>
+            <a:ext cx="2714925" cy="316689"/>
+          </a:xfrm>
+          <a:prstGeom prst="borderCallout2">
+            <a:avLst>
+              <a:gd name="adj1" fmla="val 18750"/>
+              <a:gd name="adj2" fmla="val -8333"/>
+              <a:gd name="adj3" fmla="val 18750"/>
+              <a:gd name="adj4" fmla="val -16667"/>
+              <a:gd name="adj5" fmla="val 262394"/>
+              <a:gd name="adj6" fmla="val -74454"/>
+            </a:avLst>
+          </a:prstGeom>
+          <a:solidFill>
+            <a:schemeClr val="bg1"/>
+          </a:solidFill>
+          <a:ln>
+            <a:solidFill>
+              <a:schemeClr val="tx1">
+                <a:lumMod val="50000"/>
+                <a:lumOff val="50000"/>
+              </a:schemeClr>
+            </a:solidFill>
+          </a:ln>
+          <a:effectLst>
+            <a:outerShdw blurRad="50800" dist="38100" dir="2700000" algn="tl" rotWithShape="0">
+              <a:prstClr val="black">
+                <a:alpha val="40000"/>
+              </a:prstClr>
+            </a:outerShdw>
+          </a:effectLst>
+        </p:spPr>
+        <p:style>
+          <a:lnRef idx="2">
+            <a:schemeClr val="accent1">
+              <a:shade val="50000"/>
+            </a:schemeClr>
+          </a:lnRef>
+          <a:fillRef idx="1">
+            <a:schemeClr val="accent1"/>
+          </a:fillRef>
+          <a:effectRef idx="0">
+            <a:schemeClr val="accent1"/>
+          </a:effectRef>
+          <a:fontRef idx="minor">
+            <a:schemeClr val="lt1"/>
+          </a:fontRef>
+        </p:style>
+        <p:txBody>
+          <a:bodyPr rtlCol="0" anchor="ctr"/>
+          <a:lstStyle/>
+          <a:p>
+            <a:pPr marL="361950" indent="-361950"/>
+            <a:r>
+              <a:rPr lang="en-US" dirty="0">
+                <a:solidFill>
+                  <a:schemeClr val="tx1">
+                    <a:lumMod val="75000"/>
+                    <a:lumOff val="25000"/>
+                  </a:schemeClr>
+                </a:solidFill>
+              </a:rPr>
+              <a:t>(2) Select “Properties”</a:t>
+            </a:r>
+            <a:endParaRPr lang="de-DE" dirty="0">
+              <a:solidFill>
+                <a:schemeClr val="tx1">
+                  <a:lumMod val="75000"/>
+                  <a:lumOff val="25000"/>
+                </a:schemeClr>
+              </a:solidFill>
+            </a:endParaRPr>
+          </a:p>
+        </p:txBody>
+      </p:sp>
+      <p:sp>
+        <p:nvSpPr>
+          <p:cNvPr id="29" name="Legende: mit gebogener Linie 28">
+            <a:extLst>
+              <a:ext uri="{FF2B5EF4-FFF2-40B4-BE49-F238E27FC236}">
+                <a16:creationId xmlns:a16="http://schemas.microsoft.com/office/drawing/2014/main" id="{1515C724-3488-42C3-B7E1-2ABA673585B6}"/>
+              </a:ext>
+            </a:extLst>
+          </p:cNvPr>
+          <p:cNvSpPr/>
+          <p:nvPr/>
+        </p:nvSpPr>
+        <p:spPr>
+          <a:xfrm flipH="1">
+            <a:off x="6719673" y="6014014"/>
+            <a:ext cx="2714925" cy="316689"/>
+          </a:xfrm>
+          <a:prstGeom prst="borderCallout2">
+            <a:avLst>
+              <a:gd name="adj1" fmla="val 18750"/>
+              <a:gd name="adj2" fmla="val -8333"/>
+              <a:gd name="adj3" fmla="val 18750"/>
+              <a:gd name="adj4" fmla="val -16667"/>
+              <a:gd name="adj5" fmla="val -254928"/>
+              <a:gd name="adj6" fmla="val -44282"/>
+            </a:avLst>
+          </a:prstGeom>
+          <a:solidFill>
+            <a:schemeClr val="bg1"/>
+          </a:solidFill>
+          <a:ln>
+            <a:solidFill>
+              <a:schemeClr val="tx1">
+                <a:lumMod val="50000"/>
+                <a:lumOff val="50000"/>
+              </a:schemeClr>
+            </a:solidFill>
+          </a:ln>
+          <a:effectLst>
+            <a:outerShdw blurRad="50800" dist="38100" dir="2700000" algn="tl" rotWithShape="0">
+              <a:prstClr val="black">
+                <a:alpha val="40000"/>
+              </a:prstClr>
+            </a:outerShdw>
+          </a:effectLst>
+        </p:spPr>
+        <p:style>
+          <a:lnRef idx="2">
+            <a:schemeClr val="accent1">
+              <a:shade val="50000"/>
+            </a:schemeClr>
+          </a:lnRef>
+          <a:fillRef idx="1">
+            <a:schemeClr val="accent1"/>
+          </a:fillRef>
+          <a:effectRef idx="0">
+            <a:schemeClr val="accent1"/>
+          </a:effectRef>
+          <a:fontRef idx="minor">
+            <a:schemeClr val="lt1"/>
+          </a:fontRef>
+        </p:style>
+        <p:txBody>
+          <a:bodyPr rtlCol="0" anchor="ctr"/>
+          <a:lstStyle/>
+          <a:p>
+            <a:pPr marL="361950" indent="-361950"/>
+            <a:r>
+              <a:rPr lang="en-US" dirty="0">
+                <a:solidFill>
+                  <a:schemeClr val="tx1">
+                    <a:lumMod val="75000"/>
+                    <a:lumOff val="25000"/>
+                  </a:schemeClr>
+                </a:solidFill>
+              </a:rPr>
+              <a:t>(3) Select “Add”</a:t>
+            </a:r>
+            <a:endParaRPr lang="de-DE" dirty="0">
+              <a:solidFill>
+                <a:schemeClr val="tx1">
+                  <a:lumMod val="75000"/>
+                  <a:lumOff val="25000"/>
+                </a:schemeClr>
+              </a:solidFill>
+            </a:endParaRPr>
+          </a:p>
+        </p:txBody>
+      </p:sp>
+      <p:grpSp>
+        <p:nvGrpSpPr>
+          <p:cNvPr id="7" name="Gruppieren 6">
+            <a:extLst>
+              <a:ext uri="{FF2B5EF4-FFF2-40B4-BE49-F238E27FC236}">
+                <a16:creationId xmlns:a16="http://schemas.microsoft.com/office/drawing/2014/main" id="{83CFC291-0E85-4CE4-896D-C5C6667460DA}"/>
+              </a:ext>
+            </a:extLst>
+          </p:cNvPr>
+          <p:cNvGrpSpPr/>
+          <p:nvPr/>
+        </p:nvGrpSpPr>
+        <p:grpSpPr>
+          <a:xfrm>
+            <a:off x="7275557" y="126292"/>
+            <a:ext cx="3453862" cy="4420334"/>
+            <a:chOff x="9643314" y="595558"/>
+            <a:chExt cx="3453862" cy="4420334"/>
+          </a:xfrm>
+          <a:effectLst>
+            <a:outerShdw blurRad="63500" sx="102000" sy="102000" algn="ctr" rotWithShape="0">
+              <a:prstClr val="black">
+                <a:alpha val="40000"/>
+              </a:prstClr>
+            </a:outerShdw>
+          </a:effectLst>
+        </p:grpSpPr>
+        <p:pic>
+          <p:nvPicPr>
+            <p:cNvPr id="3" name="Grafik 2">
+              <a:extLst>
+                <a:ext uri="{FF2B5EF4-FFF2-40B4-BE49-F238E27FC236}">
+                  <a16:creationId xmlns:a16="http://schemas.microsoft.com/office/drawing/2014/main" id="{2A91AF43-4F6A-4BFE-A2DA-F201A3EA4A64}"/>
+                </a:ext>
+              </a:extLst>
+            </p:cNvPr>
+            <p:cNvPicPr>
+              <a:picLocks noChangeAspect="1"/>
+            </p:cNvPicPr>
+            <p:nvPr/>
+          </p:nvPicPr>
+          <p:blipFill>
+            <a:blip r:embed="rId3">
+              <a:extLst>
+                <a:ext uri="{28A0092B-C50C-407E-A947-70E740481C1C}">
+                  <a14:useLocalDpi xmlns:a14="http://schemas.microsoft.com/office/drawing/2010/main" val="0"/>
+                </a:ext>
+              </a:extLst>
+            </a:blip>
+            <a:stretch>
+              <a:fillRect/>
+            </a:stretch>
+          </p:blipFill>
+          <p:spPr>
+            <a:xfrm>
+              <a:off x="9762377" y="595558"/>
+              <a:ext cx="3334799" cy="4344417"/>
+            </a:xfrm>
+            <a:prstGeom prst="rect">
+              <a:avLst/>
+            </a:prstGeom>
+          </p:spPr>
+        </p:pic>
+        <p:sp>
+          <p:nvSpPr>
+            <p:cNvPr id="30" name="Ellipse 29">
+              <a:extLst>
+                <a:ext uri="{FF2B5EF4-FFF2-40B4-BE49-F238E27FC236}">
+                  <a16:creationId xmlns:a16="http://schemas.microsoft.com/office/drawing/2014/main" id="{06B29609-2223-4704-A303-684A88F954E0}"/>
+                </a:ext>
+              </a:extLst>
+            </p:cNvPr>
+            <p:cNvSpPr/>
+            <p:nvPr/>
+          </p:nvSpPr>
+          <p:spPr>
+            <a:xfrm>
+              <a:off x="9643314" y="4777767"/>
+              <a:ext cx="238125" cy="238125"/>
+            </a:xfrm>
+            <a:prstGeom prst="ellipse">
+              <a:avLst/>
+            </a:prstGeom>
+            <a:solidFill>
+              <a:schemeClr val="bg1"/>
+            </a:solidFill>
+            <a:ln>
+              <a:solidFill>
+                <a:schemeClr val="tx1">
+                  <a:lumMod val="75000"/>
+                  <a:lumOff val="25000"/>
+                </a:schemeClr>
+              </a:solidFill>
+            </a:ln>
+          </p:spPr>
+          <p:style>
+            <a:lnRef idx="2">
+              <a:schemeClr val="accent1">
+                <a:shade val="50000"/>
+              </a:schemeClr>
+            </a:lnRef>
+            <a:fillRef idx="1">
+              <a:schemeClr val="accent1"/>
+            </a:fillRef>
+            <a:effectRef idx="0">
+              <a:schemeClr val="accent1"/>
+            </a:effectRef>
+            <a:fontRef idx="minor">
+              <a:schemeClr val="lt1"/>
+            </a:fontRef>
+          </p:style>
+          <p:txBody>
+            <a:bodyPr rtlCol="0" anchor="ctr"/>
+            <a:lstStyle/>
+            <a:p>
+              <a:pPr algn="ctr"/>
+              <a:r>
+                <a:rPr lang="de-DE" dirty="0">
+                  <a:solidFill>
+                    <a:schemeClr val="tx1">
+                      <a:lumMod val="75000"/>
+                      <a:lumOff val="25000"/>
+                    </a:schemeClr>
+                  </a:solidFill>
+                </a:rPr>
+                <a:t>4</a:t>
+              </a:r>
+            </a:p>
+          </p:txBody>
+        </p:sp>
+      </p:grpSp>
+      <p:sp>
+        <p:nvSpPr>
+          <p:cNvPr id="32" name="Ellipse 31">
+            <a:extLst>
+              <a:ext uri="{FF2B5EF4-FFF2-40B4-BE49-F238E27FC236}">
+                <a16:creationId xmlns:a16="http://schemas.microsoft.com/office/drawing/2014/main" id="{D5B43A51-E4ED-4A65-912B-85B2E8ED8070}"/>
+              </a:ext>
+            </a:extLst>
+          </p:cNvPr>
+          <p:cNvSpPr/>
+          <p:nvPr/>
+        </p:nvSpPr>
+        <p:spPr>
+          <a:xfrm>
+            <a:off x="8313769" y="870259"/>
+            <a:ext cx="238125" cy="238125"/>
+          </a:xfrm>
+          <a:prstGeom prst="ellipse">
+            <a:avLst/>
+          </a:prstGeom>
+          <a:solidFill>
+            <a:schemeClr val="bg1"/>
+          </a:solidFill>
+          <a:ln>
+            <a:solidFill>
+              <a:schemeClr val="tx1">
+                <a:lumMod val="75000"/>
+                <a:lumOff val="25000"/>
+              </a:schemeClr>
+            </a:solidFill>
+          </a:ln>
+        </p:spPr>
+        <p:style>
+          <a:lnRef idx="2">
+            <a:schemeClr val="accent1">
+              <a:shade val="50000"/>
+            </a:schemeClr>
+          </a:lnRef>
+          <a:fillRef idx="1">
+            <a:schemeClr val="accent1"/>
+          </a:fillRef>
+          <a:effectRef idx="0">
+            <a:schemeClr val="accent1"/>
+          </a:effectRef>
+          <a:fontRef idx="minor">
+            <a:schemeClr val="lt1"/>
+          </a:fontRef>
+        </p:style>
+        <p:txBody>
+          <a:bodyPr lIns="0" tIns="0" rIns="0" bIns="0" rtlCol="0" anchor="ctr"/>
+          <a:lstStyle/>
+          <a:p>
+            <a:pPr algn="ctr"/>
+            <a:r>
+              <a:rPr lang="de-DE" sz="900" dirty="0">
+                <a:solidFill>
+                  <a:schemeClr val="tx1">
+                    <a:lumMod val="75000"/>
+                    <a:lumOff val="25000"/>
+                  </a:schemeClr>
+                </a:solidFill>
+              </a:rPr>
+              <a:t>4.1</a:t>
+            </a:r>
+          </a:p>
+        </p:txBody>
+      </p:sp>
+      <p:sp>
+        <p:nvSpPr>
+          <p:cNvPr id="33" name="Ellipse 32">
+            <a:extLst>
+              <a:ext uri="{FF2B5EF4-FFF2-40B4-BE49-F238E27FC236}">
+                <a16:creationId xmlns:a16="http://schemas.microsoft.com/office/drawing/2014/main" id="{42850773-530A-4731-BC04-6F341E3409F2}"/>
+              </a:ext>
+            </a:extLst>
+          </p:cNvPr>
+          <p:cNvSpPr/>
+          <p:nvPr/>
+        </p:nvSpPr>
+        <p:spPr>
+          <a:xfrm>
+            <a:off x="9434598" y="2069900"/>
+            <a:ext cx="238125" cy="238125"/>
+          </a:xfrm>
+          <a:prstGeom prst="ellipse">
+            <a:avLst/>
+          </a:prstGeom>
+          <a:solidFill>
+            <a:schemeClr val="bg1"/>
+          </a:solidFill>
+          <a:ln>
+            <a:solidFill>
+              <a:schemeClr val="tx1">
+                <a:lumMod val="75000"/>
+                <a:lumOff val="25000"/>
+              </a:schemeClr>
+            </a:solidFill>
+          </a:ln>
+        </p:spPr>
+        <p:style>
+          <a:lnRef idx="2">
+            <a:schemeClr val="accent1">
+              <a:shade val="50000"/>
+            </a:schemeClr>
+          </a:lnRef>
+          <a:fillRef idx="1">
+            <a:schemeClr val="accent1"/>
+          </a:fillRef>
+          <a:effectRef idx="0">
+            <a:schemeClr val="accent1"/>
+          </a:effectRef>
+          <a:fontRef idx="minor">
+            <a:schemeClr val="lt1"/>
+          </a:fontRef>
+        </p:style>
+        <p:txBody>
+          <a:bodyPr lIns="0" tIns="0" rIns="0" bIns="0" rtlCol="0" anchor="ctr"/>
+          <a:lstStyle/>
+          <a:p>
+            <a:pPr algn="ctr"/>
+            <a:r>
+              <a:rPr lang="de-DE" sz="900" dirty="0">
+                <a:solidFill>
+                  <a:schemeClr val="tx1">
+                    <a:lumMod val="75000"/>
+                    <a:lumOff val="25000"/>
+                  </a:schemeClr>
+                </a:solidFill>
+              </a:rPr>
+              <a:t>4.2</a:t>
+            </a:r>
+          </a:p>
+        </p:txBody>
+      </p:sp>
+      <p:sp>
+        <p:nvSpPr>
+          <p:cNvPr id="34" name="Ellipse 33">
+            <a:extLst>
+              <a:ext uri="{FF2B5EF4-FFF2-40B4-BE49-F238E27FC236}">
+                <a16:creationId xmlns:a16="http://schemas.microsoft.com/office/drawing/2014/main" id="{225DA54B-94E1-4F65-BA7C-C52E9D246D71}"/>
+              </a:ext>
+            </a:extLst>
+          </p:cNvPr>
+          <p:cNvSpPr/>
+          <p:nvPr/>
+        </p:nvSpPr>
+        <p:spPr>
+          <a:xfrm>
+            <a:off x="9196473" y="2571909"/>
+            <a:ext cx="238125" cy="238125"/>
+          </a:xfrm>
+          <a:prstGeom prst="ellipse">
+            <a:avLst/>
+          </a:prstGeom>
+          <a:solidFill>
+            <a:schemeClr val="bg1"/>
+          </a:solidFill>
+          <a:ln>
+            <a:solidFill>
+              <a:schemeClr val="tx1">
+                <a:lumMod val="75000"/>
+                <a:lumOff val="25000"/>
+              </a:schemeClr>
+            </a:solidFill>
+          </a:ln>
+        </p:spPr>
+        <p:style>
+          <a:lnRef idx="2">
+            <a:schemeClr val="accent1">
+              <a:shade val="50000"/>
+            </a:schemeClr>
+          </a:lnRef>
+          <a:fillRef idx="1">
+            <a:schemeClr val="accent1"/>
+          </a:fillRef>
+          <a:effectRef idx="0">
+            <a:schemeClr val="accent1"/>
+          </a:effectRef>
+          <a:fontRef idx="minor">
+            <a:schemeClr val="lt1"/>
+          </a:fontRef>
+        </p:style>
+        <p:txBody>
+          <a:bodyPr lIns="0" tIns="0" rIns="0" bIns="0" rtlCol="0" anchor="ctr"/>
+          <a:lstStyle/>
+          <a:p>
+            <a:pPr algn="ctr"/>
+            <a:r>
+              <a:rPr lang="de-DE" sz="900" dirty="0">
+                <a:solidFill>
+                  <a:schemeClr val="tx1">
+                    <a:lumMod val="75000"/>
+                    <a:lumOff val="25000"/>
+                  </a:schemeClr>
+                </a:solidFill>
+              </a:rPr>
+              <a:t>4.3</a:t>
+            </a:r>
+          </a:p>
+        </p:txBody>
+      </p:sp>
+    </p:spTree>
+    <p:extLst>
+      <p:ext uri="{BB962C8B-B14F-4D97-AF65-F5344CB8AC3E}">
+        <p14:creationId xmlns:p14="http://schemas.microsoft.com/office/powerpoint/2010/main" val="2587275643"/>
+      </p:ext>
+    </p:extLst>
+  </p:cSld>
+  <p:clrMapOvr>
+    <a:masterClrMapping/>
+  </p:clrMapOvr>
+</p:sld>
+</file>
+
+<file path=ppt/slides/slide14.xml><?xml version="1.0" encoding="utf-8"?>
+<p:sld xmlns:a="http://schemas.openxmlformats.org/drawingml/2006/main" xmlns:r="http://schemas.openxmlformats.org/officeDocument/2006/relationships" xmlns:p="http://schemas.openxmlformats.org/presentationml/2006/main">
+  <p:cSld>
+    <p:spTree>
+      <p:nvGrpSpPr>
+        <p:cNvPr id="1" name=""/>
+        <p:cNvGrpSpPr/>
+        <p:nvPr/>
+      </p:nvGrpSpPr>
+      <p:grpSpPr>
+        <a:xfrm>
+          <a:off x="0" y="0"/>
+          <a:ext cx="0" cy="0"/>
+          <a:chOff x="0" y="0"/>
+          <a:chExt cx="0" cy="0"/>
+        </a:xfrm>
+      </p:grpSpPr>
+      <p:pic>
+        <p:nvPicPr>
+          <p:cNvPr id="4" name="Grafik 3">
+            <a:extLst>
+              <a:ext uri="{FF2B5EF4-FFF2-40B4-BE49-F238E27FC236}">
+                <a16:creationId xmlns:a16="http://schemas.microsoft.com/office/drawing/2014/main" id="{3021ACC2-7434-4D68-8AE4-DBD6BDDC97F1}"/>
+              </a:ext>
+            </a:extLst>
+          </p:cNvPr>
+          <p:cNvPicPr>
+            <a:picLocks noChangeAspect="1"/>
+          </p:cNvPicPr>
+          <p:nvPr/>
+        </p:nvPicPr>
+        <p:blipFill>
+          <a:blip r:embed="rId2">
+            <a:extLst>
+              <a:ext uri="{28A0092B-C50C-407E-A947-70E740481C1C}">
+                <a14:useLocalDpi xmlns:a14="http://schemas.microsoft.com/office/drawing/2010/main" val="0"/>
+              </a:ext>
+            </a:extLst>
+          </a:blip>
+          <a:stretch>
+            <a:fillRect/>
+          </a:stretch>
+        </p:blipFill>
+        <p:spPr>
+          <a:xfrm>
+            <a:off x="1673524" y="301670"/>
+            <a:ext cx="9254592" cy="6254657"/>
+          </a:xfrm>
+          <a:prstGeom prst="rect">
+            <a:avLst/>
+          </a:prstGeom>
+          <a:ln w="12700">
+            <a:solidFill>
+              <a:schemeClr val="tx1"/>
+            </a:solidFill>
+          </a:ln>
+        </p:spPr>
+      </p:pic>
+      <p:sp>
+        <p:nvSpPr>
+          <p:cNvPr id="5" name="Rechteck 4">
+            <a:extLst>
+              <a:ext uri="{FF2B5EF4-FFF2-40B4-BE49-F238E27FC236}">
+                <a16:creationId xmlns:a16="http://schemas.microsoft.com/office/drawing/2014/main" id="{9FD6E7B2-771D-4DA1-B64E-D4D5829C0DDC}"/>
+              </a:ext>
+            </a:extLst>
+          </p:cNvPr>
+          <p:cNvSpPr/>
+          <p:nvPr/>
+        </p:nvSpPr>
+        <p:spPr>
+          <a:xfrm>
+            <a:off x="3329796" y="362309"/>
+            <a:ext cx="1035170" cy="138023"/>
+          </a:xfrm>
+          <a:prstGeom prst="rect">
+            <a:avLst/>
+          </a:prstGeom>
+          <a:solidFill>
+            <a:srgbClr val="FFFFFF"/>
+          </a:solidFill>
+          <a:ln>
+            <a:noFill/>
+          </a:ln>
+        </p:spPr>
+        <p:style>
+          <a:lnRef idx="2">
+            <a:schemeClr val="accent1">
+              <a:shade val="50000"/>
+            </a:schemeClr>
+          </a:lnRef>
+          <a:fillRef idx="1">
+            <a:schemeClr val="accent1"/>
+          </a:fillRef>
+          <a:effectRef idx="0">
+            <a:schemeClr val="accent1"/>
+          </a:effectRef>
+          <a:fontRef idx="minor">
+            <a:schemeClr val="lt1"/>
+          </a:fontRef>
+        </p:style>
+        <p:txBody>
+          <a:bodyPr rtlCol="0" anchor="ctr"/>
+          <a:lstStyle/>
+          <a:p>
+            <a:pPr algn="ctr"/>
+            <a:endParaRPr lang="de-DE"/>
+          </a:p>
+        </p:txBody>
+      </p:sp>
+      <p:sp>
+        <p:nvSpPr>
+          <p:cNvPr id="22" name="Rechteck 21">
+            <a:extLst>
+              <a:ext uri="{FF2B5EF4-FFF2-40B4-BE49-F238E27FC236}">
+                <a16:creationId xmlns:a16="http://schemas.microsoft.com/office/drawing/2014/main" id="{35C7B450-1B2E-4161-AB38-95E6125926B4}"/>
+              </a:ext>
+            </a:extLst>
+          </p:cNvPr>
+          <p:cNvSpPr/>
+          <p:nvPr/>
+        </p:nvSpPr>
+        <p:spPr>
+          <a:xfrm>
+            <a:off x="7902217" y="3606586"/>
+            <a:ext cx="823104" cy="316688"/>
+          </a:xfrm>
+          <a:prstGeom prst="rect">
+            <a:avLst/>
+          </a:prstGeom>
+          <a:solidFill>
+            <a:srgbClr val="FFFFFF"/>
+          </a:solidFill>
+          <a:ln>
+            <a:noFill/>
+          </a:ln>
+        </p:spPr>
+        <p:style>
+          <a:lnRef idx="2">
+            <a:schemeClr val="accent1">
+              <a:shade val="50000"/>
+            </a:schemeClr>
+          </a:lnRef>
+          <a:fillRef idx="1">
+            <a:schemeClr val="accent1"/>
+          </a:fillRef>
+          <a:effectRef idx="0">
+            <a:schemeClr val="accent1"/>
+          </a:effectRef>
+          <a:fontRef idx="minor">
+            <a:schemeClr val="lt1"/>
+          </a:fontRef>
+        </p:style>
+        <p:txBody>
+          <a:bodyPr rtlCol="0" anchor="ctr"/>
+          <a:lstStyle/>
+          <a:p>
+            <a:pPr algn="ctr"/>
+            <a:endParaRPr lang="de-DE"/>
+          </a:p>
+        </p:txBody>
+      </p:sp>
+      <p:pic>
+        <p:nvPicPr>
+          <p:cNvPr id="6" name="Grafik 5">
+            <a:extLst>
+              <a:ext uri="{FF2B5EF4-FFF2-40B4-BE49-F238E27FC236}">
+                <a16:creationId xmlns:a16="http://schemas.microsoft.com/office/drawing/2014/main" id="{44065711-3DD1-45D4-936D-92C552DB45C1}"/>
+              </a:ext>
+            </a:extLst>
+          </p:cNvPr>
+          <p:cNvPicPr>
+            <a:picLocks noChangeAspect="1"/>
+          </p:cNvPicPr>
+          <p:nvPr/>
+        </p:nvPicPr>
+        <p:blipFill>
+          <a:blip r:embed="rId3"/>
+          <a:stretch>
+            <a:fillRect/>
+          </a:stretch>
+        </p:blipFill>
+        <p:spPr>
+          <a:xfrm>
+            <a:off x="645565" y="3606586"/>
+            <a:ext cx="3976576" cy="3010380"/>
+          </a:xfrm>
+          <a:prstGeom prst="rect">
+            <a:avLst/>
+          </a:prstGeom>
+        </p:spPr>
+      </p:pic>
+      <p:pic>
+        <p:nvPicPr>
+          <p:cNvPr id="8" name="Grafik 7">
+            <a:extLst>
+              <a:ext uri="{FF2B5EF4-FFF2-40B4-BE49-F238E27FC236}">
+                <a16:creationId xmlns:a16="http://schemas.microsoft.com/office/drawing/2014/main" id="{BDF11FEA-C048-4C20-AEB6-18955EAC246B}"/>
+              </a:ext>
+            </a:extLst>
+          </p:cNvPr>
+          <p:cNvPicPr>
+            <a:picLocks noChangeAspect="1"/>
+          </p:cNvPicPr>
+          <p:nvPr/>
+        </p:nvPicPr>
+        <p:blipFill>
+          <a:blip r:embed="rId4"/>
+          <a:stretch>
+            <a:fillRect/>
+          </a:stretch>
+        </p:blipFill>
+        <p:spPr>
+          <a:xfrm>
+            <a:off x="5100747" y="3606585"/>
+            <a:ext cx="3976577" cy="3010381"/>
+          </a:xfrm>
+          <a:prstGeom prst="rect">
+            <a:avLst/>
+          </a:prstGeom>
+        </p:spPr>
+      </p:pic>
+      <p:sp>
+        <p:nvSpPr>
+          <p:cNvPr id="17" name="Ellipse 16">
+            <a:extLst>
+              <a:ext uri="{FF2B5EF4-FFF2-40B4-BE49-F238E27FC236}">
+                <a16:creationId xmlns:a16="http://schemas.microsoft.com/office/drawing/2014/main" id="{C9738D7F-7AF3-458D-B427-57F3C1142A26}"/>
+              </a:ext>
+            </a:extLst>
+          </p:cNvPr>
+          <p:cNvSpPr/>
+          <p:nvPr/>
+        </p:nvSpPr>
+        <p:spPr>
+          <a:xfrm>
+            <a:off x="526502" y="6497903"/>
+            <a:ext cx="238125" cy="238125"/>
+          </a:xfrm>
+          <a:prstGeom prst="ellipse">
+            <a:avLst/>
+          </a:prstGeom>
+          <a:solidFill>
+            <a:schemeClr val="bg1"/>
+          </a:solidFill>
+          <a:ln>
+            <a:solidFill>
+              <a:schemeClr val="tx1">
+                <a:lumMod val="75000"/>
+                <a:lumOff val="25000"/>
+              </a:schemeClr>
+            </a:solidFill>
+          </a:ln>
+        </p:spPr>
+        <p:style>
+          <a:lnRef idx="2">
+            <a:schemeClr val="accent1">
+              <a:shade val="50000"/>
+            </a:schemeClr>
+          </a:lnRef>
+          <a:fillRef idx="1">
+            <a:schemeClr val="accent1"/>
+          </a:fillRef>
+          <a:effectRef idx="0">
+            <a:schemeClr val="accent1"/>
+          </a:effectRef>
+          <a:fontRef idx="minor">
+            <a:schemeClr val="lt1"/>
+          </a:fontRef>
+        </p:style>
+        <p:txBody>
+          <a:bodyPr rtlCol="0" anchor="ctr"/>
+          <a:lstStyle/>
+          <a:p>
+            <a:pPr algn="ctr"/>
+            <a:r>
+              <a:rPr lang="de-DE" dirty="0">
+                <a:solidFill>
+                  <a:schemeClr val="tx1">
+                    <a:lumMod val="75000"/>
+                    <a:lumOff val="25000"/>
+                  </a:schemeClr>
+                </a:solidFill>
+              </a:rPr>
+              <a:t>2</a:t>
+            </a:r>
+          </a:p>
+        </p:txBody>
+      </p:sp>
+      <p:sp>
+        <p:nvSpPr>
+          <p:cNvPr id="18" name="Ellipse 17">
+            <a:extLst>
+              <a:ext uri="{FF2B5EF4-FFF2-40B4-BE49-F238E27FC236}">
+                <a16:creationId xmlns:a16="http://schemas.microsoft.com/office/drawing/2014/main" id="{7DD9E9F0-A888-4EDE-9FE6-29225D9C6D75}"/>
+              </a:ext>
+            </a:extLst>
+          </p:cNvPr>
+          <p:cNvSpPr/>
+          <p:nvPr/>
+        </p:nvSpPr>
+        <p:spPr>
+          <a:xfrm>
+            <a:off x="4981684" y="6497903"/>
+            <a:ext cx="238125" cy="238125"/>
+          </a:xfrm>
+          <a:prstGeom prst="ellipse">
+            <a:avLst/>
+          </a:prstGeom>
+          <a:solidFill>
+            <a:schemeClr val="bg1"/>
+          </a:solidFill>
+          <a:ln>
+            <a:solidFill>
+              <a:schemeClr val="tx1">
+                <a:lumMod val="75000"/>
+                <a:lumOff val="25000"/>
+              </a:schemeClr>
+            </a:solidFill>
+          </a:ln>
+        </p:spPr>
+        <p:style>
+          <a:lnRef idx="2">
+            <a:schemeClr val="accent1">
+              <a:shade val="50000"/>
+            </a:schemeClr>
+          </a:lnRef>
+          <a:fillRef idx="1">
+            <a:schemeClr val="accent1"/>
+          </a:fillRef>
+          <a:effectRef idx="0">
+            <a:schemeClr val="accent1"/>
+          </a:effectRef>
+          <a:fontRef idx="minor">
+            <a:schemeClr val="lt1"/>
+          </a:fontRef>
+        </p:style>
+        <p:txBody>
+          <a:bodyPr rtlCol="0" anchor="ctr"/>
+          <a:lstStyle/>
+          <a:p>
+            <a:pPr algn="ctr"/>
+            <a:r>
+              <a:rPr lang="de-DE" dirty="0">
+                <a:solidFill>
+                  <a:schemeClr val="tx1">
+                    <a:lumMod val="75000"/>
+                    <a:lumOff val="25000"/>
+                  </a:schemeClr>
+                </a:solidFill>
+              </a:rPr>
+              <a:t>4</a:t>
+            </a:r>
+          </a:p>
+        </p:txBody>
+      </p:sp>
+      <p:sp>
+        <p:nvSpPr>
+          <p:cNvPr id="19" name="Legende: mit gebogener Linie 18">
+            <a:extLst>
+              <a:ext uri="{FF2B5EF4-FFF2-40B4-BE49-F238E27FC236}">
+                <a16:creationId xmlns:a16="http://schemas.microsoft.com/office/drawing/2014/main" id="{F8CC6DF2-A11C-4530-8427-D2B6A7DCEA1E}"/>
+              </a:ext>
+            </a:extLst>
+          </p:cNvPr>
+          <p:cNvSpPr/>
+          <p:nvPr/>
+        </p:nvSpPr>
+        <p:spPr>
+          <a:xfrm flipH="1">
+            <a:off x="3329794" y="1367107"/>
+            <a:ext cx="3511589" cy="556943"/>
+          </a:xfrm>
+          <a:prstGeom prst="borderCallout2">
+            <a:avLst>
+              <a:gd name="adj1" fmla="val 18750"/>
+              <a:gd name="adj2" fmla="val -8333"/>
+              <a:gd name="adj3" fmla="val 18750"/>
+              <a:gd name="adj4" fmla="val -16667"/>
+              <a:gd name="adj5" fmla="val 18890"/>
+              <a:gd name="adj6" fmla="val -32029"/>
+            </a:avLst>
+          </a:prstGeom>
+          <a:solidFill>
+            <a:schemeClr val="bg1"/>
+          </a:solidFill>
+          <a:ln>
+            <a:solidFill>
+              <a:schemeClr val="tx1">
+                <a:lumMod val="50000"/>
+                <a:lumOff val="50000"/>
+              </a:schemeClr>
+            </a:solidFill>
+          </a:ln>
+          <a:effectLst>
+            <a:outerShdw blurRad="50800" dist="38100" dir="2700000" algn="tl" rotWithShape="0">
+              <a:prstClr val="black">
+                <a:alpha val="40000"/>
+              </a:prstClr>
+            </a:outerShdw>
+          </a:effectLst>
+        </p:spPr>
+        <p:style>
+          <a:lnRef idx="2">
+            <a:schemeClr val="accent1">
+              <a:shade val="50000"/>
+            </a:schemeClr>
+          </a:lnRef>
+          <a:fillRef idx="1">
+            <a:schemeClr val="accent1"/>
+          </a:fillRef>
+          <a:effectRef idx="0">
+            <a:schemeClr val="accent1"/>
+          </a:effectRef>
+          <a:fontRef idx="minor">
+            <a:schemeClr val="lt1"/>
+          </a:fontRef>
+        </p:style>
+        <p:txBody>
+          <a:bodyPr rtlCol="0" anchor="ctr"/>
+          <a:lstStyle/>
+          <a:p>
+            <a:pPr marL="361950" indent="-361950"/>
+            <a:r>
+              <a:rPr lang="en-US" dirty="0">
+                <a:solidFill>
+                  <a:schemeClr val="tx1">
+                    <a:lumMod val="75000"/>
+                    <a:lumOff val="25000"/>
+                  </a:schemeClr>
+                </a:solidFill>
+              </a:rPr>
+              <a:t>(1) Draw connection between input provider and tool</a:t>
+            </a:r>
+            <a:endParaRPr lang="de-DE" dirty="0">
+              <a:solidFill>
+                <a:schemeClr val="tx1">
+                  <a:lumMod val="75000"/>
+                  <a:lumOff val="25000"/>
+                </a:schemeClr>
+              </a:solidFill>
+            </a:endParaRPr>
+          </a:p>
+        </p:txBody>
+      </p:sp>
+      <p:cxnSp>
+        <p:nvCxnSpPr>
+          <p:cNvPr id="10" name="Gerader Verbinder 9">
+            <a:extLst>
+              <a:ext uri="{FF2B5EF4-FFF2-40B4-BE49-F238E27FC236}">
+                <a16:creationId xmlns:a16="http://schemas.microsoft.com/office/drawing/2014/main" id="{C35D8B99-17DA-42BF-8E02-B2FC14A44854}"/>
+              </a:ext>
+            </a:extLst>
+          </p:cNvPr>
+          <p:cNvCxnSpPr/>
+          <p:nvPr/>
+        </p:nvCxnSpPr>
+        <p:spPr>
+          <a:xfrm flipV="1">
+            <a:off x="3409950" y="2047875"/>
+            <a:ext cx="304800" cy="638175"/>
+          </a:xfrm>
+          <a:prstGeom prst="line">
+            <a:avLst/>
+          </a:prstGeom>
+          <a:solidFill>
+            <a:schemeClr val="bg1"/>
+          </a:solidFill>
+          <a:ln>
+            <a:solidFill>
+              <a:schemeClr val="tx1">
+                <a:lumMod val="50000"/>
+                <a:lumOff val="50000"/>
+              </a:schemeClr>
+            </a:solidFill>
+          </a:ln>
+          <a:effectLst>
+            <a:outerShdw blurRad="50800" dist="38100" dir="2700000" algn="tl" rotWithShape="0">
+              <a:prstClr val="black">
+                <a:alpha val="40000"/>
+              </a:prstClr>
+            </a:outerShdw>
+          </a:effectLst>
+        </p:spPr>
+        <p:style>
+          <a:lnRef idx="2">
+            <a:schemeClr val="accent1">
+              <a:shade val="50000"/>
+            </a:schemeClr>
+          </a:lnRef>
+          <a:fillRef idx="1">
+            <a:schemeClr val="accent1"/>
+          </a:fillRef>
+          <a:effectRef idx="0">
+            <a:schemeClr val="accent1"/>
+          </a:effectRef>
+          <a:fontRef idx="minor">
+            <a:schemeClr val="lt1"/>
+          </a:fontRef>
+        </p:style>
+      </p:cxnSp>
+      <p:cxnSp>
+        <p:nvCxnSpPr>
+          <p:cNvPr id="24" name="Gerader Verbinder 23">
+            <a:extLst>
+              <a:ext uri="{FF2B5EF4-FFF2-40B4-BE49-F238E27FC236}">
+                <a16:creationId xmlns:a16="http://schemas.microsoft.com/office/drawing/2014/main" id="{0E4A957F-ADC6-4D0D-8EED-8CA347733818}"/>
+              </a:ext>
+            </a:extLst>
+          </p:cNvPr>
+          <p:cNvCxnSpPr>
+            <a:cxnSpLocks/>
+          </p:cNvCxnSpPr>
+          <p:nvPr/>
+        </p:nvCxnSpPr>
+        <p:spPr>
+          <a:xfrm flipH="1" flipV="1">
+            <a:off x="3867150" y="2047875"/>
+            <a:ext cx="171450" cy="638175"/>
+          </a:xfrm>
+          <a:prstGeom prst="line">
+            <a:avLst/>
+          </a:prstGeom>
+          <a:solidFill>
+            <a:schemeClr val="bg1"/>
+          </a:solidFill>
+          <a:ln>
+            <a:solidFill>
+              <a:schemeClr val="tx1">
+                <a:lumMod val="50000"/>
+                <a:lumOff val="50000"/>
+              </a:schemeClr>
+            </a:solidFill>
+          </a:ln>
+          <a:effectLst>
+            <a:outerShdw blurRad="50800" dist="38100" dir="2700000" algn="tl" rotWithShape="0">
+              <a:prstClr val="black">
+                <a:alpha val="40000"/>
+              </a:prstClr>
+            </a:outerShdw>
+          </a:effectLst>
+        </p:spPr>
+        <p:style>
+          <a:lnRef idx="2">
+            <a:schemeClr val="accent1">
+              <a:shade val="50000"/>
+            </a:schemeClr>
+          </a:lnRef>
+          <a:fillRef idx="1">
+            <a:schemeClr val="accent1"/>
+          </a:fillRef>
+          <a:effectRef idx="0">
+            <a:schemeClr val="accent1"/>
+          </a:effectRef>
+          <a:fontRef idx="minor">
+            <a:schemeClr val="lt1"/>
+          </a:fontRef>
+        </p:style>
+      </p:cxnSp>
+      <p:sp>
+        <p:nvSpPr>
+          <p:cNvPr id="26" name="Ellipse 25">
+            <a:extLst>
+              <a:ext uri="{FF2B5EF4-FFF2-40B4-BE49-F238E27FC236}">
+                <a16:creationId xmlns:a16="http://schemas.microsoft.com/office/drawing/2014/main" id="{8C190E25-7CAD-4648-AA62-D3D7E3205CBA}"/>
+              </a:ext>
+            </a:extLst>
+          </p:cNvPr>
+          <p:cNvSpPr/>
+          <p:nvPr/>
+        </p:nvSpPr>
+        <p:spPr>
+          <a:xfrm>
+            <a:off x="9313894" y="1348057"/>
+            <a:ext cx="238125" cy="238125"/>
+          </a:xfrm>
+          <a:prstGeom prst="ellipse">
+            <a:avLst/>
+          </a:prstGeom>
+          <a:solidFill>
+            <a:schemeClr val="bg1"/>
+          </a:solidFill>
+          <a:ln>
+            <a:solidFill>
+              <a:schemeClr val="tx1">
+                <a:lumMod val="75000"/>
+                <a:lumOff val="25000"/>
+              </a:schemeClr>
+            </a:solidFill>
+          </a:ln>
+          <a:effectLst>
+            <a:outerShdw blurRad="50800" dist="38100" dir="2700000" algn="tl" rotWithShape="0">
+              <a:prstClr val="black">
+                <a:alpha val="40000"/>
+              </a:prstClr>
+            </a:outerShdw>
+          </a:effectLst>
+        </p:spPr>
+        <p:style>
+          <a:lnRef idx="2">
+            <a:schemeClr val="accent1">
+              <a:shade val="50000"/>
+            </a:schemeClr>
+          </a:lnRef>
+          <a:fillRef idx="1">
+            <a:schemeClr val="accent1"/>
+          </a:fillRef>
+          <a:effectRef idx="0">
+            <a:schemeClr val="accent1"/>
+          </a:effectRef>
+          <a:fontRef idx="minor">
+            <a:schemeClr val="lt1"/>
+          </a:fontRef>
+        </p:style>
+        <p:txBody>
+          <a:bodyPr lIns="0" tIns="0" rIns="0" bIns="0" rtlCol="0" anchor="ctr"/>
+          <a:lstStyle/>
+          <a:p>
+            <a:pPr algn="ctr"/>
+            <a:r>
+              <a:rPr lang="de-DE" sz="900" dirty="0">
+                <a:solidFill>
+                  <a:schemeClr val="tx1">
+                    <a:lumMod val="75000"/>
+                    <a:lumOff val="25000"/>
+                  </a:schemeClr>
+                </a:solidFill>
+              </a:rPr>
+              <a:t>1.1</a:t>
+            </a:r>
+          </a:p>
+        </p:txBody>
+      </p:sp>
+      <p:sp>
+        <p:nvSpPr>
+          <p:cNvPr id="27" name="Ellipse 26">
+            <a:extLst>
+              <a:ext uri="{FF2B5EF4-FFF2-40B4-BE49-F238E27FC236}">
+                <a16:creationId xmlns:a16="http://schemas.microsoft.com/office/drawing/2014/main" id="{A13FBF45-F1AC-47E1-B7C4-FED84EEF280B}"/>
+              </a:ext>
+            </a:extLst>
+          </p:cNvPr>
+          <p:cNvSpPr/>
+          <p:nvPr/>
+        </p:nvSpPr>
+        <p:spPr>
+          <a:xfrm>
+            <a:off x="3433763" y="2265255"/>
+            <a:ext cx="238125" cy="238125"/>
+          </a:xfrm>
+          <a:prstGeom prst="ellipse">
+            <a:avLst/>
+          </a:prstGeom>
+          <a:solidFill>
+            <a:schemeClr val="bg1"/>
+          </a:solidFill>
+          <a:ln>
+            <a:solidFill>
+              <a:schemeClr val="tx1">
+                <a:lumMod val="75000"/>
+                <a:lumOff val="25000"/>
+              </a:schemeClr>
+            </a:solidFill>
+          </a:ln>
+          <a:effectLst>
+            <a:outerShdw blurRad="50800" dist="38100" dir="2700000" algn="tl" rotWithShape="0">
+              <a:prstClr val="black">
+                <a:alpha val="40000"/>
+              </a:prstClr>
+            </a:outerShdw>
+          </a:effectLst>
+        </p:spPr>
+        <p:style>
+          <a:lnRef idx="2">
+            <a:schemeClr val="accent1">
+              <a:shade val="50000"/>
+            </a:schemeClr>
+          </a:lnRef>
+          <a:fillRef idx="1">
+            <a:schemeClr val="accent1"/>
+          </a:fillRef>
+          <a:effectRef idx="0">
+            <a:schemeClr val="accent1"/>
+          </a:effectRef>
+          <a:fontRef idx="minor">
+            <a:schemeClr val="lt1"/>
+          </a:fontRef>
+        </p:style>
+        <p:txBody>
+          <a:bodyPr lIns="0" tIns="0" rIns="0" bIns="0" rtlCol="0" anchor="ctr"/>
+          <a:lstStyle/>
+          <a:p>
+            <a:pPr algn="ctr"/>
+            <a:r>
+              <a:rPr lang="de-DE" sz="900" dirty="0">
+                <a:solidFill>
+                  <a:schemeClr val="tx1">
+                    <a:lumMod val="75000"/>
+                    <a:lumOff val="25000"/>
+                  </a:schemeClr>
+                </a:solidFill>
+              </a:rPr>
+              <a:t>1.2</a:t>
+            </a:r>
+          </a:p>
+        </p:txBody>
+      </p:sp>
+      <p:sp>
+        <p:nvSpPr>
+          <p:cNvPr id="31" name="Ellipse 30">
+            <a:extLst>
+              <a:ext uri="{FF2B5EF4-FFF2-40B4-BE49-F238E27FC236}">
+                <a16:creationId xmlns:a16="http://schemas.microsoft.com/office/drawing/2014/main" id="{38606985-50A7-4724-B0FB-48B4F4489403}"/>
+              </a:ext>
+            </a:extLst>
+          </p:cNvPr>
+          <p:cNvSpPr/>
+          <p:nvPr/>
+        </p:nvSpPr>
+        <p:spPr>
+          <a:xfrm>
+            <a:off x="3800475" y="2128837"/>
+            <a:ext cx="238125" cy="238125"/>
+          </a:xfrm>
+          <a:prstGeom prst="ellipse">
+            <a:avLst/>
+          </a:prstGeom>
+          <a:solidFill>
+            <a:schemeClr val="bg1"/>
+          </a:solidFill>
+          <a:ln>
+            <a:solidFill>
+              <a:schemeClr val="tx1">
+                <a:lumMod val="75000"/>
+                <a:lumOff val="25000"/>
+              </a:schemeClr>
+            </a:solidFill>
+          </a:ln>
+          <a:effectLst>
+            <a:outerShdw blurRad="50800" dist="38100" dir="2700000" algn="tl" rotWithShape="0">
+              <a:prstClr val="black">
+                <a:alpha val="40000"/>
+              </a:prstClr>
+            </a:outerShdw>
+          </a:effectLst>
+        </p:spPr>
+        <p:style>
+          <a:lnRef idx="2">
+            <a:schemeClr val="accent1">
+              <a:shade val="50000"/>
+            </a:schemeClr>
+          </a:lnRef>
+          <a:fillRef idx="1">
+            <a:schemeClr val="accent1"/>
+          </a:fillRef>
+          <a:effectRef idx="0">
+            <a:schemeClr val="accent1"/>
+          </a:effectRef>
+          <a:fontRef idx="minor">
+            <a:schemeClr val="lt1"/>
+          </a:fontRef>
+        </p:style>
+        <p:txBody>
+          <a:bodyPr lIns="0" tIns="0" rIns="0" bIns="0" rtlCol="0" anchor="ctr"/>
+          <a:lstStyle/>
+          <a:p>
+            <a:pPr algn="ctr"/>
+            <a:r>
+              <a:rPr lang="de-DE" sz="900" dirty="0">
+                <a:solidFill>
+                  <a:schemeClr val="tx1">
+                    <a:lumMod val="75000"/>
+                    <a:lumOff val="25000"/>
+                  </a:schemeClr>
+                </a:solidFill>
+              </a:rPr>
+              <a:t>1.3</a:t>
+            </a:r>
+          </a:p>
+        </p:txBody>
+      </p:sp>
+      <p:sp>
+        <p:nvSpPr>
+          <p:cNvPr id="37" name="Legende: mit gebogener Linie 36">
+            <a:extLst>
+              <a:ext uri="{FF2B5EF4-FFF2-40B4-BE49-F238E27FC236}">
+                <a16:creationId xmlns:a16="http://schemas.microsoft.com/office/drawing/2014/main" id="{8ECD2363-9BDA-40E4-994E-6C5A5D880734}"/>
+              </a:ext>
+            </a:extLst>
+          </p:cNvPr>
+          <p:cNvSpPr/>
+          <p:nvPr/>
+        </p:nvSpPr>
+        <p:spPr>
+          <a:xfrm flipH="1">
+            <a:off x="5565735" y="1986783"/>
+            <a:ext cx="3511589" cy="556943"/>
+          </a:xfrm>
+          <a:prstGeom prst="borderCallout2">
+            <a:avLst>
+              <a:gd name="adj1" fmla="val 18750"/>
+              <a:gd name="adj2" fmla="val -8333"/>
+              <a:gd name="adj3" fmla="val 18750"/>
+              <a:gd name="adj4" fmla="val -16667"/>
+              <a:gd name="adj5" fmla="val -83724"/>
+              <a:gd name="adj6" fmla="val 249"/>
+            </a:avLst>
+          </a:prstGeom>
+          <a:solidFill>
+            <a:schemeClr val="bg1"/>
+          </a:solidFill>
+          <a:ln>
+            <a:solidFill>
+              <a:schemeClr val="tx1">
+                <a:lumMod val="50000"/>
+                <a:lumOff val="50000"/>
+              </a:schemeClr>
+            </a:solidFill>
+          </a:ln>
+          <a:effectLst>
+            <a:outerShdw blurRad="50800" dist="38100" dir="2700000" algn="tl" rotWithShape="0">
+              <a:prstClr val="black">
+                <a:alpha val="40000"/>
+              </a:prstClr>
+            </a:outerShdw>
+          </a:effectLst>
+        </p:spPr>
+        <p:style>
+          <a:lnRef idx="2">
+            <a:schemeClr val="accent1">
+              <a:shade val="50000"/>
+            </a:schemeClr>
+          </a:lnRef>
+          <a:fillRef idx="1">
+            <a:schemeClr val="accent1"/>
+          </a:fillRef>
+          <a:effectRef idx="0">
+            <a:schemeClr val="accent1"/>
+          </a:effectRef>
+          <a:fontRef idx="minor">
+            <a:schemeClr val="lt1"/>
+          </a:fontRef>
+        </p:style>
+        <p:txBody>
+          <a:bodyPr rtlCol="0" anchor="ctr"/>
+          <a:lstStyle/>
+          <a:p>
+            <a:pPr marL="361950" indent="-361950"/>
+            <a:r>
+              <a:rPr lang="en-US" dirty="0">
+                <a:solidFill>
+                  <a:schemeClr val="tx1">
+                    <a:lumMod val="75000"/>
+                    <a:lumOff val="25000"/>
+                  </a:schemeClr>
+                </a:solidFill>
+              </a:rPr>
+              <a:t>(3) Draw connection between input provider and tool</a:t>
+            </a:r>
+            <a:endParaRPr lang="de-DE" dirty="0">
+              <a:solidFill>
+                <a:schemeClr val="tx1">
+                  <a:lumMod val="75000"/>
+                  <a:lumOff val="25000"/>
+                </a:schemeClr>
+              </a:solidFill>
+            </a:endParaRPr>
+          </a:p>
+        </p:txBody>
+      </p:sp>
+      <p:sp>
+        <p:nvSpPr>
+          <p:cNvPr id="38" name="Ellipse 37">
+            <a:extLst>
+              <a:ext uri="{FF2B5EF4-FFF2-40B4-BE49-F238E27FC236}">
+                <a16:creationId xmlns:a16="http://schemas.microsoft.com/office/drawing/2014/main" id="{F7952219-BFB2-4FC8-93A3-10D3BBDD487D}"/>
+              </a:ext>
+            </a:extLst>
+          </p:cNvPr>
+          <p:cNvSpPr/>
+          <p:nvPr/>
+        </p:nvSpPr>
+        <p:spPr>
+          <a:xfrm>
+            <a:off x="9618694" y="1348057"/>
+            <a:ext cx="238125" cy="238125"/>
+          </a:xfrm>
+          <a:prstGeom prst="ellipse">
+            <a:avLst/>
+          </a:prstGeom>
+          <a:solidFill>
+            <a:schemeClr val="bg1"/>
+          </a:solidFill>
+          <a:ln>
+            <a:solidFill>
+              <a:schemeClr val="tx1">
+                <a:lumMod val="75000"/>
+                <a:lumOff val="25000"/>
+              </a:schemeClr>
+            </a:solidFill>
+          </a:ln>
+          <a:effectLst>
+            <a:outerShdw blurRad="50800" dist="38100" dir="2700000" algn="tl" rotWithShape="0">
+              <a:prstClr val="black">
+                <a:alpha val="40000"/>
+              </a:prstClr>
+            </a:outerShdw>
+          </a:effectLst>
+        </p:spPr>
+        <p:style>
+          <a:lnRef idx="2">
+            <a:schemeClr val="accent1">
+              <a:shade val="50000"/>
+            </a:schemeClr>
+          </a:lnRef>
+          <a:fillRef idx="1">
+            <a:schemeClr val="accent1"/>
+          </a:fillRef>
+          <a:effectRef idx="0">
+            <a:schemeClr val="accent1"/>
+          </a:effectRef>
+          <a:fontRef idx="minor">
+            <a:schemeClr val="lt1"/>
+          </a:fontRef>
+        </p:style>
+        <p:txBody>
+          <a:bodyPr lIns="0" tIns="0" rIns="0" bIns="0" rtlCol="0" anchor="ctr"/>
+          <a:lstStyle/>
+          <a:p>
+            <a:pPr algn="ctr"/>
+            <a:r>
+              <a:rPr lang="de-DE" sz="900" dirty="0">
+                <a:solidFill>
+                  <a:schemeClr val="tx1">
+                    <a:lumMod val="75000"/>
+                    <a:lumOff val="25000"/>
+                  </a:schemeClr>
+                </a:solidFill>
+              </a:rPr>
+              <a:t>3.1</a:t>
+            </a:r>
+          </a:p>
+        </p:txBody>
+      </p:sp>
+      <p:cxnSp>
+        <p:nvCxnSpPr>
+          <p:cNvPr id="39" name="Gerader Verbinder 38">
+            <a:extLst>
+              <a:ext uri="{FF2B5EF4-FFF2-40B4-BE49-F238E27FC236}">
+                <a16:creationId xmlns:a16="http://schemas.microsoft.com/office/drawing/2014/main" id="{C14FE2F9-7AFB-4C09-86DE-5405054DF1F9}"/>
+              </a:ext>
+            </a:extLst>
+          </p:cNvPr>
+          <p:cNvCxnSpPr>
+            <a:cxnSpLocks/>
+          </p:cNvCxnSpPr>
+          <p:nvPr/>
+        </p:nvCxnSpPr>
+        <p:spPr>
+          <a:xfrm flipV="1">
+            <a:off x="4487746" y="2127143"/>
+            <a:ext cx="963430" cy="416583"/>
+          </a:xfrm>
+          <a:prstGeom prst="line">
+            <a:avLst/>
+          </a:prstGeom>
+          <a:solidFill>
+            <a:schemeClr val="bg1"/>
+          </a:solidFill>
+          <a:ln>
+            <a:solidFill>
+              <a:schemeClr val="tx1">
+                <a:lumMod val="50000"/>
+                <a:lumOff val="50000"/>
+              </a:schemeClr>
+            </a:solidFill>
+          </a:ln>
+          <a:effectLst>
+            <a:outerShdw blurRad="50800" dist="38100" dir="2700000" algn="tl" rotWithShape="0">
+              <a:prstClr val="black">
+                <a:alpha val="40000"/>
+              </a:prstClr>
+            </a:outerShdw>
+          </a:effectLst>
+        </p:spPr>
+        <p:style>
+          <a:lnRef idx="2">
+            <a:schemeClr val="accent1">
+              <a:shade val="50000"/>
+            </a:schemeClr>
+          </a:lnRef>
+          <a:fillRef idx="1">
+            <a:schemeClr val="accent1"/>
+          </a:fillRef>
+          <a:effectRef idx="0">
+            <a:schemeClr val="accent1"/>
+          </a:effectRef>
+          <a:fontRef idx="minor">
+            <a:schemeClr val="lt1"/>
+          </a:fontRef>
+        </p:style>
+      </p:cxnSp>
+      <p:cxnSp>
+        <p:nvCxnSpPr>
+          <p:cNvPr id="40" name="Gerader Verbinder 39">
+            <a:extLst>
+              <a:ext uri="{FF2B5EF4-FFF2-40B4-BE49-F238E27FC236}">
+                <a16:creationId xmlns:a16="http://schemas.microsoft.com/office/drawing/2014/main" id="{F1C99FDF-0237-4916-ABAD-B510B101C251}"/>
+              </a:ext>
+            </a:extLst>
+          </p:cNvPr>
+          <p:cNvCxnSpPr>
+            <a:cxnSpLocks/>
+          </p:cNvCxnSpPr>
+          <p:nvPr/>
+        </p:nvCxnSpPr>
+        <p:spPr>
+          <a:xfrm flipV="1">
+            <a:off x="5241885" y="2348735"/>
+            <a:ext cx="221514" cy="337315"/>
+          </a:xfrm>
+          <a:prstGeom prst="line">
+            <a:avLst/>
+          </a:prstGeom>
+          <a:solidFill>
+            <a:schemeClr val="bg1"/>
+          </a:solidFill>
+          <a:ln>
+            <a:solidFill>
+              <a:schemeClr val="tx1">
+                <a:lumMod val="50000"/>
+                <a:lumOff val="50000"/>
+              </a:schemeClr>
+            </a:solidFill>
+          </a:ln>
+          <a:effectLst>
+            <a:outerShdw blurRad="50800" dist="38100" dir="2700000" algn="tl" rotWithShape="0">
+              <a:prstClr val="black">
+                <a:alpha val="40000"/>
+              </a:prstClr>
+            </a:outerShdw>
+          </a:effectLst>
+        </p:spPr>
+        <p:style>
+          <a:lnRef idx="2">
+            <a:schemeClr val="accent1">
+              <a:shade val="50000"/>
+            </a:schemeClr>
+          </a:lnRef>
+          <a:fillRef idx="1">
+            <a:schemeClr val="accent1"/>
+          </a:fillRef>
+          <a:effectRef idx="0">
+            <a:schemeClr val="accent1"/>
+          </a:effectRef>
+          <a:fontRef idx="minor">
+            <a:schemeClr val="lt1"/>
+          </a:fontRef>
+        </p:style>
+      </p:cxnSp>
+      <p:sp>
+        <p:nvSpPr>
+          <p:cNvPr id="41" name="Ellipse 40">
+            <a:extLst>
+              <a:ext uri="{FF2B5EF4-FFF2-40B4-BE49-F238E27FC236}">
+                <a16:creationId xmlns:a16="http://schemas.microsoft.com/office/drawing/2014/main" id="{24E5C794-61A0-47EF-8F11-D57B0028B3A6}"/>
+              </a:ext>
+            </a:extLst>
+          </p:cNvPr>
+          <p:cNvSpPr/>
+          <p:nvPr/>
+        </p:nvSpPr>
+        <p:spPr>
+          <a:xfrm>
+            <a:off x="4877497" y="2193732"/>
+            <a:ext cx="238125" cy="238125"/>
+          </a:xfrm>
+          <a:prstGeom prst="ellipse">
+            <a:avLst/>
+          </a:prstGeom>
+          <a:solidFill>
+            <a:schemeClr val="bg1"/>
+          </a:solidFill>
+          <a:ln>
+            <a:solidFill>
+              <a:schemeClr val="tx1">
+                <a:lumMod val="75000"/>
+                <a:lumOff val="25000"/>
+              </a:schemeClr>
+            </a:solidFill>
+          </a:ln>
+          <a:effectLst>
+            <a:outerShdw blurRad="50800" dist="38100" dir="2700000" algn="tl" rotWithShape="0">
+              <a:prstClr val="black">
+                <a:alpha val="40000"/>
+              </a:prstClr>
+            </a:outerShdw>
+          </a:effectLst>
+        </p:spPr>
+        <p:style>
+          <a:lnRef idx="2">
+            <a:schemeClr val="accent1">
+              <a:shade val="50000"/>
+            </a:schemeClr>
+          </a:lnRef>
+          <a:fillRef idx="1">
+            <a:schemeClr val="accent1"/>
+          </a:fillRef>
+          <a:effectRef idx="0">
+            <a:schemeClr val="accent1"/>
+          </a:effectRef>
+          <a:fontRef idx="minor">
+            <a:schemeClr val="lt1"/>
+          </a:fontRef>
+        </p:style>
+        <p:txBody>
+          <a:bodyPr lIns="0" tIns="0" rIns="0" bIns="0" rtlCol="0" anchor="ctr"/>
+          <a:lstStyle/>
+          <a:p>
+            <a:pPr algn="ctr"/>
+            <a:r>
+              <a:rPr lang="de-DE" sz="900" dirty="0">
+                <a:solidFill>
+                  <a:schemeClr val="tx1">
+                    <a:lumMod val="75000"/>
+                    <a:lumOff val="25000"/>
+                  </a:schemeClr>
+                </a:solidFill>
+              </a:rPr>
+              <a:t>3.2</a:t>
+            </a:r>
+          </a:p>
+        </p:txBody>
+      </p:sp>
+      <p:sp>
+        <p:nvSpPr>
+          <p:cNvPr id="42" name="Ellipse 41">
+            <a:extLst>
+              <a:ext uri="{FF2B5EF4-FFF2-40B4-BE49-F238E27FC236}">
+                <a16:creationId xmlns:a16="http://schemas.microsoft.com/office/drawing/2014/main" id="{CD66CBBD-582B-464A-9093-7617606B8C3B}"/>
+              </a:ext>
+            </a:extLst>
+          </p:cNvPr>
+          <p:cNvSpPr/>
+          <p:nvPr/>
+        </p:nvSpPr>
+        <p:spPr>
+          <a:xfrm>
+            <a:off x="5230181" y="2431857"/>
+            <a:ext cx="238125" cy="238125"/>
+          </a:xfrm>
+          <a:prstGeom prst="ellipse">
+            <a:avLst/>
+          </a:prstGeom>
+          <a:solidFill>
+            <a:schemeClr val="bg1"/>
+          </a:solidFill>
+          <a:ln>
+            <a:solidFill>
+              <a:schemeClr val="tx1">
+                <a:lumMod val="75000"/>
+                <a:lumOff val="25000"/>
+              </a:schemeClr>
+            </a:solidFill>
+          </a:ln>
+          <a:effectLst>
+            <a:outerShdw blurRad="50800" dist="38100" dir="2700000" algn="tl" rotWithShape="0">
+              <a:prstClr val="black">
+                <a:alpha val="40000"/>
+              </a:prstClr>
+            </a:outerShdw>
+          </a:effectLst>
+        </p:spPr>
+        <p:style>
+          <a:lnRef idx="2">
+            <a:schemeClr val="accent1">
+              <a:shade val="50000"/>
+            </a:schemeClr>
+          </a:lnRef>
+          <a:fillRef idx="1">
+            <a:schemeClr val="accent1"/>
+          </a:fillRef>
+          <a:effectRef idx="0">
+            <a:schemeClr val="accent1"/>
+          </a:effectRef>
+          <a:fontRef idx="minor">
+            <a:schemeClr val="lt1"/>
+          </a:fontRef>
+        </p:style>
+        <p:txBody>
+          <a:bodyPr lIns="0" tIns="0" rIns="0" bIns="0" rtlCol="0" anchor="ctr"/>
+          <a:lstStyle/>
+          <a:p>
+            <a:pPr algn="ctr"/>
+            <a:r>
+              <a:rPr lang="de-DE" sz="900" dirty="0">
+                <a:solidFill>
+                  <a:schemeClr val="tx1">
+                    <a:lumMod val="75000"/>
+                    <a:lumOff val="25000"/>
+                  </a:schemeClr>
+                </a:solidFill>
+              </a:rPr>
+              <a:t>3.3</a:t>
+            </a:r>
+          </a:p>
+        </p:txBody>
+      </p:sp>
+      <p:sp>
+        <p:nvSpPr>
+          <p:cNvPr id="43" name="Textfeld 42">
+            <a:extLst>
+              <a:ext uri="{FF2B5EF4-FFF2-40B4-BE49-F238E27FC236}">
+                <a16:creationId xmlns:a16="http://schemas.microsoft.com/office/drawing/2014/main" id="{0DE44C59-E0D5-4F5F-A25A-E93554D74288}"/>
+              </a:ext>
+            </a:extLst>
+          </p:cNvPr>
+          <p:cNvSpPr txBox="1"/>
+          <p:nvPr/>
+        </p:nvSpPr>
+        <p:spPr>
+          <a:xfrm>
+            <a:off x="8313769" y="165838"/>
+            <a:ext cx="3698281" cy="392941"/>
+          </a:xfrm>
+          <a:prstGeom prst="rect">
+            <a:avLst/>
+          </a:prstGeom>
+          <a:solidFill>
+            <a:schemeClr val="bg1"/>
+          </a:solidFill>
+          <a:ln>
+            <a:solidFill>
+              <a:schemeClr val="tx1">
+                <a:lumMod val="50000"/>
+                <a:lumOff val="50000"/>
+              </a:schemeClr>
+            </a:solidFill>
+          </a:ln>
+          <a:effectLst>
+            <a:outerShdw blurRad="50800" dist="38100" dir="2700000" algn="tl" rotWithShape="0">
+              <a:prstClr val="black">
+                <a:alpha val="40000"/>
+              </a:prstClr>
+            </a:outerShdw>
+          </a:effectLst>
+        </p:spPr>
+        <p:style>
+          <a:lnRef idx="2">
+            <a:schemeClr val="accent1">
+              <a:shade val="50000"/>
+            </a:schemeClr>
+          </a:lnRef>
+          <a:fillRef idx="1">
+            <a:schemeClr val="accent1"/>
+          </a:fillRef>
+          <a:effectRef idx="0">
+            <a:schemeClr val="accent1"/>
+          </a:effectRef>
+          <a:fontRef idx="minor">
+            <a:schemeClr val="lt1"/>
+          </a:fontRef>
+        </p:style>
+        <p:txBody>
+          <a:bodyPr rtlCol="0" anchor="ctr"/>
+          <a:lstStyle>
+            <a:defPPr>
+              <a:defRPr lang="de-DE"/>
+            </a:defPPr>
+            <a:lvl1pPr marL="361950" indent="-361950">
+              <a:defRPr>
+                <a:solidFill>
+                  <a:schemeClr val="tx1">
+                    <a:lumMod val="75000"/>
+                    <a:lumOff val="25000"/>
+                  </a:schemeClr>
+                </a:solidFill>
+              </a:defRPr>
+            </a:lvl1pPr>
+            <a:lvl2pPr>
+              <a:defRPr>
+                <a:solidFill>
+                  <a:schemeClr val="lt1"/>
+                </a:solidFill>
+              </a:defRPr>
+            </a:lvl2pPr>
+            <a:lvl3pPr>
+              <a:defRPr>
+                <a:solidFill>
+                  <a:schemeClr val="lt1"/>
+                </a:solidFill>
+              </a:defRPr>
+            </a:lvl3pPr>
+            <a:lvl4pPr>
+              <a:defRPr>
+                <a:solidFill>
+                  <a:schemeClr val="lt1"/>
+                </a:solidFill>
+              </a:defRPr>
+            </a:lvl4pPr>
+            <a:lvl5pPr>
+              <a:defRPr>
+                <a:solidFill>
+                  <a:schemeClr val="lt1"/>
+                </a:solidFill>
+              </a:defRPr>
+            </a:lvl5pPr>
+            <a:lvl6pPr>
+              <a:defRPr>
+                <a:solidFill>
+                  <a:schemeClr val="lt1"/>
+                </a:solidFill>
+              </a:defRPr>
+            </a:lvl6pPr>
+            <a:lvl7pPr>
+              <a:defRPr>
+                <a:solidFill>
+                  <a:schemeClr val="lt1"/>
+                </a:solidFill>
+              </a:defRPr>
+            </a:lvl7pPr>
+            <a:lvl8pPr>
+              <a:defRPr>
+                <a:solidFill>
+                  <a:schemeClr val="lt1"/>
+                </a:solidFill>
+              </a:defRPr>
+            </a:lvl8pPr>
+            <a:lvl9pPr>
+              <a:defRPr>
+                <a:solidFill>
+                  <a:schemeClr val="lt1"/>
+                </a:solidFill>
+              </a:defRPr>
+            </a:lvl9pPr>
+          </a:lstStyle>
+          <a:p>
+            <a:pPr marL="266700" indent="-266700"/>
+            <a:r>
+              <a:rPr lang="de-DE" dirty="0">
+                <a:solidFill>
+                  <a:schemeClr val="accent4">
+                    <a:lumMod val="75000"/>
+                  </a:schemeClr>
+                </a:solidFill>
+              </a:rPr>
+              <a:t>🛈 </a:t>
+            </a:r>
+            <a:r>
+              <a:rPr lang="en-US" sz="1600" i="1" dirty="0" err="1"/>
+              <a:t>Ctrl+S</a:t>
+            </a:r>
+            <a:r>
+              <a:rPr lang="en-US" sz="1600" i="1" dirty="0"/>
+              <a:t> </a:t>
+            </a:r>
+            <a:r>
+              <a:rPr lang="en-US" sz="1600" dirty="0"/>
+              <a:t>to remove red error-indicators </a:t>
+            </a:r>
+            <a:endParaRPr lang="de-DE" dirty="0"/>
+          </a:p>
+        </p:txBody>
+      </p:sp>
+    </p:spTree>
+    <p:extLst>
+      <p:ext uri="{BB962C8B-B14F-4D97-AF65-F5344CB8AC3E}">
+        <p14:creationId xmlns:p14="http://schemas.microsoft.com/office/powerpoint/2010/main" val="423554365"/>
+      </p:ext>
+    </p:extLst>
+  </p:cSld>
+  <p:clrMapOvr>
+    <a:masterClrMapping/>
+  </p:clrMapOvr>
+</p:sld>
+</file>
+
+<file path=ppt/slides/slide15.xml><?xml version="1.0" encoding="utf-8"?>
+<p:sld xmlns:a="http://schemas.openxmlformats.org/drawingml/2006/main" xmlns:r="http://schemas.openxmlformats.org/officeDocument/2006/relationships" xmlns:p="http://schemas.openxmlformats.org/presentationml/2006/main">
+  <p:cSld>
+    <p:spTree>
+      <p:nvGrpSpPr>
+        <p:cNvPr id="1" name=""/>
+        <p:cNvGrpSpPr/>
+        <p:nvPr/>
+      </p:nvGrpSpPr>
+      <p:grpSpPr>
+        <a:xfrm>
+          <a:off x="0" y="0"/>
+          <a:ext cx="0" cy="0"/>
+          <a:chOff x="0" y="0"/>
+          <a:chExt cx="0" cy="0"/>
+        </a:xfrm>
+      </p:grpSpPr>
+      <p:pic>
+        <p:nvPicPr>
+          <p:cNvPr id="4" name="Grafik 3">
+            <a:extLst>
+              <a:ext uri="{FF2B5EF4-FFF2-40B4-BE49-F238E27FC236}">
+                <a16:creationId xmlns:a16="http://schemas.microsoft.com/office/drawing/2014/main" id="{6FFE5FE0-06BA-48BB-94B1-70D1106A0E2A}"/>
+              </a:ext>
+            </a:extLst>
+          </p:cNvPr>
+          <p:cNvPicPr>
+            <a:picLocks noChangeAspect="1"/>
+          </p:cNvPicPr>
+          <p:nvPr/>
+        </p:nvPicPr>
+        <p:blipFill>
+          <a:blip r:embed="rId2"/>
+          <a:stretch>
+            <a:fillRect/>
+          </a:stretch>
+        </p:blipFill>
+        <p:spPr>
+          <a:xfrm>
+            <a:off x="-1" y="-1"/>
+            <a:ext cx="7496175" cy="5066243"/>
+          </a:xfrm>
+          <a:prstGeom prst="rect">
+            <a:avLst/>
+          </a:prstGeom>
+        </p:spPr>
+      </p:pic>
+      <p:pic>
+        <p:nvPicPr>
+          <p:cNvPr id="6" name="Grafik 5">
+            <a:extLst>
+              <a:ext uri="{FF2B5EF4-FFF2-40B4-BE49-F238E27FC236}">
+                <a16:creationId xmlns:a16="http://schemas.microsoft.com/office/drawing/2014/main" id="{167FCB6E-6694-4BE2-A758-267C95E0423D}"/>
+              </a:ext>
+            </a:extLst>
+          </p:cNvPr>
+          <p:cNvPicPr>
+            <a:picLocks noChangeAspect="1"/>
+          </p:cNvPicPr>
+          <p:nvPr/>
+        </p:nvPicPr>
+        <p:blipFill>
+          <a:blip r:embed="rId3">
+            <a:extLst>
+              <a:ext uri="{28A0092B-C50C-407E-A947-70E740481C1C}">
+                <a14:useLocalDpi xmlns:a14="http://schemas.microsoft.com/office/drawing/2010/main" val="0"/>
+              </a:ext>
+            </a:extLst>
+          </a:blip>
+          <a:stretch>
+            <a:fillRect/>
+          </a:stretch>
+        </p:blipFill>
+        <p:spPr>
+          <a:xfrm>
+            <a:off x="4695825" y="1791757"/>
+            <a:ext cx="7496175" cy="5066242"/>
+          </a:xfrm>
+          <a:prstGeom prst="rect">
+            <a:avLst/>
+          </a:prstGeom>
+        </p:spPr>
+      </p:pic>
+      <p:cxnSp>
+        <p:nvCxnSpPr>
+          <p:cNvPr id="8" name="Gerade Verbindung mit Pfeil 7">
+            <a:extLst>
+              <a:ext uri="{FF2B5EF4-FFF2-40B4-BE49-F238E27FC236}">
+                <a16:creationId xmlns:a16="http://schemas.microsoft.com/office/drawing/2014/main" id="{973FECEE-55D6-4835-A15F-72D2EEADCF66}"/>
+              </a:ext>
+            </a:extLst>
+          </p:cNvPr>
+          <p:cNvCxnSpPr>
+            <a:cxnSpLocks/>
+          </p:cNvCxnSpPr>
+          <p:nvPr/>
+        </p:nvCxnSpPr>
+        <p:spPr>
+          <a:xfrm flipH="1" flipV="1">
+            <a:off x="2657475" y="504825"/>
+            <a:ext cx="3714751" cy="1885950"/>
+          </a:xfrm>
+          <a:prstGeom prst="straightConnector1">
+            <a:avLst/>
+          </a:prstGeom>
+          <a:ln w="12700">
+            <a:solidFill>
+              <a:schemeClr val="tx1">
+                <a:lumMod val="85000"/>
+                <a:lumOff val="15000"/>
+              </a:schemeClr>
+            </a:solidFill>
+            <a:prstDash val="lgDash"/>
+            <a:headEnd type="stealth"/>
+            <a:tailEnd type="none"/>
+          </a:ln>
+          <a:effectLst>
+            <a:outerShdw blurRad="50800" dist="38100" dir="2700000" algn="tl" rotWithShape="0">
+              <a:prstClr val="black">
+                <a:alpha val="40000"/>
+              </a:prstClr>
+            </a:outerShdw>
+          </a:effectLst>
+        </p:spPr>
+        <p:style>
+          <a:lnRef idx="1">
+            <a:schemeClr val="accent1"/>
+          </a:lnRef>
+          <a:fillRef idx="0">
+            <a:schemeClr val="accent1"/>
+          </a:fillRef>
+          <a:effectRef idx="0">
+            <a:schemeClr val="accent1"/>
+          </a:effectRef>
+          <a:fontRef idx="minor">
+            <a:schemeClr val="tx1"/>
+          </a:fontRef>
+        </p:style>
+      </p:cxnSp>
+      <p:sp>
+        <p:nvSpPr>
+          <p:cNvPr id="9" name="Ellipse 8">
+            <a:extLst>
+              <a:ext uri="{FF2B5EF4-FFF2-40B4-BE49-F238E27FC236}">
+                <a16:creationId xmlns:a16="http://schemas.microsoft.com/office/drawing/2014/main" id="{F963B076-EB0D-466A-99B8-883EA9700015}"/>
+              </a:ext>
+            </a:extLst>
+          </p:cNvPr>
+          <p:cNvSpPr/>
+          <p:nvPr/>
+        </p:nvSpPr>
+        <p:spPr>
+          <a:xfrm>
+            <a:off x="4791075" y="1534451"/>
+            <a:ext cx="238125" cy="238125"/>
+          </a:xfrm>
+          <a:prstGeom prst="ellipse">
+            <a:avLst/>
+          </a:prstGeom>
+          <a:solidFill>
+            <a:schemeClr val="bg1"/>
+          </a:solidFill>
+          <a:ln>
+            <a:solidFill>
+              <a:schemeClr val="tx1">
+                <a:lumMod val="75000"/>
+                <a:lumOff val="25000"/>
+              </a:schemeClr>
+            </a:solidFill>
+          </a:ln>
+          <a:effectLst>
+            <a:outerShdw blurRad="50800" dist="38100" dir="2700000" algn="tl" rotWithShape="0">
+              <a:prstClr val="black">
+                <a:alpha val="40000"/>
+              </a:prstClr>
+            </a:outerShdw>
+          </a:effectLst>
+        </p:spPr>
+        <p:style>
+          <a:lnRef idx="2">
+            <a:schemeClr val="accent1">
+              <a:shade val="50000"/>
+            </a:schemeClr>
+          </a:lnRef>
+          <a:fillRef idx="1">
+            <a:schemeClr val="accent1"/>
+          </a:fillRef>
+          <a:effectRef idx="0">
+            <a:schemeClr val="accent1"/>
+          </a:effectRef>
+          <a:fontRef idx="minor">
+            <a:schemeClr val="lt1"/>
+          </a:fontRef>
+        </p:style>
+        <p:txBody>
+          <a:bodyPr rtlCol="0" anchor="ctr"/>
+          <a:lstStyle/>
+          <a:p>
+            <a:pPr algn="ctr"/>
+            <a:r>
+              <a:rPr lang="de-DE" dirty="0">
+                <a:solidFill>
+                  <a:schemeClr val="tx1">
+                    <a:lumMod val="75000"/>
+                    <a:lumOff val="25000"/>
+                  </a:schemeClr>
+                </a:solidFill>
+              </a:rPr>
+              <a:t>1</a:t>
+            </a:r>
+          </a:p>
+        </p:txBody>
+      </p:sp>
+      <p:sp>
+        <p:nvSpPr>
+          <p:cNvPr id="10" name="Textfeld 9">
+            <a:extLst>
+              <a:ext uri="{FF2B5EF4-FFF2-40B4-BE49-F238E27FC236}">
+                <a16:creationId xmlns:a16="http://schemas.microsoft.com/office/drawing/2014/main" id="{50BEA502-CB35-4ECB-B68F-7F53115264EE}"/>
+              </a:ext>
+            </a:extLst>
+          </p:cNvPr>
+          <p:cNvSpPr txBox="1"/>
+          <p:nvPr/>
+        </p:nvSpPr>
+        <p:spPr>
+          <a:xfrm rot="1608772">
+            <a:off x="2835337" y="1119049"/>
+            <a:ext cx="2016001" cy="307777"/>
+          </a:xfrm>
+          <a:prstGeom prst="rect">
+            <a:avLst/>
+          </a:prstGeom>
+          <a:noFill/>
+        </p:spPr>
+        <p:txBody>
+          <a:bodyPr wrap="none" rtlCol="0">
+            <a:spAutoFit/>
+          </a:bodyPr>
+          <a:lstStyle/>
+          <a:p>
+            <a:r>
+              <a:rPr lang="de-DE" sz="1400" dirty="0">
+                <a:solidFill>
+                  <a:schemeClr val="tx1">
+                    <a:lumMod val="75000"/>
+                    <a:lumOff val="25000"/>
+                  </a:schemeClr>
+                </a:solidFill>
+              </a:rPr>
+              <a:t>Click </a:t>
+            </a:r>
+            <a:r>
+              <a:rPr lang="de-DE" sz="1400" dirty="0" err="1">
+                <a:solidFill>
+                  <a:schemeClr val="tx1">
+                    <a:lumMod val="75000"/>
+                    <a:lumOff val="25000"/>
+                  </a:schemeClr>
+                </a:solidFill>
+              </a:rPr>
+              <a:t>to</a:t>
+            </a:r>
+            <a:r>
+              <a:rPr lang="de-DE" sz="1400" dirty="0">
+                <a:solidFill>
+                  <a:schemeClr val="tx1">
+                    <a:lumMod val="75000"/>
+                    <a:lumOff val="25000"/>
+                  </a:schemeClr>
+                </a:solidFill>
+              </a:rPr>
+              <a:t> </a:t>
+            </a:r>
+            <a:r>
+              <a:rPr lang="de-DE" sz="1400" dirty="0" err="1">
+                <a:solidFill>
+                  <a:schemeClr val="tx1">
+                    <a:lumMod val="75000"/>
+                    <a:lumOff val="25000"/>
+                  </a:schemeClr>
+                </a:solidFill>
+              </a:rPr>
+              <a:t>run</a:t>
+            </a:r>
+            <a:r>
+              <a:rPr lang="de-DE" sz="1400" dirty="0">
+                <a:solidFill>
+                  <a:schemeClr val="tx1">
+                    <a:lumMod val="75000"/>
+                    <a:lumOff val="25000"/>
+                  </a:schemeClr>
+                </a:solidFill>
+              </a:rPr>
+              <a:t> </a:t>
+            </a:r>
+            <a:r>
+              <a:rPr lang="de-DE" sz="1400" dirty="0" err="1">
+                <a:solidFill>
+                  <a:schemeClr val="tx1">
+                    <a:lumMod val="75000"/>
+                    <a:lumOff val="25000"/>
+                  </a:schemeClr>
+                </a:solidFill>
+              </a:rPr>
+              <a:t>the</a:t>
+            </a:r>
+            <a:r>
+              <a:rPr lang="de-DE" sz="1400" dirty="0">
+                <a:solidFill>
+                  <a:schemeClr val="tx1">
+                    <a:lumMod val="75000"/>
+                    <a:lumOff val="25000"/>
+                  </a:schemeClr>
+                </a:solidFill>
+              </a:rPr>
+              <a:t> </a:t>
+            </a:r>
+            <a:r>
+              <a:rPr lang="de-DE" sz="1400" dirty="0" err="1">
+                <a:solidFill>
+                  <a:schemeClr val="tx1">
+                    <a:lumMod val="75000"/>
+                    <a:lumOff val="25000"/>
+                  </a:schemeClr>
+                </a:solidFill>
+              </a:rPr>
+              <a:t>workflow</a:t>
+            </a:r>
+            <a:endParaRPr lang="de-DE" sz="1400" dirty="0">
+              <a:solidFill>
+                <a:schemeClr val="tx1">
+                  <a:lumMod val="75000"/>
+                  <a:lumOff val="25000"/>
+                </a:schemeClr>
+              </a:solidFill>
+            </a:endParaRPr>
+          </a:p>
+        </p:txBody>
+      </p:sp>
+      <p:sp>
+        <p:nvSpPr>
+          <p:cNvPr id="13" name="Rechteck 12">
+            <a:extLst>
+              <a:ext uri="{FF2B5EF4-FFF2-40B4-BE49-F238E27FC236}">
+                <a16:creationId xmlns:a16="http://schemas.microsoft.com/office/drawing/2014/main" id="{6C128883-5D37-4885-A897-9FA3823F1B4A}"/>
+              </a:ext>
+            </a:extLst>
+          </p:cNvPr>
+          <p:cNvSpPr/>
+          <p:nvPr/>
+        </p:nvSpPr>
+        <p:spPr>
+          <a:xfrm>
+            <a:off x="6372225" y="5886449"/>
+            <a:ext cx="3333750" cy="600075"/>
+          </a:xfrm>
+          <a:prstGeom prst="rect">
+            <a:avLst/>
+          </a:prstGeom>
+          <a:noFill/>
+          <a:ln w="19050">
+            <a:solidFill>
+              <a:schemeClr val="accent1">
+                <a:lumMod val="75000"/>
+              </a:schemeClr>
+            </a:solidFill>
+          </a:ln>
+          <a:effectLst>
+            <a:outerShdw blurRad="50800" dist="38100" dir="2700000" algn="tl" rotWithShape="0">
+              <a:prstClr val="black">
+                <a:alpha val="40000"/>
+              </a:prstClr>
+            </a:outerShdw>
+          </a:effectLst>
+        </p:spPr>
+        <p:style>
+          <a:lnRef idx="2">
+            <a:schemeClr val="accent1">
+              <a:shade val="50000"/>
+            </a:schemeClr>
+          </a:lnRef>
+          <a:fillRef idx="1">
+            <a:schemeClr val="accent1"/>
+          </a:fillRef>
+          <a:effectRef idx="0">
+            <a:schemeClr val="accent1"/>
+          </a:effectRef>
+          <a:fontRef idx="minor">
+            <a:schemeClr val="lt1"/>
+          </a:fontRef>
+        </p:style>
+        <p:txBody>
+          <a:bodyPr rtlCol="0" anchor="ctr"/>
+          <a:lstStyle/>
+          <a:p>
+            <a:pPr algn="ctr"/>
+            <a:endParaRPr lang="de-DE"/>
+          </a:p>
+        </p:txBody>
+      </p:sp>
+    </p:spTree>
+    <p:extLst>
+      <p:ext uri="{BB962C8B-B14F-4D97-AF65-F5344CB8AC3E}">
+        <p14:creationId xmlns:p14="http://schemas.microsoft.com/office/powerpoint/2010/main" val="3208126816"/>
+      </p:ext>
+    </p:extLst>
+  </p:cSld>
+  <p:clrMapOvr>
+    <a:masterClrMapping/>
+  </p:clrMapOvr>
+</p:sld>
+</file>
+
+<file path=ppt/slides/slide16.xml><?xml version="1.0" encoding="utf-8"?>
+<p:sld xmlns:a="http://schemas.openxmlformats.org/drawingml/2006/main" xmlns:r="http://schemas.openxmlformats.org/officeDocument/2006/relationships" xmlns:p="http://schemas.openxmlformats.org/presentationml/2006/main">
+  <p:cSld>
+    <p:spTree>
+      <p:nvGrpSpPr>
+        <p:cNvPr id="1" name=""/>
+        <p:cNvGrpSpPr/>
+        <p:nvPr/>
+      </p:nvGrpSpPr>
+      <p:grpSpPr>
+        <a:xfrm>
+          <a:off x="0" y="0"/>
+          <a:ext cx="0" cy="0"/>
+          <a:chOff x="0" y="0"/>
+          <a:chExt cx="0" cy="0"/>
+        </a:xfrm>
+      </p:grpSpPr>
+      <p:pic>
+        <p:nvPicPr>
+          <p:cNvPr id="4" name="Grafik 3">
+            <a:extLst>
+              <a:ext uri="{FF2B5EF4-FFF2-40B4-BE49-F238E27FC236}">
+                <a16:creationId xmlns:a16="http://schemas.microsoft.com/office/drawing/2014/main" id="{039DCBAA-37D1-4DF5-A660-1C0A13248400}"/>
+              </a:ext>
+            </a:extLst>
+          </p:cNvPr>
+          <p:cNvPicPr>
+            <a:picLocks noChangeAspect="1"/>
+          </p:cNvPicPr>
+          <p:nvPr/>
+        </p:nvPicPr>
+        <p:blipFill>
+          <a:blip r:embed="rId2"/>
+          <a:stretch>
+            <a:fillRect/>
+          </a:stretch>
+        </p:blipFill>
+        <p:spPr>
+          <a:xfrm>
+            <a:off x="1022341" y="0"/>
+            <a:ext cx="10147317" cy="6858000"/>
+          </a:xfrm>
+          <a:prstGeom prst="rect">
+            <a:avLst/>
+          </a:prstGeom>
+        </p:spPr>
+      </p:pic>
+      <p:sp>
+        <p:nvSpPr>
+          <p:cNvPr id="6" name="Legende: mit gebogener Linie 5">
+            <a:extLst>
+              <a:ext uri="{FF2B5EF4-FFF2-40B4-BE49-F238E27FC236}">
+                <a16:creationId xmlns:a16="http://schemas.microsoft.com/office/drawing/2014/main" id="{FBC65823-C374-4536-B115-08CBD425B1EA}"/>
+              </a:ext>
+            </a:extLst>
+          </p:cNvPr>
+          <p:cNvSpPr/>
+          <p:nvPr/>
+        </p:nvSpPr>
+        <p:spPr>
+          <a:xfrm>
+            <a:off x="5952405" y="4358813"/>
+            <a:ext cx="3382095" cy="316689"/>
+          </a:xfrm>
+          <a:prstGeom prst="borderCallout2">
+            <a:avLst>
+              <a:gd name="adj1" fmla="val 18750"/>
+              <a:gd name="adj2" fmla="val -8333"/>
+              <a:gd name="adj3" fmla="val 18750"/>
+              <a:gd name="adj4" fmla="val -16667"/>
+              <a:gd name="adj5" fmla="val -134620"/>
+              <a:gd name="adj6" fmla="val -22530"/>
+            </a:avLst>
+          </a:prstGeom>
+          <a:solidFill>
+            <a:schemeClr val="bg1"/>
+          </a:solidFill>
+          <a:ln>
+            <a:solidFill>
+              <a:schemeClr val="tx1">
+                <a:lumMod val="50000"/>
+                <a:lumOff val="50000"/>
+              </a:schemeClr>
+            </a:solidFill>
+          </a:ln>
+          <a:effectLst>
+            <a:outerShdw blurRad="50800" dist="38100" dir="2700000" algn="tl" rotWithShape="0">
+              <a:prstClr val="black">
+                <a:alpha val="40000"/>
+              </a:prstClr>
+            </a:outerShdw>
+          </a:effectLst>
+        </p:spPr>
+        <p:style>
+          <a:lnRef idx="2">
+            <a:schemeClr val="accent1">
+              <a:shade val="50000"/>
+            </a:schemeClr>
+          </a:lnRef>
+          <a:fillRef idx="1">
+            <a:schemeClr val="accent1"/>
+          </a:fillRef>
+          <a:effectRef idx="0">
+            <a:schemeClr val="accent1"/>
+          </a:effectRef>
+          <a:fontRef idx="minor">
+            <a:schemeClr val="lt1"/>
+          </a:fontRef>
+        </p:style>
+        <p:txBody>
+          <a:bodyPr rtlCol="0" anchor="ctr"/>
+          <a:lstStyle/>
+          <a:p>
+            <a:pPr marL="361950" indent="-361950"/>
+            <a:r>
+              <a:rPr lang="en-US" dirty="0">
+                <a:solidFill>
+                  <a:schemeClr val="tx1">
+                    <a:lumMod val="75000"/>
+                    <a:lumOff val="25000"/>
+                  </a:schemeClr>
+                </a:solidFill>
+              </a:rPr>
+              <a:t>(1) Select Workflow Data Browser</a:t>
+            </a:r>
+            <a:endParaRPr lang="de-DE" dirty="0">
+              <a:solidFill>
+                <a:schemeClr val="tx1">
+                  <a:lumMod val="75000"/>
+                  <a:lumOff val="25000"/>
+                </a:schemeClr>
+              </a:solidFill>
+            </a:endParaRPr>
+          </a:p>
+        </p:txBody>
+      </p:sp>
+      <p:sp>
+        <p:nvSpPr>
+          <p:cNvPr id="7" name="Legende: mit gebogener Linie 6">
+            <a:extLst>
+              <a:ext uri="{FF2B5EF4-FFF2-40B4-BE49-F238E27FC236}">
+                <a16:creationId xmlns:a16="http://schemas.microsoft.com/office/drawing/2014/main" id="{6B5231B2-1867-42AF-92C6-DFE17EB8FBE3}"/>
+              </a:ext>
+            </a:extLst>
+          </p:cNvPr>
+          <p:cNvSpPr/>
+          <p:nvPr/>
+        </p:nvSpPr>
+        <p:spPr>
+          <a:xfrm flipH="1">
+            <a:off x="7295430" y="3025313"/>
+            <a:ext cx="1296120" cy="316689"/>
+          </a:xfrm>
+          <a:prstGeom prst="borderCallout2">
+            <a:avLst>
+              <a:gd name="adj1" fmla="val 18750"/>
+              <a:gd name="adj2" fmla="val -8333"/>
+              <a:gd name="adj3" fmla="val 18750"/>
+              <a:gd name="adj4" fmla="val -16667"/>
+              <a:gd name="adj5" fmla="val 310517"/>
+              <a:gd name="adj6" fmla="val -74302"/>
+            </a:avLst>
+          </a:prstGeom>
+          <a:solidFill>
+            <a:schemeClr val="bg1"/>
+          </a:solidFill>
+          <a:ln>
+            <a:solidFill>
+              <a:schemeClr val="tx1">
+                <a:lumMod val="50000"/>
+                <a:lumOff val="50000"/>
+              </a:schemeClr>
+            </a:solidFill>
+          </a:ln>
+          <a:effectLst>
+            <a:outerShdw blurRad="50800" dist="38100" dir="2700000" algn="tl" rotWithShape="0">
+              <a:prstClr val="black">
+                <a:alpha val="40000"/>
+              </a:prstClr>
+            </a:outerShdw>
+          </a:effectLst>
+        </p:spPr>
+        <p:style>
+          <a:lnRef idx="2">
+            <a:schemeClr val="accent1">
+              <a:shade val="50000"/>
+            </a:schemeClr>
+          </a:lnRef>
+          <a:fillRef idx="1">
+            <a:schemeClr val="accent1"/>
+          </a:fillRef>
+          <a:effectRef idx="0">
+            <a:schemeClr val="accent1"/>
+          </a:effectRef>
+          <a:fontRef idx="minor">
+            <a:schemeClr val="lt1"/>
+          </a:fontRef>
+        </p:style>
+        <p:txBody>
+          <a:bodyPr rtlCol="0" anchor="ctr"/>
+          <a:lstStyle/>
+          <a:p>
+            <a:pPr marL="361950" indent="-361950"/>
+            <a:r>
+              <a:rPr lang="en-US" dirty="0">
+                <a:solidFill>
+                  <a:schemeClr val="tx1">
+                    <a:lumMod val="75000"/>
+                    <a:lumOff val="25000"/>
+                  </a:schemeClr>
+                </a:solidFill>
+              </a:rPr>
+              <a:t>(2) Refresh</a:t>
+            </a:r>
+            <a:endParaRPr lang="de-DE" dirty="0">
+              <a:solidFill>
+                <a:schemeClr val="tx1">
+                  <a:lumMod val="75000"/>
+                  <a:lumOff val="25000"/>
+                </a:schemeClr>
+              </a:solidFill>
+            </a:endParaRPr>
+          </a:p>
+        </p:txBody>
+      </p:sp>
+      <p:sp>
+        <p:nvSpPr>
+          <p:cNvPr id="9" name="Legende: mit gebogener Linie 8">
+            <a:extLst>
+              <a:ext uri="{FF2B5EF4-FFF2-40B4-BE49-F238E27FC236}">
+                <a16:creationId xmlns:a16="http://schemas.microsoft.com/office/drawing/2014/main" id="{130FE541-BA5F-44CE-9EC7-A8A26A3019A4}"/>
+              </a:ext>
+            </a:extLst>
+          </p:cNvPr>
+          <p:cNvSpPr/>
+          <p:nvPr/>
+        </p:nvSpPr>
+        <p:spPr>
+          <a:xfrm>
+            <a:off x="5227785" y="5375624"/>
+            <a:ext cx="3791670" cy="316689"/>
+          </a:xfrm>
+          <a:prstGeom prst="borderCallout2">
+            <a:avLst>
+              <a:gd name="adj1" fmla="val 18750"/>
+              <a:gd name="adj2" fmla="val -8333"/>
+              <a:gd name="adj3" fmla="val 18750"/>
+              <a:gd name="adj4" fmla="val -16667"/>
+              <a:gd name="adj5" fmla="val 51856"/>
+              <a:gd name="adj6" fmla="val -47148"/>
+            </a:avLst>
+          </a:prstGeom>
+          <a:solidFill>
+            <a:schemeClr val="bg1"/>
+          </a:solidFill>
+          <a:ln>
+            <a:solidFill>
+              <a:schemeClr val="tx1">
+                <a:lumMod val="50000"/>
+                <a:lumOff val="50000"/>
+              </a:schemeClr>
+            </a:solidFill>
+          </a:ln>
+          <a:effectLst>
+            <a:outerShdw blurRad="50800" dist="38100" dir="2700000" algn="tl" rotWithShape="0">
+              <a:prstClr val="black">
+                <a:alpha val="40000"/>
+              </a:prstClr>
+            </a:outerShdw>
+          </a:effectLst>
+        </p:spPr>
+        <p:style>
+          <a:lnRef idx="2">
+            <a:schemeClr val="accent1">
+              <a:shade val="50000"/>
+            </a:schemeClr>
+          </a:lnRef>
+          <a:fillRef idx="1">
+            <a:schemeClr val="accent1"/>
+          </a:fillRef>
+          <a:effectRef idx="0">
+            <a:schemeClr val="accent1"/>
+          </a:effectRef>
+          <a:fontRef idx="minor">
+            <a:schemeClr val="lt1"/>
+          </a:fontRef>
+        </p:style>
+        <p:txBody>
+          <a:bodyPr rtlCol="0" anchor="ctr"/>
+          <a:lstStyle/>
+          <a:p>
+            <a:pPr marL="361950" indent="-361950"/>
+            <a:r>
+              <a:rPr lang="en-US" dirty="0">
+                <a:solidFill>
+                  <a:schemeClr val="tx1">
+                    <a:lumMod val="75000"/>
+                    <a:lumOff val="25000"/>
+                  </a:schemeClr>
+                </a:solidFill>
+              </a:rPr>
+              <a:t>(3) Inspect input to the Output Writer</a:t>
+            </a:r>
+            <a:endParaRPr lang="de-DE" dirty="0">
+              <a:solidFill>
+                <a:schemeClr val="tx1">
+                  <a:lumMod val="75000"/>
+                  <a:lumOff val="25000"/>
+                </a:schemeClr>
+              </a:solidFill>
+            </a:endParaRPr>
+          </a:p>
+        </p:txBody>
+      </p:sp>
+    </p:spTree>
+    <p:extLst>
+      <p:ext uri="{BB962C8B-B14F-4D97-AF65-F5344CB8AC3E}">
+        <p14:creationId xmlns:p14="http://schemas.microsoft.com/office/powerpoint/2010/main" val="581660174"/>
+      </p:ext>
+    </p:extLst>
+  </p:cSld>
+  <p:clrMapOvr>
+    <a:masterClrMapping/>
+  </p:clrMapOvr>
+</p:sld>
+</file>
+
+<file path=ppt/slides/slide2.xml><?xml version="1.0" encoding="utf-8"?>
+<p:sld xmlns:a="http://schemas.openxmlformats.org/drawingml/2006/main" xmlns:r="http://schemas.openxmlformats.org/officeDocument/2006/relationships" xmlns:p="http://schemas.openxmlformats.org/presentationml/2006/main">
+  <p:cSld>
+    <p:spTree>
+      <p:nvGrpSpPr>
+        <p:cNvPr id="1" name=""/>
+        <p:cNvGrpSpPr/>
+        <p:nvPr/>
+      </p:nvGrpSpPr>
+      <p:grpSpPr>
+        <a:xfrm>
+          <a:off x="0" y="0"/>
+          <a:ext cx="0" cy="0"/>
+          <a:chOff x="0" y="0"/>
+          <a:chExt cx="0" cy="0"/>
+        </a:xfrm>
+      </p:grpSpPr>
       <p:pic>
         <p:nvPicPr>
           <p:cNvPr id="4" name="Grafik 3">
@@ -3546,722 +9121,6 @@
     <p:extLst>
       <p:ext uri="{BB962C8B-B14F-4D97-AF65-F5344CB8AC3E}">
         <p14:creationId xmlns:p14="http://schemas.microsoft.com/office/powerpoint/2010/main" val="894311308"/>
-      </p:ext>
-    </p:extLst>
-  </p:cSld>
-  <p:clrMapOvr>
-    <a:masterClrMapping/>
-  </p:clrMapOvr>
-</p:sld>
-</file>
-
-<file path=ppt/slides/slide2.xml><?xml version="1.0" encoding="utf-8"?>
-<p:sld xmlns:a="http://schemas.openxmlformats.org/drawingml/2006/main" xmlns:r="http://schemas.openxmlformats.org/officeDocument/2006/relationships" xmlns:p="http://schemas.openxmlformats.org/presentationml/2006/main">
-  <p:cSld>
-    <p:spTree>
-      <p:nvGrpSpPr>
-        <p:cNvPr id="1" name=""/>
-        <p:cNvGrpSpPr/>
-        <p:nvPr/>
-      </p:nvGrpSpPr>
-      <p:grpSpPr>
-        <a:xfrm>
-          <a:off x="0" y="0"/>
-          <a:ext cx="0" cy="0"/>
-          <a:chOff x="0" y="0"/>
-          <a:chExt cx="0" cy="0"/>
-        </a:xfrm>
-      </p:grpSpPr>
-      <p:pic>
-        <p:nvPicPr>
-          <p:cNvPr id="3" name="Grafik 2">
-            <a:extLst>
-              <a:ext uri="{FF2B5EF4-FFF2-40B4-BE49-F238E27FC236}">
-                <a16:creationId xmlns:a16="http://schemas.microsoft.com/office/drawing/2014/main" id="{A1638617-F1D2-48A0-83AF-5A0E71A96746}"/>
-              </a:ext>
-            </a:extLst>
-          </p:cNvPr>
-          <p:cNvPicPr>
-            <a:picLocks noChangeAspect="1"/>
-          </p:cNvPicPr>
-          <p:nvPr/>
-        </p:nvPicPr>
-        <p:blipFill>
-          <a:blip r:embed="rId2"/>
-          <a:stretch>
-            <a:fillRect/>
-          </a:stretch>
-        </p:blipFill>
-        <p:spPr>
-          <a:xfrm>
-            <a:off x="2744209" y="0"/>
-            <a:ext cx="6703581" cy="6858000"/>
-          </a:xfrm>
-          <a:prstGeom prst="rect">
-            <a:avLst/>
-          </a:prstGeom>
-        </p:spPr>
-      </p:pic>
-      <p:sp>
-        <p:nvSpPr>
-          <p:cNvPr id="4" name="Legende: mit gebogener Linie 3">
-            <a:extLst>
-              <a:ext uri="{FF2B5EF4-FFF2-40B4-BE49-F238E27FC236}">
-                <a16:creationId xmlns:a16="http://schemas.microsoft.com/office/drawing/2014/main" id="{1F41DB0F-ED1D-4356-ADFF-165C15D5C693}"/>
-              </a:ext>
-            </a:extLst>
-          </p:cNvPr>
-          <p:cNvSpPr/>
-          <p:nvPr/>
-        </p:nvSpPr>
-        <p:spPr>
-          <a:xfrm>
-            <a:off x="7914264" y="276225"/>
-            <a:ext cx="2687061" cy="485775"/>
-          </a:xfrm>
-          <a:prstGeom prst="borderCallout2">
-            <a:avLst>
-              <a:gd name="adj1" fmla="val 18750"/>
-              <a:gd name="adj2" fmla="val -8333"/>
-              <a:gd name="adj3" fmla="val 18750"/>
-              <a:gd name="adj4" fmla="val -16667"/>
-              <a:gd name="adj5" fmla="val 207716"/>
-              <a:gd name="adj6" fmla="val -118096"/>
-            </a:avLst>
-          </a:prstGeom>
-          <a:solidFill>
-            <a:schemeClr val="bg1"/>
-          </a:solidFill>
-          <a:ln>
-            <a:solidFill>
-              <a:schemeClr val="tx1">
-                <a:lumMod val="50000"/>
-                <a:lumOff val="50000"/>
-              </a:schemeClr>
-            </a:solidFill>
-          </a:ln>
-          <a:effectLst>
-            <a:outerShdw blurRad="50800" dist="38100" dir="2700000" algn="tl" rotWithShape="0">
-              <a:prstClr val="black">
-                <a:alpha val="40000"/>
-              </a:prstClr>
-            </a:outerShdw>
-          </a:effectLst>
-        </p:spPr>
-        <p:style>
-          <a:lnRef idx="2">
-            <a:schemeClr val="accent1">
-              <a:shade val="50000"/>
-            </a:schemeClr>
-          </a:lnRef>
-          <a:fillRef idx="1">
-            <a:schemeClr val="accent1"/>
-          </a:fillRef>
-          <a:effectRef idx="0">
-            <a:schemeClr val="accent1"/>
-          </a:effectRef>
-          <a:fontRef idx="minor">
-            <a:schemeClr val="lt1"/>
-          </a:fontRef>
-        </p:style>
-        <p:txBody>
-          <a:bodyPr rtlCol="0" anchor="ctr"/>
-          <a:lstStyle/>
-          <a:p>
-            <a:pPr marL="361950" indent="-361950"/>
-            <a:r>
-              <a:rPr lang="en-US" dirty="0">
-                <a:solidFill>
-                  <a:schemeClr val="tx1">
-                    <a:lumMod val="75000"/>
-                    <a:lumOff val="25000"/>
-                  </a:schemeClr>
-                </a:solidFill>
-              </a:rPr>
-              <a:t>(1) Provide you tool name</a:t>
-            </a:r>
-            <a:endParaRPr lang="de-DE" dirty="0">
-              <a:solidFill>
-                <a:schemeClr val="tx1">
-                  <a:lumMod val="75000"/>
-                  <a:lumOff val="25000"/>
-                </a:schemeClr>
-              </a:solidFill>
-            </a:endParaRPr>
-          </a:p>
-        </p:txBody>
-      </p:sp>
-      <p:sp>
-        <p:nvSpPr>
-          <p:cNvPr id="5" name="Legende: mit gebogener Linie 4">
-            <a:extLst>
-              <a:ext uri="{FF2B5EF4-FFF2-40B4-BE49-F238E27FC236}">
-                <a16:creationId xmlns:a16="http://schemas.microsoft.com/office/drawing/2014/main" id="{A4BE9D04-77E2-415A-BF95-2D3E915EA884}"/>
-              </a:ext>
-            </a:extLst>
-          </p:cNvPr>
-          <p:cNvSpPr/>
-          <p:nvPr/>
-        </p:nvSpPr>
-        <p:spPr>
-          <a:xfrm>
-            <a:off x="8457189" y="885825"/>
-            <a:ext cx="2687061" cy="485775"/>
-          </a:xfrm>
-          <a:prstGeom prst="borderCallout2">
-            <a:avLst>
-              <a:gd name="adj1" fmla="val 18750"/>
-              <a:gd name="adj2" fmla="val -8333"/>
-              <a:gd name="adj3" fmla="val 18750"/>
-              <a:gd name="adj4" fmla="val -16667"/>
-              <a:gd name="adj5" fmla="val 148892"/>
-              <a:gd name="adj6" fmla="val -148227"/>
-            </a:avLst>
-          </a:prstGeom>
-          <a:solidFill>
-            <a:schemeClr val="bg1"/>
-          </a:solidFill>
-          <a:ln>
-            <a:solidFill>
-              <a:schemeClr val="tx1">
-                <a:lumMod val="50000"/>
-                <a:lumOff val="50000"/>
-              </a:schemeClr>
-            </a:solidFill>
-          </a:ln>
-          <a:effectLst>
-            <a:outerShdw blurRad="50800" dist="38100" dir="2700000" algn="tl" rotWithShape="0">
-              <a:prstClr val="black">
-                <a:alpha val="40000"/>
-              </a:prstClr>
-            </a:outerShdw>
-          </a:effectLst>
-        </p:spPr>
-        <p:style>
-          <a:lnRef idx="2">
-            <a:schemeClr val="accent1">
-              <a:shade val="50000"/>
-            </a:schemeClr>
-          </a:lnRef>
-          <a:fillRef idx="1">
-            <a:schemeClr val="accent1"/>
-          </a:fillRef>
-          <a:effectRef idx="0">
-            <a:schemeClr val="accent1"/>
-          </a:effectRef>
-          <a:fontRef idx="minor">
-            <a:schemeClr val="lt1"/>
-          </a:fontRef>
-        </p:style>
-        <p:txBody>
-          <a:bodyPr rtlCol="0" anchor="ctr"/>
-          <a:lstStyle/>
-          <a:p>
-            <a:pPr marL="361950" indent="-361950"/>
-            <a:r>
-              <a:rPr lang="en-US" dirty="0">
-                <a:solidFill>
-                  <a:schemeClr val="tx1">
-                    <a:lumMod val="75000"/>
-                    <a:lumOff val="25000"/>
-                  </a:schemeClr>
-                </a:solidFill>
-              </a:rPr>
-              <a:t>(2) Choose a pretty icon</a:t>
-            </a:r>
-            <a:endParaRPr lang="de-DE" dirty="0">
-              <a:solidFill>
-                <a:schemeClr val="tx1">
-                  <a:lumMod val="75000"/>
-                  <a:lumOff val="25000"/>
-                </a:schemeClr>
-              </a:solidFill>
-            </a:endParaRPr>
-          </a:p>
-        </p:txBody>
-      </p:sp>
-      <p:sp>
-        <p:nvSpPr>
-          <p:cNvPr id="6" name="Legende: mit gebogener Linie 5">
-            <a:extLst>
-              <a:ext uri="{FF2B5EF4-FFF2-40B4-BE49-F238E27FC236}">
-                <a16:creationId xmlns:a16="http://schemas.microsoft.com/office/drawing/2014/main" id="{0E668904-9C80-4092-814E-8A8890E65822}"/>
-              </a:ext>
-            </a:extLst>
-          </p:cNvPr>
-          <p:cNvSpPr/>
-          <p:nvPr/>
-        </p:nvSpPr>
-        <p:spPr>
-          <a:xfrm>
-            <a:off x="8304284" y="1914524"/>
-            <a:ext cx="2982841" cy="1295401"/>
-          </a:xfrm>
-          <a:prstGeom prst="borderCallout2">
-            <a:avLst>
-              <a:gd name="adj1" fmla="val 18750"/>
-              <a:gd name="adj2" fmla="val -8333"/>
-              <a:gd name="adj3" fmla="val 18750"/>
-              <a:gd name="adj4" fmla="val -16667"/>
-              <a:gd name="adj5" fmla="val 118"/>
-              <a:gd name="adj6" fmla="val -124181"/>
-            </a:avLst>
-          </a:prstGeom>
-          <a:solidFill>
-            <a:schemeClr val="bg1"/>
-          </a:solidFill>
-          <a:ln>
-            <a:solidFill>
-              <a:schemeClr val="tx1">
-                <a:lumMod val="50000"/>
-                <a:lumOff val="50000"/>
-              </a:schemeClr>
-            </a:solidFill>
-          </a:ln>
-          <a:effectLst>
-            <a:outerShdw blurRad="50800" dist="38100" dir="2700000" algn="tl" rotWithShape="0">
-              <a:prstClr val="black">
-                <a:alpha val="40000"/>
-              </a:prstClr>
-            </a:outerShdw>
-          </a:effectLst>
-        </p:spPr>
-        <p:style>
-          <a:lnRef idx="2">
-            <a:schemeClr val="accent1">
-              <a:shade val="50000"/>
-            </a:schemeClr>
-          </a:lnRef>
-          <a:fillRef idx="1">
-            <a:schemeClr val="accent1"/>
-          </a:fillRef>
-          <a:effectRef idx="0">
-            <a:schemeClr val="accent1"/>
-          </a:effectRef>
-          <a:fontRef idx="minor">
-            <a:schemeClr val="lt1"/>
-          </a:fontRef>
-        </p:style>
-        <p:txBody>
-          <a:bodyPr rtlCol="0" anchor="t"/>
-          <a:lstStyle/>
-          <a:p>
-            <a:pPr marL="361950" indent="-361950"/>
-            <a:r>
-              <a:rPr lang="en-US" dirty="0">
-                <a:solidFill>
-                  <a:schemeClr val="tx1">
-                    <a:lumMod val="75000"/>
-                    <a:lumOff val="25000"/>
-                  </a:schemeClr>
-                </a:solidFill>
-              </a:rPr>
-              <a:t>(3) Your tool palette might be structured by groups: </a:t>
-            </a:r>
-          </a:p>
-          <a:p>
-            <a:pPr marL="361950" indent="-361950"/>
-            <a:endParaRPr lang="de-DE" dirty="0">
-              <a:solidFill>
-                <a:schemeClr val="tx1">
-                  <a:lumMod val="75000"/>
-                  <a:lumOff val="25000"/>
-                </a:schemeClr>
-              </a:solidFill>
-            </a:endParaRPr>
-          </a:p>
-        </p:txBody>
-      </p:sp>
-      <p:pic>
-        <p:nvPicPr>
-          <p:cNvPr id="2" name="Grafik 1">
-            <a:extLst>
-              <a:ext uri="{FF2B5EF4-FFF2-40B4-BE49-F238E27FC236}">
-                <a16:creationId xmlns:a16="http://schemas.microsoft.com/office/drawing/2014/main" id="{35F74768-FC2C-40BD-ADB8-5D1BD5BE9650}"/>
-              </a:ext>
-            </a:extLst>
-          </p:cNvPr>
-          <p:cNvPicPr>
-            <a:picLocks noChangeAspect="1"/>
-          </p:cNvPicPr>
-          <p:nvPr/>
-        </p:nvPicPr>
-        <p:blipFill>
-          <a:blip r:embed="rId3"/>
-          <a:stretch>
-            <a:fillRect/>
-          </a:stretch>
-        </p:blipFill>
-        <p:spPr>
-          <a:xfrm>
-            <a:off x="9039007" y="2609784"/>
-            <a:ext cx="1562318" cy="476316"/>
-          </a:xfrm>
-          <a:prstGeom prst="rect">
-            <a:avLst/>
-          </a:prstGeom>
-        </p:spPr>
-      </p:pic>
-      <p:sp>
-        <p:nvSpPr>
-          <p:cNvPr id="8" name="Legende: mit gebogener Linie 7">
-            <a:extLst>
-              <a:ext uri="{FF2B5EF4-FFF2-40B4-BE49-F238E27FC236}">
-                <a16:creationId xmlns:a16="http://schemas.microsoft.com/office/drawing/2014/main" id="{85D27878-2D09-4833-98C2-E4814CB69642}"/>
-              </a:ext>
-            </a:extLst>
-          </p:cNvPr>
-          <p:cNvSpPr/>
-          <p:nvPr/>
-        </p:nvSpPr>
-        <p:spPr>
-          <a:xfrm>
-            <a:off x="8304284" y="3509897"/>
-            <a:ext cx="2687061" cy="485775"/>
-          </a:xfrm>
-          <a:prstGeom prst="borderCallout2">
-            <a:avLst>
-              <a:gd name="adj1" fmla="val 18750"/>
-              <a:gd name="adj2" fmla="val -8333"/>
-              <a:gd name="adj3" fmla="val 18750"/>
-              <a:gd name="adj4" fmla="val -16667"/>
-              <a:gd name="adj5" fmla="val -270716"/>
-              <a:gd name="adj6" fmla="val -113488"/>
-            </a:avLst>
-          </a:prstGeom>
-          <a:solidFill>
-            <a:schemeClr val="bg1"/>
-          </a:solidFill>
-          <a:ln>
-            <a:solidFill>
-              <a:schemeClr val="tx1">
-                <a:lumMod val="50000"/>
-                <a:lumOff val="50000"/>
-              </a:schemeClr>
-            </a:solidFill>
-          </a:ln>
-          <a:effectLst>
-            <a:outerShdw blurRad="50800" dist="38100" dir="2700000" algn="tl" rotWithShape="0">
-              <a:prstClr val="black">
-                <a:alpha val="40000"/>
-              </a:prstClr>
-            </a:outerShdw>
-          </a:effectLst>
-        </p:spPr>
-        <p:style>
-          <a:lnRef idx="2">
-            <a:schemeClr val="accent1">
-              <a:shade val="50000"/>
-            </a:schemeClr>
-          </a:lnRef>
-          <a:fillRef idx="1">
-            <a:schemeClr val="accent1"/>
-          </a:fillRef>
-          <a:effectRef idx="0">
-            <a:schemeClr val="accent1"/>
-          </a:effectRef>
-          <a:fontRef idx="minor">
-            <a:schemeClr val="lt1"/>
-          </a:fontRef>
-        </p:style>
-        <p:txBody>
-          <a:bodyPr rtlCol="0" anchor="ctr"/>
-          <a:lstStyle/>
-          <a:p>
-            <a:pPr marL="361950" indent="-361950"/>
-            <a:r>
-              <a:rPr lang="en-US" dirty="0">
-                <a:solidFill>
-                  <a:schemeClr val="tx1">
-                    <a:lumMod val="75000"/>
-                    <a:lumOff val="25000"/>
-                  </a:schemeClr>
-                </a:solidFill>
-              </a:rPr>
-              <a:t>(4) Link a documentation</a:t>
-            </a:r>
-            <a:endParaRPr lang="de-DE" dirty="0">
-              <a:solidFill>
-                <a:schemeClr val="tx1">
-                  <a:lumMod val="75000"/>
-                  <a:lumOff val="25000"/>
-                </a:schemeClr>
-              </a:solidFill>
-            </a:endParaRPr>
-          </a:p>
-        </p:txBody>
-      </p:sp>
-      <p:sp>
-        <p:nvSpPr>
-          <p:cNvPr id="9" name="Legende: mit gebogener Linie 8">
-            <a:extLst>
-              <a:ext uri="{FF2B5EF4-FFF2-40B4-BE49-F238E27FC236}">
-                <a16:creationId xmlns:a16="http://schemas.microsoft.com/office/drawing/2014/main" id="{CD811258-DCCA-4427-B8DC-F25BFA909EDC}"/>
-              </a:ext>
-            </a:extLst>
-          </p:cNvPr>
-          <p:cNvSpPr/>
-          <p:nvPr/>
-        </p:nvSpPr>
-        <p:spPr>
-          <a:xfrm>
-            <a:off x="8476635" y="4295644"/>
-            <a:ext cx="2687061" cy="485775"/>
-          </a:xfrm>
-          <a:prstGeom prst="borderCallout2">
-            <a:avLst>
-              <a:gd name="adj1" fmla="val 18750"/>
-              <a:gd name="adj2" fmla="val -8333"/>
-              <a:gd name="adj3" fmla="val 18750"/>
-              <a:gd name="adj4" fmla="val -16667"/>
-              <a:gd name="adj5" fmla="val -268755"/>
-              <a:gd name="adj6" fmla="val -115260"/>
-            </a:avLst>
-          </a:prstGeom>
-          <a:solidFill>
-            <a:schemeClr val="bg1"/>
-          </a:solidFill>
-          <a:ln>
-            <a:solidFill>
-              <a:schemeClr val="tx1">
-                <a:lumMod val="50000"/>
-                <a:lumOff val="50000"/>
-              </a:schemeClr>
-            </a:solidFill>
-          </a:ln>
-          <a:effectLst>
-            <a:outerShdw blurRad="50800" dist="38100" dir="2700000" algn="tl" rotWithShape="0">
-              <a:prstClr val="black">
-                <a:alpha val="40000"/>
-              </a:prstClr>
-            </a:outerShdw>
-          </a:effectLst>
-        </p:spPr>
-        <p:style>
-          <a:lnRef idx="2">
-            <a:schemeClr val="accent1">
-              <a:shade val="50000"/>
-            </a:schemeClr>
-          </a:lnRef>
-          <a:fillRef idx="1">
-            <a:schemeClr val="accent1"/>
-          </a:fillRef>
-          <a:effectRef idx="0">
-            <a:schemeClr val="accent1"/>
-          </a:effectRef>
-          <a:fontRef idx="minor">
-            <a:schemeClr val="lt1"/>
-          </a:fontRef>
-        </p:style>
-        <p:txBody>
-          <a:bodyPr rtlCol="0" anchor="ctr"/>
-          <a:lstStyle/>
-          <a:p>
-            <a:pPr marL="361950" indent="-361950"/>
-            <a:r>
-              <a:rPr lang="en-US" dirty="0">
-                <a:solidFill>
-                  <a:schemeClr val="tx1">
-                    <a:lumMod val="75000"/>
-                    <a:lumOff val="25000"/>
-                  </a:schemeClr>
-                </a:solidFill>
-              </a:rPr>
-              <a:t>(5) Add description</a:t>
-            </a:r>
-            <a:endParaRPr lang="de-DE" dirty="0">
-              <a:solidFill>
-                <a:schemeClr val="tx1">
-                  <a:lumMod val="75000"/>
-                  <a:lumOff val="25000"/>
-                </a:schemeClr>
-              </a:solidFill>
-            </a:endParaRPr>
-          </a:p>
-        </p:txBody>
-      </p:sp>
-      <p:sp>
-        <p:nvSpPr>
-          <p:cNvPr id="10" name="Legende: mit gebogener Linie 9">
-            <a:extLst>
-              <a:ext uri="{FF2B5EF4-FFF2-40B4-BE49-F238E27FC236}">
-                <a16:creationId xmlns:a16="http://schemas.microsoft.com/office/drawing/2014/main" id="{3EBAF4A1-E598-4705-B3F8-96AFA94F3B6D}"/>
-              </a:ext>
-            </a:extLst>
-          </p:cNvPr>
-          <p:cNvSpPr/>
-          <p:nvPr/>
-        </p:nvSpPr>
-        <p:spPr>
-          <a:xfrm>
-            <a:off x="7228751" y="5081391"/>
-            <a:ext cx="3153499" cy="485775"/>
-          </a:xfrm>
-          <a:prstGeom prst="borderCallout2">
-            <a:avLst>
-              <a:gd name="adj1" fmla="val 18750"/>
-              <a:gd name="adj2" fmla="val -8333"/>
-              <a:gd name="adj3" fmla="val 18750"/>
-              <a:gd name="adj4" fmla="val -16667"/>
-              <a:gd name="adj5" fmla="val 68500"/>
-              <a:gd name="adj6" fmla="val -110297"/>
-            </a:avLst>
-          </a:prstGeom>
-          <a:solidFill>
-            <a:schemeClr val="bg1"/>
-          </a:solidFill>
-          <a:ln>
-            <a:solidFill>
-              <a:schemeClr val="tx1">
-                <a:lumMod val="50000"/>
-                <a:lumOff val="50000"/>
-              </a:schemeClr>
-            </a:solidFill>
-          </a:ln>
-          <a:effectLst>
-            <a:outerShdw blurRad="50800" dist="38100" dir="2700000" algn="tl" rotWithShape="0">
-              <a:prstClr val="black">
-                <a:alpha val="40000"/>
-              </a:prstClr>
-            </a:outerShdw>
-          </a:effectLst>
-        </p:spPr>
-        <p:style>
-          <a:lnRef idx="2">
-            <a:schemeClr val="accent1">
-              <a:shade val="50000"/>
-            </a:schemeClr>
-          </a:lnRef>
-          <a:fillRef idx="1">
-            <a:schemeClr val="accent1"/>
-          </a:fillRef>
-          <a:effectRef idx="0">
-            <a:schemeClr val="accent1"/>
-          </a:effectRef>
-          <a:fontRef idx="minor">
-            <a:schemeClr val="lt1"/>
-          </a:fontRef>
-        </p:style>
-        <p:txBody>
-          <a:bodyPr rtlCol="0" anchor="ctr"/>
-          <a:lstStyle/>
-          <a:p>
-            <a:pPr marL="361950" indent="-361950"/>
-            <a:r>
-              <a:rPr lang="en-US" dirty="0">
-                <a:solidFill>
-                  <a:schemeClr val="tx1">
-                    <a:lumMod val="75000"/>
-                    <a:lumOff val="25000"/>
-                  </a:schemeClr>
-                </a:solidFill>
-              </a:rPr>
-              <a:t>(6) Provide contact information</a:t>
-            </a:r>
-            <a:endParaRPr lang="de-DE" dirty="0">
-              <a:solidFill>
-                <a:schemeClr val="tx1">
-                  <a:lumMod val="75000"/>
-                  <a:lumOff val="25000"/>
-                </a:schemeClr>
-              </a:solidFill>
-            </a:endParaRPr>
-          </a:p>
-        </p:txBody>
-      </p:sp>
-      <p:sp>
-        <p:nvSpPr>
-          <p:cNvPr id="11" name="Legende: mit gebogener Linie 10">
-            <a:extLst>
-              <a:ext uri="{FF2B5EF4-FFF2-40B4-BE49-F238E27FC236}">
-                <a16:creationId xmlns:a16="http://schemas.microsoft.com/office/drawing/2014/main" id="{2A347F51-3AF2-46D7-A371-C23CA83AB280}"/>
-              </a:ext>
-            </a:extLst>
-          </p:cNvPr>
-          <p:cNvSpPr/>
-          <p:nvPr/>
-        </p:nvSpPr>
-        <p:spPr>
-          <a:xfrm>
-            <a:off x="8738210" y="5726807"/>
-            <a:ext cx="2425486" cy="485775"/>
-          </a:xfrm>
-          <a:prstGeom prst="borderCallout2">
-            <a:avLst>
-              <a:gd name="adj1" fmla="val 18750"/>
-              <a:gd name="adj2" fmla="val -8333"/>
-              <a:gd name="adj3" fmla="val 18750"/>
-              <a:gd name="adj4" fmla="val -16667"/>
-              <a:gd name="adj5" fmla="val 174383"/>
-              <a:gd name="adj6" fmla="val -37779"/>
-            </a:avLst>
-          </a:prstGeom>
-          <a:solidFill>
-            <a:schemeClr val="bg1"/>
-          </a:solidFill>
-          <a:ln>
-            <a:solidFill>
-              <a:schemeClr val="tx1">
-                <a:lumMod val="50000"/>
-                <a:lumOff val="50000"/>
-              </a:schemeClr>
-            </a:solidFill>
-          </a:ln>
-          <a:effectLst>
-            <a:outerShdw blurRad="50800" dist="38100" dir="2700000" algn="tl" rotWithShape="0">
-              <a:prstClr val="black">
-                <a:alpha val="40000"/>
-              </a:prstClr>
-            </a:outerShdw>
-          </a:effectLst>
-        </p:spPr>
-        <p:style>
-          <a:lnRef idx="2">
-            <a:schemeClr val="accent1">
-              <a:shade val="50000"/>
-            </a:schemeClr>
-          </a:lnRef>
-          <a:fillRef idx="1">
-            <a:schemeClr val="accent1"/>
-          </a:fillRef>
-          <a:effectRef idx="0">
-            <a:schemeClr val="accent1"/>
-          </a:effectRef>
-          <a:fontRef idx="minor">
-            <a:schemeClr val="lt1"/>
-          </a:fontRef>
-        </p:style>
-        <p:txBody>
-          <a:bodyPr rtlCol="0" anchor="ctr"/>
-          <a:lstStyle/>
-          <a:p>
-            <a:pPr marL="361950" indent="-361950"/>
-            <a:r>
-              <a:rPr lang="en-US" dirty="0">
-                <a:solidFill>
-                  <a:schemeClr val="tx1">
-                    <a:lumMod val="75000"/>
-                    <a:lumOff val="25000"/>
-                  </a:schemeClr>
-                </a:solidFill>
-              </a:rPr>
-              <a:t>(6) “Save and update”</a:t>
-            </a:r>
-            <a:endParaRPr lang="de-DE" dirty="0">
-              <a:solidFill>
-                <a:schemeClr val="tx1">
-                  <a:lumMod val="75000"/>
-                  <a:lumOff val="25000"/>
-                </a:schemeClr>
-              </a:solidFill>
-            </a:endParaRPr>
-          </a:p>
-        </p:txBody>
-      </p:sp>
-    </p:spTree>
-    <p:extLst>
-      <p:ext uri="{BB962C8B-B14F-4D97-AF65-F5344CB8AC3E}">
-        <p14:creationId xmlns:p14="http://schemas.microsoft.com/office/powerpoint/2010/main" val="532536123"/>
       </p:ext>
     </p:extLst>
   </p:cSld>
@@ -4293,7 +9152,7 @@
           <p:cNvPr id="3" name="Grafik 2">
             <a:extLst>
               <a:ext uri="{FF2B5EF4-FFF2-40B4-BE49-F238E27FC236}">
-                <a16:creationId xmlns:a16="http://schemas.microsoft.com/office/drawing/2014/main" id="{207C25EE-8048-498E-A2CA-3A24B00B5A1B}"/>
+                <a16:creationId xmlns:a16="http://schemas.microsoft.com/office/drawing/2014/main" id="{A1638617-F1D2-48A0-83AF-5A0E71A96746}"/>
               </a:ext>
             </a:extLst>
           </p:cNvPr>
@@ -4318,42 +9177,12 @@
           </a:prstGeom>
         </p:spPr>
       </p:pic>
-      <p:pic>
-        <p:nvPicPr>
-          <p:cNvPr id="4" name="Grafik 3">
-            <a:extLst>
-              <a:ext uri="{FF2B5EF4-FFF2-40B4-BE49-F238E27FC236}">
-                <a16:creationId xmlns:a16="http://schemas.microsoft.com/office/drawing/2014/main" id="{A157F05A-77BD-4587-BC80-D3F7E8652AD6}"/>
-              </a:ext>
-            </a:extLst>
-          </p:cNvPr>
-          <p:cNvPicPr>
-            <a:picLocks noChangeAspect="1"/>
-          </p:cNvPicPr>
-          <p:nvPr/>
-        </p:nvPicPr>
-        <p:blipFill>
-          <a:blip r:embed="rId3"/>
-          <a:stretch>
-            <a:fillRect/>
-          </a:stretch>
-        </p:blipFill>
-        <p:spPr>
-          <a:xfrm>
-            <a:off x="4424362" y="1814512"/>
-            <a:ext cx="3343275" cy="3228975"/>
-          </a:xfrm>
-          <a:prstGeom prst="rect">
-            <a:avLst/>
-          </a:prstGeom>
-        </p:spPr>
-      </p:pic>
-      <p:sp>
-        <p:nvSpPr>
-          <p:cNvPr id="5" name="Legende: mit gebogener Linie 4">
-            <a:extLst>
-              <a:ext uri="{FF2B5EF4-FFF2-40B4-BE49-F238E27FC236}">
-                <a16:creationId xmlns:a16="http://schemas.microsoft.com/office/drawing/2014/main" id="{5BD74673-6040-4910-BBD5-1B4E3A7EA086}"/>
+      <p:sp>
+        <p:nvSpPr>
+          <p:cNvPr id="4" name="Legende: mit gebogener Linie 3">
+            <a:extLst>
+              <a:ext uri="{FF2B5EF4-FFF2-40B4-BE49-F238E27FC236}">
+                <a16:creationId xmlns:a16="http://schemas.microsoft.com/office/drawing/2014/main" id="{1F41DB0F-ED1D-4356-ADFF-165C15D5C693}"/>
               </a:ext>
             </a:extLst>
           </p:cNvPr>
@@ -4362,7 +9191,7 @@
         </p:nvSpPr>
         <p:spPr>
           <a:xfrm>
-            <a:off x="8438139" y="219075"/>
+            <a:off x="7914264" y="276225"/>
             <a:ext cx="2687061" cy="485775"/>
           </a:xfrm>
           <a:prstGeom prst="borderCallout2">
@@ -4372,7 +9201,7 @@
               <a:gd name="adj3" fmla="val 18750"/>
               <a:gd name="adj4" fmla="val -16667"/>
               <a:gd name="adj5" fmla="val 207716"/>
-              <a:gd name="adj6" fmla="val 18023"/>
+              <a:gd name="adj6" fmla="val -118096"/>
             </a:avLst>
           </a:prstGeom>
           <a:solidFill>
@@ -4424,7 +9253,7 @@
                   </a:schemeClr>
                 </a:solidFill>
               </a:rPr>
-              <a:t>(1) Click “Add”</a:t>
+              <a:t>(1) Provide you tool name</a:t>
             </a:r>
             <a:endParaRPr lang="de-DE" dirty="0">
               <a:solidFill>
@@ -4439,10 +9268,10 @@
       </p:sp>
       <p:sp>
         <p:nvSpPr>
-          <p:cNvPr id="6" name="Legende: mit gebogener Linie 5">
-            <a:extLst>
-              <a:ext uri="{FF2B5EF4-FFF2-40B4-BE49-F238E27FC236}">
-                <a16:creationId xmlns:a16="http://schemas.microsoft.com/office/drawing/2014/main" id="{43592933-198A-4CF0-980A-D7B6958D81FF}"/>
+          <p:cNvPr id="5" name="Legende: mit gebogener Linie 4">
+            <a:extLst>
+              <a:ext uri="{FF2B5EF4-FFF2-40B4-BE49-F238E27FC236}">
+                <a16:creationId xmlns:a16="http://schemas.microsoft.com/office/drawing/2014/main" id="{A4BE9D04-77E2-415A-BF95-2D3E915EA884}"/>
               </a:ext>
             </a:extLst>
           </p:cNvPr>
@@ -4451,8 +9280,8 @@
         </p:nvSpPr>
         <p:spPr>
           <a:xfrm>
-            <a:off x="8408554" y="2762250"/>
-            <a:ext cx="2687061" cy="666750"/>
+            <a:off x="8457189" y="885825"/>
+            <a:ext cx="2687061" cy="485775"/>
           </a:xfrm>
           <a:prstGeom prst="borderCallout2">
             <a:avLst>
@@ -4460,8 +9289,8 @@
               <a:gd name="adj2" fmla="val -8333"/>
               <a:gd name="adj3" fmla="val 18750"/>
               <a:gd name="adj4" fmla="val -16667"/>
-              <a:gd name="adj5" fmla="val -69259"/>
-              <a:gd name="adj6" fmla="val -54645"/>
+              <a:gd name="adj5" fmla="val 148892"/>
+              <a:gd name="adj6" fmla="val -148227"/>
             </a:avLst>
           </a:prstGeom>
           <a:solidFill>
@@ -4513,7 +9342,7 @@
                   </a:schemeClr>
                 </a:solidFill>
               </a:rPr>
-              <a:t>(2) Define RCE input variable of type “File”</a:t>
+              <a:t>(2) Choose a pretty icon</a:t>
             </a:r>
             <a:endParaRPr lang="de-DE" dirty="0">
               <a:solidFill>
@@ -4528,10 +9357,10 @@
       </p:sp>
       <p:sp>
         <p:nvSpPr>
-          <p:cNvPr id="7" name="Legende: mit gebogener Linie 6">
-            <a:extLst>
-              <a:ext uri="{FF2B5EF4-FFF2-40B4-BE49-F238E27FC236}">
-                <a16:creationId xmlns:a16="http://schemas.microsoft.com/office/drawing/2014/main" id="{D2A19678-DDE0-424E-96A2-32EA17BC7650}"/>
+          <p:cNvPr id="6" name="Legende: mit gebogener Linie 5">
+            <a:extLst>
+              <a:ext uri="{FF2B5EF4-FFF2-40B4-BE49-F238E27FC236}">
+                <a16:creationId xmlns:a16="http://schemas.microsoft.com/office/drawing/2014/main" id="{0E668904-9C80-4092-814E-8A8890E65822}"/>
               </a:ext>
             </a:extLst>
           </p:cNvPr>
@@ -4540,8 +9369,8 @@
         </p:nvSpPr>
         <p:spPr>
           <a:xfrm>
-            <a:off x="9084828" y="4143375"/>
-            <a:ext cx="3002397" cy="666750"/>
+            <a:off x="8304284" y="1914524"/>
+            <a:ext cx="2982841" cy="1295401"/>
           </a:xfrm>
           <a:prstGeom prst="borderCallout2">
             <a:avLst>
@@ -4549,8 +9378,8 @@
               <a:gd name="adj2" fmla="val -8333"/>
               <a:gd name="adj3" fmla="val 18750"/>
               <a:gd name="adj4" fmla="val -16667"/>
-              <a:gd name="adj5" fmla="val -37830"/>
-              <a:gd name="adj6" fmla="val -57126"/>
+              <a:gd name="adj5" fmla="val 118"/>
+              <a:gd name="adj6" fmla="val -124181"/>
             </a:avLst>
           </a:prstGeom>
           <a:solidFill>
@@ -4589,7 +9418,7 @@
           </a:fontRef>
         </p:style>
         <p:txBody>
-          <a:bodyPr rtlCol="0" anchor="ctr"/>
+          <a:bodyPr rtlCol="0" anchor="t"/>
           <a:lstStyle/>
           <a:p>
             <a:pPr marL="361950" indent="-361950"/>
@@ -4602,8 +9431,11 @@
                   </a:schemeClr>
                 </a:solidFill>
               </a:rPr>
-              <a:t>(3) Choose these file handling settings and click “OK”</a:t>
-            </a:r>
+              <a:t>(3) Your tool palette might be structured by groups: </a:t>
+            </a:r>
+          </a:p>
+          <a:p>
+            <a:pPr marL="361950" indent="-361950"/>
             <a:endParaRPr lang="de-DE" dirty="0">
               <a:solidFill>
                 <a:schemeClr val="tx1">
@@ -4615,12 +9447,42 @@
           </a:p>
         </p:txBody>
       </p:sp>
+      <p:pic>
+        <p:nvPicPr>
+          <p:cNvPr id="2" name="Grafik 1">
+            <a:extLst>
+              <a:ext uri="{FF2B5EF4-FFF2-40B4-BE49-F238E27FC236}">
+                <a16:creationId xmlns:a16="http://schemas.microsoft.com/office/drawing/2014/main" id="{35F74768-FC2C-40BD-ADB8-5D1BD5BE9650}"/>
+              </a:ext>
+            </a:extLst>
+          </p:cNvPr>
+          <p:cNvPicPr>
+            <a:picLocks noChangeAspect="1"/>
+          </p:cNvPicPr>
+          <p:nvPr/>
+        </p:nvPicPr>
+        <p:blipFill>
+          <a:blip r:embed="rId3"/>
+          <a:stretch>
+            <a:fillRect/>
+          </a:stretch>
+        </p:blipFill>
+        <p:spPr>
+          <a:xfrm>
+            <a:off x="9039007" y="2609784"/>
+            <a:ext cx="1562318" cy="476316"/>
+          </a:xfrm>
+          <a:prstGeom prst="rect">
+            <a:avLst/>
+          </a:prstGeom>
+        </p:spPr>
+      </p:pic>
       <p:sp>
         <p:nvSpPr>
           <p:cNvPr id="8" name="Legende: mit gebogener Linie 7">
             <a:extLst>
               <a:ext uri="{FF2B5EF4-FFF2-40B4-BE49-F238E27FC236}">
-                <a16:creationId xmlns:a16="http://schemas.microsoft.com/office/drawing/2014/main" id="{C57B70A9-3B52-4608-9394-6D65C54945D0}"/>
+                <a16:creationId xmlns:a16="http://schemas.microsoft.com/office/drawing/2014/main" id="{85D27878-2D09-4833-98C2-E4814CB69642}"/>
               </a:ext>
             </a:extLst>
           </p:cNvPr>
@@ -4629,8 +9491,8 @@
         </p:nvSpPr>
         <p:spPr>
           <a:xfrm>
-            <a:off x="9084828" y="5419725"/>
-            <a:ext cx="2687061" cy="666750"/>
+            <a:off x="8304284" y="3509897"/>
+            <a:ext cx="2687061" cy="485775"/>
           </a:xfrm>
           <a:prstGeom prst="borderCallout2">
             <a:avLst>
@@ -4638,8 +9500,8 @@
               <a:gd name="adj2" fmla="val -8333"/>
               <a:gd name="adj3" fmla="val 18750"/>
               <a:gd name="adj4" fmla="val -16667"/>
-              <a:gd name="adj5" fmla="val 169313"/>
-              <a:gd name="adj6" fmla="val -44010"/>
+              <a:gd name="adj5" fmla="val -270716"/>
+              <a:gd name="adj6" fmla="val -113488"/>
             </a:avLst>
           </a:prstGeom>
           <a:solidFill>
@@ -4691,7 +9553,7 @@
                   </a:schemeClr>
                 </a:solidFill>
               </a:rPr>
-              <a:t>(4) “Save and Update”</a:t>
+              <a:t>(4) Link a documentation</a:t>
             </a:r>
             <a:endParaRPr lang="de-DE" dirty="0">
               <a:solidFill>
@@ -4704,10 +9566,277 @@
           </a:p>
         </p:txBody>
       </p:sp>
+      <p:sp>
+        <p:nvSpPr>
+          <p:cNvPr id="9" name="Legende: mit gebogener Linie 8">
+            <a:extLst>
+              <a:ext uri="{FF2B5EF4-FFF2-40B4-BE49-F238E27FC236}">
+                <a16:creationId xmlns:a16="http://schemas.microsoft.com/office/drawing/2014/main" id="{CD811258-DCCA-4427-B8DC-F25BFA909EDC}"/>
+              </a:ext>
+            </a:extLst>
+          </p:cNvPr>
+          <p:cNvSpPr/>
+          <p:nvPr/>
+        </p:nvSpPr>
+        <p:spPr>
+          <a:xfrm>
+            <a:off x="8476635" y="4295644"/>
+            <a:ext cx="2687061" cy="485775"/>
+          </a:xfrm>
+          <a:prstGeom prst="borderCallout2">
+            <a:avLst>
+              <a:gd name="adj1" fmla="val 18750"/>
+              <a:gd name="adj2" fmla="val -8333"/>
+              <a:gd name="adj3" fmla="val 18750"/>
+              <a:gd name="adj4" fmla="val -16667"/>
+              <a:gd name="adj5" fmla="val -268755"/>
+              <a:gd name="adj6" fmla="val -115260"/>
+            </a:avLst>
+          </a:prstGeom>
+          <a:solidFill>
+            <a:schemeClr val="bg1"/>
+          </a:solidFill>
+          <a:ln>
+            <a:solidFill>
+              <a:schemeClr val="tx1">
+                <a:lumMod val="50000"/>
+                <a:lumOff val="50000"/>
+              </a:schemeClr>
+            </a:solidFill>
+          </a:ln>
+          <a:effectLst>
+            <a:outerShdw blurRad="50800" dist="38100" dir="2700000" algn="tl" rotWithShape="0">
+              <a:prstClr val="black">
+                <a:alpha val="40000"/>
+              </a:prstClr>
+            </a:outerShdw>
+          </a:effectLst>
+        </p:spPr>
+        <p:style>
+          <a:lnRef idx="2">
+            <a:schemeClr val="accent1">
+              <a:shade val="50000"/>
+            </a:schemeClr>
+          </a:lnRef>
+          <a:fillRef idx="1">
+            <a:schemeClr val="accent1"/>
+          </a:fillRef>
+          <a:effectRef idx="0">
+            <a:schemeClr val="accent1"/>
+          </a:effectRef>
+          <a:fontRef idx="minor">
+            <a:schemeClr val="lt1"/>
+          </a:fontRef>
+        </p:style>
+        <p:txBody>
+          <a:bodyPr rtlCol="0" anchor="ctr"/>
+          <a:lstStyle/>
+          <a:p>
+            <a:pPr marL="361950" indent="-361950"/>
+            <a:r>
+              <a:rPr lang="en-US" dirty="0">
+                <a:solidFill>
+                  <a:schemeClr val="tx1">
+                    <a:lumMod val="75000"/>
+                    <a:lumOff val="25000"/>
+                  </a:schemeClr>
+                </a:solidFill>
+              </a:rPr>
+              <a:t>(5) Add description</a:t>
+            </a:r>
+            <a:endParaRPr lang="de-DE" dirty="0">
+              <a:solidFill>
+                <a:schemeClr val="tx1">
+                  <a:lumMod val="75000"/>
+                  <a:lumOff val="25000"/>
+                </a:schemeClr>
+              </a:solidFill>
+            </a:endParaRPr>
+          </a:p>
+        </p:txBody>
+      </p:sp>
+      <p:sp>
+        <p:nvSpPr>
+          <p:cNvPr id="10" name="Legende: mit gebogener Linie 9">
+            <a:extLst>
+              <a:ext uri="{FF2B5EF4-FFF2-40B4-BE49-F238E27FC236}">
+                <a16:creationId xmlns:a16="http://schemas.microsoft.com/office/drawing/2014/main" id="{3EBAF4A1-E598-4705-B3F8-96AFA94F3B6D}"/>
+              </a:ext>
+            </a:extLst>
+          </p:cNvPr>
+          <p:cNvSpPr/>
+          <p:nvPr/>
+        </p:nvSpPr>
+        <p:spPr>
+          <a:xfrm>
+            <a:off x="7228751" y="5081391"/>
+            <a:ext cx="3153499" cy="485775"/>
+          </a:xfrm>
+          <a:prstGeom prst="borderCallout2">
+            <a:avLst>
+              <a:gd name="adj1" fmla="val 18750"/>
+              <a:gd name="adj2" fmla="val -8333"/>
+              <a:gd name="adj3" fmla="val 18750"/>
+              <a:gd name="adj4" fmla="val -16667"/>
+              <a:gd name="adj5" fmla="val 68500"/>
+              <a:gd name="adj6" fmla="val -110297"/>
+            </a:avLst>
+          </a:prstGeom>
+          <a:solidFill>
+            <a:schemeClr val="bg1"/>
+          </a:solidFill>
+          <a:ln>
+            <a:solidFill>
+              <a:schemeClr val="tx1">
+                <a:lumMod val="50000"/>
+                <a:lumOff val="50000"/>
+              </a:schemeClr>
+            </a:solidFill>
+          </a:ln>
+          <a:effectLst>
+            <a:outerShdw blurRad="50800" dist="38100" dir="2700000" algn="tl" rotWithShape="0">
+              <a:prstClr val="black">
+                <a:alpha val="40000"/>
+              </a:prstClr>
+            </a:outerShdw>
+          </a:effectLst>
+        </p:spPr>
+        <p:style>
+          <a:lnRef idx="2">
+            <a:schemeClr val="accent1">
+              <a:shade val="50000"/>
+            </a:schemeClr>
+          </a:lnRef>
+          <a:fillRef idx="1">
+            <a:schemeClr val="accent1"/>
+          </a:fillRef>
+          <a:effectRef idx="0">
+            <a:schemeClr val="accent1"/>
+          </a:effectRef>
+          <a:fontRef idx="minor">
+            <a:schemeClr val="lt1"/>
+          </a:fontRef>
+        </p:style>
+        <p:txBody>
+          <a:bodyPr rtlCol="0" anchor="ctr"/>
+          <a:lstStyle/>
+          <a:p>
+            <a:pPr marL="361950" indent="-361950"/>
+            <a:r>
+              <a:rPr lang="en-US" dirty="0">
+                <a:solidFill>
+                  <a:schemeClr val="tx1">
+                    <a:lumMod val="75000"/>
+                    <a:lumOff val="25000"/>
+                  </a:schemeClr>
+                </a:solidFill>
+              </a:rPr>
+              <a:t>(6) Provide contact information</a:t>
+            </a:r>
+            <a:endParaRPr lang="de-DE" dirty="0">
+              <a:solidFill>
+                <a:schemeClr val="tx1">
+                  <a:lumMod val="75000"/>
+                  <a:lumOff val="25000"/>
+                </a:schemeClr>
+              </a:solidFill>
+            </a:endParaRPr>
+          </a:p>
+        </p:txBody>
+      </p:sp>
+      <p:sp>
+        <p:nvSpPr>
+          <p:cNvPr id="11" name="Legende: mit gebogener Linie 10">
+            <a:extLst>
+              <a:ext uri="{FF2B5EF4-FFF2-40B4-BE49-F238E27FC236}">
+                <a16:creationId xmlns:a16="http://schemas.microsoft.com/office/drawing/2014/main" id="{2A347F51-3AF2-46D7-A371-C23CA83AB280}"/>
+              </a:ext>
+            </a:extLst>
+          </p:cNvPr>
+          <p:cNvSpPr/>
+          <p:nvPr/>
+        </p:nvSpPr>
+        <p:spPr>
+          <a:xfrm>
+            <a:off x="7159576" y="5867138"/>
+            <a:ext cx="1144708" cy="345444"/>
+          </a:xfrm>
+          <a:prstGeom prst="borderCallout2">
+            <a:avLst>
+              <a:gd name="adj1" fmla="val 18750"/>
+              <a:gd name="adj2" fmla="val -8333"/>
+              <a:gd name="adj3" fmla="val 18750"/>
+              <a:gd name="adj4" fmla="val -16667"/>
+              <a:gd name="adj5" fmla="val 201852"/>
+              <a:gd name="adj6" fmla="val -60387"/>
+            </a:avLst>
+          </a:prstGeom>
+          <a:solidFill>
+            <a:schemeClr val="bg1"/>
+          </a:solidFill>
+          <a:ln>
+            <a:solidFill>
+              <a:schemeClr val="tx1">
+                <a:lumMod val="50000"/>
+                <a:lumOff val="50000"/>
+              </a:schemeClr>
+            </a:solidFill>
+          </a:ln>
+          <a:effectLst>
+            <a:outerShdw blurRad="50800" dist="38100" dir="2700000" algn="tl" rotWithShape="0">
+              <a:prstClr val="black">
+                <a:alpha val="40000"/>
+              </a:prstClr>
+            </a:outerShdw>
+          </a:effectLst>
+        </p:spPr>
+        <p:style>
+          <a:lnRef idx="2">
+            <a:schemeClr val="accent1">
+              <a:shade val="50000"/>
+            </a:schemeClr>
+          </a:lnRef>
+          <a:fillRef idx="1">
+            <a:schemeClr val="accent1"/>
+          </a:fillRef>
+          <a:effectRef idx="0">
+            <a:schemeClr val="accent1"/>
+          </a:effectRef>
+          <a:fontRef idx="minor">
+            <a:schemeClr val="lt1"/>
+          </a:fontRef>
+        </p:style>
+        <p:txBody>
+          <a:bodyPr rtlCol="0" anchor="ctr"/>
+          <a:lstStyle/>
+          <a:p>
+            <a:pPr marL="361950" indent="-361950"/>
+            <a:r>
+              <a:rPr lang="en-US" dirty="0">
+                <a:solidFill>
+                  <a:schemeClr val="tx1">
+                    <a:lumMod val="75000"/>
+                    <a:lumOff val="25000"/>
+                  </a:schemeClr>
+                </a:solidFill>
+              </a:rPr>
+              <a:t>(7) Next &gt;</a:t>
+            </a:r>
+            <a:endParaRPr lang="de-DE" dirty="0">
+              <a:solidFill>
+                <a:schemeClr val="tx1">
+                  <a:lumMod val="75000"/>
+                  <a:lumOff val="25000"/>
+                </a:schemeClr>
+              </a:solidFill>
+            </a:endParaRPr>
+          </a:p>
+        </p:txBody>
+      </p:sp>
     </p:spTree>
     <p:extLst>
       <p:ext uri="{BB962C8B-B14F-4D97-AF65-F5344CB8AC3E}">
-        <p14:creationId xmlns:p14="http://schemas.microsoft.com/office/powerpoint/2010/main" val="2626145923"/>
+        <p14:creationId xmlns:p14="http://schemas.microsoft.com/office/powerpoint/2010/main" val="532536123"/>
       </p:ext>
     </p:extLst>
   </p:cSld>
@@ -4739,7 +9868,7 @@
           <p:cNvPr id="3" name="Grafik 2">
             <a:extLst>
               <a:ext uri="{FF2B5EF4-FFF2-40B4-BE49-F238E27FC236}">
-                <a16:creationId xmlns:a16="http://schemas.microsoft.com/office/drawing/2014/main" id="{D9444D39-DC35-48A0-914E-B29B0F5E8F24}"/>
+                <a16:creationId xmlns:a16="http://schemas.microsoft.com/office/drawing/2014/main" id="{207C25EE-8048-498E-A2CA-3A24B00B5A1B}"/>
               </a:ext>
             </a:extLst>
           </p:cNvPr>
@@ -4769,7 +9898,7 @@
           <p:cNvPr id="4" name="Grafik 3">
             <a:extLst>
               <a:ext uri="{FF2B5EF4-FFF2-40B4-BE49-F238E27FC236}">
-                <a16:creationId xmlns:a16="http://schemas.microsoft.com/office/drawing/2014/main" id="{973C11FF-A82B-469E-B27C-AB8DB61267AA}"/>
+                <a16:creationId xmlns:a16="http://schemas.microsoft.com/office/drawing/2014/main" id="{A157F05A-77BD-4587-BC80-D3F7E8652AD6}"/>
               </a:ext>
             </a:extLst>
           </p:cNvPr>
@@ -4786,12 +9915,19 @@
         </p:blipFill>
         <p:spPr>
           <a:xfrm>
-            <a:off x="5076825" y="2681287"/>
-            <a:ext cx="2038350" cy="1495425"/>
+            <a:off x="4424362" y="1814512"/>
+            <a:ext cx="3343275" cy="3228975"/>
           </a:xfrm>
           <a:prstGeom prst="rect">
             <a:avLst/>
           </a:prstGeom>
+          <a:effectLst>
+            <a:outerShdw blurRad="63500" sx="102000" sy="102000" algn="ctr" rotWithShape="0">
+              <a:prstClr val="black">
+                <a:alpha val="40000"/>
+              </a:prstClr>
+            </a:outerShdw>
+          </a:effectLst>
         </p:spPr>
       </p:pic>
       <p:sp>
@@ -4799,7 +9935,7 @@
           <p:cNvPr id="5" name="Legende: mit gebogener Linie 4">
             <a:extLst>
               <a:ext uri="{FF2B5EF4-FFF2-40B4-BE49-F238E27FC236}">
-                <a16:creationId xmlns:a16="http://schemas.microsoft.com/office/drawing/2014/main" id="{9E1C5306-140C-4273-81FA-90C181774901}"/>
+                <a16:creationId xmlns:a16="http://schemas.microsoft.com/office/drawing/2014/main" id="{5BD74673-6040-4910-BBD5-1B4E3A7EA086}"/>
               </a:ext>
             </a:extLst>
           </p:cNvPr>
@@ -4888,7 +10024,7 @@
           <p:cNvPr id="6" name="Legende: mit gebogener Linie 5">
             <a:extLst>
               <a:ext uri="{FF2B5EF4-FFF2-40B4-BE49-F238E27FC236}">
-                <a16:creationId xmlns:a16="http://schemas.microsoft.com/office/drawing/2014/main" id="{7A0D30F2-7608-49C4-B435-550C35D07995}"/>
+                <a16:creationId xmlns:a16="http://schemas.microsoft.com/office/drawing/2014/main" id="{43592933-198A-4CF0-980A-D7B6958D81FF}"/>
               </a:ext>
             </a:extLst>
           </p:cNvPr>
@@ -4906,8 +10042,8 @@
               <a:gd name="adj2" fmla="val -8333"/>
               <a:gd name="adj3" fmla="val 18750"/>
               <a:gd name="adj4" fmla="val -16667"/>
-              <a:gd name="adj5" fmla="val 73598"/>
-              <a:gd name="adj6" fmla="val -52873"/>
+              <a:gd name="adj5" fmla="val -69259"/>
+              <a:gd name="adj6" fmla="val -54645"/>
             </a:avLst>
           </a:prstGeom>
           <a:solidFill>
@@ -4959,7 +10095,7 @@
                   </a:schemeClr>
                 </a:solidFill>
               </a:rPr>
-              <a:t>(2) Define RCE output variable of type “File”</a:t>
+              <a:t>(2) Define RCE input variable of type “File”</a:t>
             </a:r>
             <a:endParaRPr lang="de-DE" dirty="0">
               <a:solidFill>
@@ -4977,7 +10113,7 @@
           <p:cNvPr id="7" name="Legende: mit gebogener Linie 6">
             <a:extLst>
               <a:ext uri="{FF2B5EF4-FFF2-40B4-BE49-F238E27FC236}">
-                <a16:creationId xmlns:a16="http://schemas.microsoft.com/office/drawing/2014/main" id="{629B0A63-30F2-4A9B-ACB8-B76F7F3A4569}"/>
+                <a16:creationId xmlns:a16="http://schemas.microsoft.com/office/drawing/2014/main" id="{D2A19678-DDE0-424E-96A2-32EA17BC7650}"/>
               </a:ext>
             </a:extLst>
           </p:cNvPr>
@@ -4986,8 +10122,8 @@
         </p:nvSpPr>
         <p:spPr>
           <a:xfrm>
-            <a:off x="9084828" y="5419725"/>
-            <a:ext cx="2687061" cy="666750"/>
+            <a:off x="9084828" y="4143375"/>
+            <a:ext cx="3002397" cy="666750"/>
           </a:xfrm>
           <a:prstGeom prst="borderCallout2">
             <a:avLst>
@@ -4995,8 +10131,8 @@
               <a:gd name="adj2" fmla="val -8333"/>
               <a:gd name="adj3" fmla="val 18750"/>
               <a:gd name="adj4" fmla="val -16667"/>
-              <a:gd name="adj5" fmla="val 169313"/>
-              <a:gd name="adj6" fmla="val -44010"/>
+              <a:gd name="adj5" fmla="val -37830"/>
+              <a:gd name="adj6" fmla="val -57126"/>
             </a:avLst>
           </a:prstGeom>
           <a:solidFill>
@@ -5048,7 +10184,7 @@
                   </a:schemeClr>
                 </a:solidFill>
               </a:rPr>
-              <a:t>(3) “Save and Update”</a:t>
+              <a:t>(3) Choose these file handling settings and click “OK”</a:t>
             </a:r>
             <a:endParaRPr lang="de-DE" dirty="0">
               <a:solidFill>
@@ -5061,10 +10197,99 @@
           </a:p>
         </p:txBody>
       </p:sp>
+      <p:sp>
+        <p:nvSpPr>
+          <p:cNvPr id="9" name="Legende: mit gebogener Linie 8">
+            <a:extLst>
+              <a:ext uri="{FF2B5EF4-FFF2-40B4-BE49-F238E27FC236}">
+                <a16:creationId xmlns:a16="http://schemas.microsoft.com/office/drawing/2014/main" id="{2344816B-E512-4C7D-B96D-0EF0724E15EC}"/>
+              </a:ext>
+            </a:extLst>
+          </p:cNvPr>
+          <p:cNvSpPr/>
+          <p:nvPr/>
+        </p:nvSpPr>
+        <p:spPr>
+          <a:xfrm>
+            <a:off x="7159576" y="5867138"/>
+            <a:ext cx="1144708" cy="345444"/>
+          </a:xfrm>
+          <a:prstGeom prst="borderCallout2">
+            <a:avLst>
+              <a:gd name="adj1" fmla="val 18750"/>
+              <a:gd name="adj2" fmla="val -8333"/>
+              <a:gd name="adj3" fmla="val 18750"/>
+              <a:gd name="adj4" fmla="val -16667"/>
+              <a:gd name="adj5" fmla="val 201852"/>
+              <a:gd name="adj6" fmla="val -60387"/>
+            </a:avLst>
+          </a:prstGeom>
+          <a:solidFill>
+            <a:schemeClr val="bg1"/>
+          </a:solidFill>
+          <a:ln>
+            <a:solidFill>
+              <a:schemeClr val="tx1">
+                <a:lumMod val="50000"/>
+                <a:lumOff val="50000"/>
+              </a:schemeClr>
+            </a:solidFill>
+          </a:ln>
+          <a:effectLst>
+            <a:outerShdw blurRad="50800" dist="38100" dir="2700000" algn="tl" rotWithShape="0">
+              <a:prstClr val="black">
+                <a:alpha val="40000"/>
+              </a:prstClr>
+            </a:outerShdw>
+          </a:effectLst>
+        </p:spPr>
+        <p:style>
+          <a:lnRef idx="2">
+            <a:schemeClr val="accent1">
+              <a:shade val="50000"/>
+            </a:schemeClr>
+          </a:lnRef>
+          <a:fillRef idx="1">
+            <a:schemeClr val="accent1"/>
+          </a:fillRef>
+          <a:effectRef idx="0">
+            <a:schemeClr val="accent1"/>
+          </a:effectRef>
+          <a:fontRef idx="minor">
+            <a:schemeClr val="lt1"/>
+          </a:fontRef>
+        </p:style>
+        <p:txBody>
+          <a:bodyPr rtlCol="0" anchor="ctr"/>
+          <a:lstStyle/>
+          <a:p>
+            <a:pPr marL="361950" indent="-361950"/>
+            <a:r>
+              <a:rPr lang="en-US" dirty="0">
+                <a:solidFill>
+                  <a:schemeClr val="tx1">
+                    <a:lumMod val="75000"/>
+                    <a:lumOff val="25000"/>
+                  </a:schemeClr>
+                </a:solidFill>
+              </a:rPr>
+              <a:t>(4) Next &gt;</a:t>
+            </a:r>
+            <a:endParaRPr lang="de-DE" dirty="0">
+              <a:solidFill>
+                <a:schemeClr val="tx1">
+                  <a:lumMod val="75000"/>
+                  <a:lumOff val="25000"/>
+                </a:schemeClr>
+              </a:solidFill>
+            </a:endParaRPr>
+          </a:p>
+        </p:txBody>
+      </p:sp>
     </p:spTree>
     <p:extLst>
       <p:ext uri="{BB962C8B-B14F-4D97-AF65-F5344CB8AC3E}">
-        <p14:creationId xmlns:p14="http://schemas.microsoft.com/office/powerpoint/2010/main" val="2930916760"/>
+        <p14:creationId xmlns:p14="http://schemas.microsoft.com/office/powerpoint/2010/main" val="2626145923"/>
       </p:ext>
     </p:extLst>
   </p:cSld>
@@ -5096,7 +10321,7 @@
           <p:cNvPr id="3" name="Grafik 2">
             <a:extLst>
               <a:ext uri="{FF2B5EF4-FFF2-40B4-BE49-F238E27FC236}">
-                <a16:creationId xmlns:a16="http://schemas.microsoft.com/office/drawing/2014/main" id="{905DCB1A-1B25-41AD-A09E-2BBB6AC82ED9}"/>
+                <a16:creationId xmlns:a16="http://schemas.microsoft.com/office/drawing/2014/main" id="{D9444D39-DC35-48A0-914E-B29B0F5E8F24}"/>
               </a:ext>
             </a:extLst>
           </p:cNvPr>
@@ -5121,12 +10346,42 @@
           </a:prstGeom>
         </p:spPr>
       </p:pic>
+      <p:pic>
+        <p:nvPicPr>
+          <p:cNvPr id="4" name="Grafik 3">
+            <a:extLst>
+              <a:ext uri="{FF2B5EF4-FFF2-40B4-BE49-F238E27FC236}">
+                <a16:creationId xmlns:a16="http://schemas.microsoft.com/office/drawing/2014/main" id="{973C11FF-A82B-469E-B27C-AB8DB61267AA}"/>
+              </a:ext>
+            </a:extLst>
+          </p:cNvPr>
+          <p:cNvPicPr>
+            <a:picLocks noChangeAspect="1"/>
+          </p:cNvPicPr>
+          <p:nvPr/>
+        </p:nvPicPr>
+        <p:blipFill>
+          <a:blip r:embed="rId3"/>
+          <a:stretch>
+            <a:fillRect/>
+          </a:stretch>
+        </p:blipFill>
+        <p:spPr>
+          <a:xfrm>
+            <a:off x="5076825" y="2681287"/>
+            <a:ext cx="2038350" cy="1495425"/>
+          </a:xfrm>
+          <a:prstGeom prst="rect">
+            <a:avLst/>
+          </a:prstGeom>
+        </p:spPr>
+      </p:pic>
       <p:sp>
         <p:nvSpPr>
           <p:cNvPr id="5" name="Legende: mit gebogener Linie 4">
             <a:extLst>
               <a:ext uri="{FF2B5EF4-FFF2-40B4-BE49-F238E27FC236}">
-                <a16:creationId xmlns:a16="http://schemas.microsoft.com/office/drawing/2014/main" id="{7D891340-252A-4100-B034-7CACE8F5E795}"/>
+                <a16:creationId xmlns:a16="http://schemas.microsoft.com/office/drawing/2014/main" id="{9E1C5306-140C-4273-81FA-90C181774901}"/>
               </a:ext>
             </a:extLst>
           </p:cNvPr>
@@ -5135,8 +10390,97 @@
         </p:nvSpPr>
         <p:spPr>
           <a:xfrm>
+            <a:off x="8438139" y="219075"/>
+            <a:ext cx="2687061" cy="485775"/>
+          </a:xfrm>
+          <a:prstGeom prst="borderCallout2">
+            <a:avLst>
+              <a:gd name="adj1" fmla="val 18750"/>
+              <a:gd name="adj2" fmla="val -8333"/>
+              <a:gd name="adj3" fmla="val 18750"/>
+              <a:gd name="adj4" fmla="val -16667"/>
+              <a:gd name="adj5" fmla="val 207716"/>
+              <a:gd name="adj6" fmla="val 18023"/>
+            </a:avLst>
+          </a:prstGeom>
+          <a:solidFill>
+            <a:schemeClr val="bg1"/>
+          </a:solidFill>
+          <a:ln>
+            <a:solidFill>
+              <a:schemeClr val="tx1">
+                <a:lumMod val="50000"/>
+                <a:lumOff val="50000"/>
+              </a:schemeClr>
+            </a:solidFill>
+          </a:ln>
+          <a:effectLst>
+            <a:outerShdw blurRad="50800" dist="38100" dir="2700000" algn="tl" rotWithShape="0">
+              <a:prstClr val="black">
+                <a:alpha val="40000"/>
+              </a:prstClr>
+            </a:outerShdw>
+          </a:effectLst>
+        </p:spPr>
+        <p:style>
+          <a:lnRef idx="2">
+            <a:schemeClr val="accent1">
+              <a:shade val="50000"/>
+            </a:schemeClr>
+          </a:lnRef>
+          <a:fillRef idx="1">
+            <a:schemeClr val="accent1"/>
+          </a:fillRef>
+          <a:effectRef idx="0">
+            <a:schemeClr val="accent1"/>
+          </a:effectRef>
+          <a:fontRef idx="minor">
+            <a:schemeClr val="lt1"/>
+          </a:fontRef>
+        </p:style>
+        <p:txBody>
+          <a:bodyPr rtlCol="0" anchor="ctr"/>
+          <a:lstStyle/>
+          <a:p>
+            <a:pPr marL="361950" indent="-361950"/>
+            <a:r>
+              <a:rPr lang="en-US" dirty="0">
+                <a:solidFill>
+                  <a:schemeClr val="tx1">
+                    <a:lumMod val="75000"/>
+                    <a:lumOff val="25000"/>
+                  </a:schemeClr>
+                </a:solidFill>
+              </a:rPr>
+              <a:t>(1) Click “Add”</a:t>
+            </a:r>
+            <a:endParaRPr lang="de-DE" dirty="0">
+              <a:solidFill>
+                <a:schemeClr val="tx1">
+                  <a:lumMod val="75000"/>
+                  <a:lumOff val="25000"/>
+                </a:schemeClr>
+              </a:solidFill>
+            </a:endParaRPr>
+          </a:p>
+        </p:txBody>
+      </p:sp>
+      <p:sp>
+        <p:nvSpPr>
+          <p:cNvPr id="6" name="Legende: mit gebogener Linie 5">
+            <a:extLst>
+              <a:ext uri="{FF2B5EF4-FFF2-40B4-BE49-F238E27FC236}">
+                <a16:creationId xmlns:a16="http://schemas.microsoft.com/office/drawing/2014/main" id="{7A0D30F2-7608-49C4-B435-550C35D07995}"/>
+              </a:ext>
+            </a:extLst>
+          </p:cNvPr>
+          <p:cNvSpPr/>
+          <p:nvPr/>
+        </p:nvSpPr>
+        <p:spPr>
+          <a:xfrm>
             <a:off x="8408554" y="2762250"/>
-            <a:ext cx="2135621" cy="428625"/>
+            <a:ext cx="2687061" cy="666750"/>
           </a:xfrm>
           <a:prstGeom prst="borderCallout2">
             <a:avLst>
@@ -5197,7 +10541,7 @@
                   </a:schemeClr>
                 </a:solidFill>
               </a:rPr>
-              <a:t>Nothing to do …</a:t>
+              <a:t>(2) Define RCE output variable of type “File”</a:t>
             </a:r>
             <a:endParaRPr lang="de-DE" dirty="0">
               <a:solidFill>
@@ -5212,10 +10556,10 @@
       </p:sp>
       <p:sp>
         <p:nvSpPr>
-          <p:cNvPr id="6" name="Legende: mit gebogener Linie 5">
-            <a:extLst>
-              <a:ext uri="{FF2B5EF4-FFF2-40B4-BE49-F238E27FC236}">
-                <a16:creationId xmlns:a16="http://schemas.microsoft.com/office/drawing/2014/main" id="{5CE74908-FDC4-4DBC-A3CF-FED0775175DF}"/>
+          <p:cNvPr id="8" name="Legende: mit gebogener Linie 7">
+            <a:extLst>
+              <a:ext uri="{FF2B5EF4-FFF2-40B4-BE49-F238E27FC236}">
+                <a16:creationId xmlns:a16="http://schemas.microsoft.com/office/drawing/2014/main" id="{81C38697-F265-41A2-988F-618765B3218D}"/>
               </a:ext>
             </a:extLst>
           </p:cNvPr>
@@ -5224,8 +10568,8 @@
         </p:nvSpPr>
         <p:spPr>
           <a:xfrm>
-            <a:off x="9084828" y="5419725"/>
-            <a:ext cx="2135621" cy="428625"/>
+            <a:off x="7159576" y="5867138"/>
+            <a:ext cx="1144708" cy="345444"/>
           </a:xfrm>
           <a:prstGeom prst="borderCallout2">
             <a:avLst>
@@ -5233,8 +10577,8 @@
               <a:gd name="adj2" fmla="val -8333"/>
               <a:gd name="adj3" fmla="val 18750"/>
               <a:gd name="adj4" fmla="val -16667"/>
-              <a:gd name="adj5" fmla="val 267091"/>
-              <a:gd name="adj6" fmla="val -51592"/>
+              <a:gd name="adj5" fmla="val 201852"/>
+              <a:gd name="adj6" fmla="val -60387"/>
             </a:avLst>
           </a:prstGeom>
           <a:solidFill>
@@ -5286,7 +10630,7 @@
                   </a:schemeClr>
                 </a:solidFill>
               </a:rPr>
-              <a:t>“Save and Update”</a:t>
+              <a:t>(3) Next &gt;</a:t>
             </a:r>
             <a:endParaRPr lang="de-DE" dirty="0">
               <a:solidFill>
@@ -5302,7 +10646,7 @@
     </p:spTree>
     <p:extLst>
       <p:ext uri="{BB962C8B-B14F-4D97-AF65-F5344CB8AC3E}">
-        <p14:creationId xmlns:p14="http://schemas.microsoft.com/office/powerpoint/2010/main" val="1449836120"/>
+        <p14:creationId xmlns:p14="http://schemas.microsoft.com/office/powerpoint/2010/main" val="2930916760"/>
       </p:ext>
     </p:extLst>
   </p:cSld>
@@ -5334,7 +10678,7 @@
           <p:cNvPr id="3" name="Grafik 2">
             <a:extLst>
               <a:ext uri="{FF2B5EF4-FFF2-40B4-BE49-F238E27FC236}">
-                <a16:creationId xmlns:a16="http://schemas.microsoft.com/office/drawing/2014/main" id="{C8C47F0B-6074-4C10-A29E-FBD99A26EAB6}"/>
+                <a16:creationId xmlns:a16="http://schemas.microsoft.com/office/drawing/2014/main" id="{905DCB1A-1B25-41AD-A09E-2BBB6AC82ED9}"/>
               </a:ext>
             </a:extLst>
           </p:cNvPr>
@@ -5359,40 +10703,188 @@
           </a:prstGeom>
         </p:spPr>
       </p:pic>
-      <p:pic>
-        <p:nvPicPr>
-          <p:cNvPr id="4" name="Grafik 3">
-            <a:extLst>
-              <a:ext uri="{FF2B5EF4-FFF2-40B4-BE49-F238E27FC236}">
-                <a16:creationId xmlns:a16="http://schemas.microsoft.com/office/drawing/2014/main" id="{B30D7328-0542-41C4-96E4-1CCE3BD4456B}"/>
-              </a:ext>
-            </a:extLst>
-          </p:cNvPr>
-          <p:cNvPicPr>
-            <a:picLocks noChangeAspect="1"/>
-          </p:cNvPicPr>
+      <p:sp>
+        <p:nvSpPr>
+          <p:cNvPr id="5" name="Legende: mit gebogener Linie 4">
+            <a:extLst>
+              <a:ext uri="{FF2B5EF4-FFF2-40B4-BE49-F238E27FC236}">
+                <a16:creationId xmlns:a16="http://schemas.microsoft.com/office/drawing/2014/main" id="{7D891340-252A-4100-B034-7CACE8F5E795}"/>
+              </a:ext>
+            </a:extLst>
+          </p:cNvPr>
+          <p:cNvSpPr/>
           <p:nvPr/>
-        </p:nvPicPr>
-        <p:blipFill>
-          <a:blip r:embed="rId3"/>
-          <a:stretch>
-            <a:fillRect/>
-          </a:stretch>
-        </p:blipFill>
+        </p:nvSpPr>
         <p:spPr>
           <a:xfrm>
-            <a:off x="5297627" y="1462177"/>
-            <a:ext cx="5581650" cy="2867025"/>
-          </a:xfrm>
-          <a:prstGeom prst="rect">
-            <a:avLst/>
+            <a:off x="8408554" y="2762250"/>
+            <a:ext cx="2135621" cy="428625"/>
+          </a:xfrm>
+          <a:prstGeom prst="borderCallout2">
+            <a:avLst>
+              <a:gd name="adj1" fmla="val 18750"/>
+              <a:gd name="adj2" fmla="val -8333"/>
+              <a:gd name="adj3" fmla="val 18750"/>
+              <a:gd name="adj4" fmla="val -16667"/>
+              <a:gd name="adj5" fmla="val 73598"/>
+              <a:gd name="adj6" fmla="val -52873"/>
+            </a:avLst>
           </a:prstGeom>
-        </p:spPr>
-      </p:pic>
+          <a:solidFill>
+            <a:schemeClr val="bg1"/>
+          </a:solidFill>
+          <a:ln>
+            <a:solidFill>
+              <a:schemeClr val="tx1">
+                <a:lumMod val="50000"/>
+                <a:lumOff val="50000"/>
+              </a:schemeClr>
+            </a:solidFill>
+          </a:ln>
+          <a:effectLst>
+            <a:outerShdw blurRad="50800" dist="38100" dir="2700000" algn="tl" rotWithShape="0">
+              <a:prstClr val="black">
+                <a:alpha val="40000"/>
+              </a:prstClr>
+            </a:outerShdw>
+          </a:effectLst>
+        </p:spPr>
+        <p:style>
+          <a:lnRef idx="2">
+            <a:schemeClr val="accent1">
+              <a:shade val="50000"/>
+            </a:schemeClr>
+          </a:lnRef>
+          <a:fillRef idx="1">
+            <a:schemeClr val="accent1"/>
+          </a:fillRef>
+          <a:effectRef idx="0">
+            <a:schemeClr val="accent1"/>
+          </a:effectRef>
+          <a:fontRef idx="minor">
+            <a:schemeClr val="lt1"/>
+          </a:fontRef>
+        </p:style>
+        <p:txBody>
+          <a:bodyPr rtlCol="0" anchor="ctr"/>
+          <a:lstStyle/>
+          <a:p>
+            <a:pPr marL="361950" indent="-361950"/>
+            <a:r>
+              <a:rPr lang="en-US" dirty="0">
+                <a:solidFill>
+                  <a:schemeClr val="tx1">
+                    <a:lumMod val="75000"/>
+                    <a:lumOff val="25000"/>
+                  </a:schemeClr>
+                </a:solidFill>
+              </a:rPr>
+              <a:t>Nothing to do …</a:t>
+            </a:r>
+            <a:endParaRPr lang="de-DE" dirty="0">
+              <a:solidFill>
+                <a:schemeClr val="tx1">
+                  <a:lumMod val="75000"/>
+                  <a:lumOff val="25000"/>
+                </a:schemeClr>
+              </a:solidFill>
+            </a:endParaRPr>
+          </a:p>
+        </p:txBody>
+      </p:sp>
+      <p:sp>
+        <p:nvSpPr>
+          <p:cNvPr id="7" name="Legende: mit gebogener Linie 6">
+            <a:extLst>
+              <a:ext uri="{FF2B5EF4-FFF2-40B4-BE49-F238E27FC236}">
+                <a16:creationId xmlns:a16="http://schemas.microsoft.com/office/drawing/2014/main" id="{8440A918-20E8-453E-896F-A3FD149C4103}"/>
+              </a:ext>
+            </a:extLst>
+          </p:cNvPr>
+          <p:cNvSpPr/>
+          <p:nvPr/>
+        </p:nvSpPr>
+        <p:spPr>
+          <a:xfrm>
+            <a:off x="7159576" y="5867138"/>
+            <a:ext cx="1144708" cy="345444"/>
+          </a:xfrm>
+          <a:prstGeom prst="borderCallout2">
+            <a:avLst>
+              <a:gd name="adj1" fmla="val 18750"/>
+              <a:gd name="adj2" fmla="val -8333"/>
+              <a:gd name="adj3" fmla="val 18750"/>
+              <a:gd name="adj4" fmla="val -16667"/>
+              <a:gd name="adj5" fmla="val 201852"/>
+              <a:gd name="adj6" fmla="val -60387"/>
+            </a:avLst>
+          </a:prstGeom>
+          <a:solidFill>
+            <a:schemeClr val="bg1"/>
+          </a:solidFill>
+          <a:ln>
+            <a:solidFill>
+              <a:schemeClr val="tx1">
+                <a:lumMod val="50000"/>
+                <a:lumOff val="50000"/>
+              </a:schemeClr>
+            </a:solidFill>
+          </a:ln>
+          <a:effectLst>
+            <a:outerShdw blurRad="50800" dist="38100" dir="2700000" algn="tl" rotWithShape="0">
+              <a:prstClr val="black">
+                <a:alpha val="40000"/>
+              </a:prstClr>
+            </a:outerShdw>
+          </a:effectLst>
+        </p:spPr>
+        <p:style>
+          <a:lnRef idx="2">
+            <a:schemeClr val="accent1">
+              <a:shade val="50000"/>
+            </a:schemeClr>
+          </a:lnRef>
+          <a:fillRef idx="1">
+            <a:schemeClr val="accent1"/>
+          </a:fillRef>
+          <a:effectRef idx="0">
+            <a:schemeClr val="accent1"/>
+          </a:effectRef>
+          <a:fontRef idx="minor">
+            <a:schemeClr val="lt1"/>
+          </a:fontRef>
+        </p:style>
+        <p:txBody>
+          <a:bodyPr rtlCol="0" anchor="ctr"/>
+          <a:lstStyle/>
+          <a:p>
+            <a:pPr marL="361950" indent="-361950"/>
+            <a:r>
+              <a:rPr lang="en-US" dirty="0">
+                <a:solidFill>
+                  <a:schemeClr val="tx1">
+                    <a:lumMod val="75000"/>
+                    <a:lumOff val="25000"/>
+                  </a:schemeClr>
+                </a:solidFill>
+              </a:rPr>
+              <a:t>(1) Next &gt;</a:t>
+            </a:r>
+            <a:endParaRPr lang="de-DE" dirty="0">
+              <a:solidFill>
+                <a:schemeClr val="tx1">
+                  <a:lumMod val="75000"/>
+                  <a:lumOff val="25000"/>
+                </a:schemeClr>
+              </a:solidFill>
+            </a:endParaRPr>
+          </a:p>
+        </p:txBody>
+      </p:sp>
     </p:spTree>
     <p:extLst>
       <p:ext uri="{BB962C8B-B14F-4D97-AF65-F5344CB8AC3E}">
-        <p14:creationId xmlns:p14="http://schemas.microsoft.com/office/powerpoint/2010/main" val="2777036493"/>
+        <p14:creationId xmlns:p14="http://schemas.microsoft.com/office/powerpoint/2010/main" val="1449836120"/>
       </p:ext>
     </p:extLst>
   </p:cSld>
@@ -5419,88 +10911,12 @@
           <a:chExt cx="0" cy="0"/>
         </a:xfrm>
       </p:grpSpPr>
-      <p:sp>
-        <p:nvSpPr>
-          <p:cNvPr id="5" name="Rechteck 4">
-            <a:extLst>
-              <a:ext uri="{FF2B5EF4-FFF2-40B4-BE49-F238E27FC236}">
-                <a16:creationId xmlns:a16="http://schemas.microsoft.com/office/drawing/2014/main" id="{B4ACF704-C2EF-43B2-8B68-3529E747FB45}"/>
-              </a:ext>
-            </a:extLst>
-          </p:cNvPr>
-          <p:cNvSpPr/>
-          <p:nvPr/>
-        </p:nvSpPr>
-        <p:spPr>
-          <a:xfrm>
-            <a:off x="228600" y="536138"/>
-            <a:ext cx="4851400" cy="923330"/>
-          </a:xfrm>
-          <a:prstGeom prst="rect">
-            <a:avLst/>
-          </a:prstGeom>
-          <a:noFill/>
-          <a:ln>
-            <a:noFill/>
-          </a:ln>
-          <a:effectLst/>
-        </p:spPr>
-        <p:txBody>
-          <a:bodyPr wrap="square">
-            <a:spAutoFit/>
-          </a:bodyPr>
-          <a:lstStyle/>
-          <a:p>
-            <a:r>
-              <a:rPr lang="de-DE" dirty="0">
-                <a:latin typeface="Courier"/>
-              </a:rPr>
-              <a:t>C:\ProgramData\mambaforge\Scripts\activate.bat </a:t>
-            </a:r>
-            <a:r>
-              <a:rPr lang="de-DE" dirty="0" err="1">
-                <a:latin typeface="Courier"/>
-              </a:rPr>
-              <a:t>cpacsSeminar</a:t>
-            </a:r>
-            <a:endParaRPr lang="de-DE" dirty="0">
-              <a:latin typeface="Courier"/>
-            </a:endParaRPr>
-          </a:p>
-          <a:p>
-            <a:r>
-              <a:rPr lang="de-DE" dirty="0" err="1">
-                <a:latin typeface="Courier"/>
-              </a:rPr>
-              <a:t>python</a:t>
-            </a:r>
-            <a:r>
-              <a:rPr lang="de-DE" dirty="0">
-                <a:latin typeface="Courier"/>
-              </a:rPr>
-              <a:t> "${</a:t>
-            </a:r>
-            <a:r>
-              <a:rPr lang="de-DE" dirty="0" err="1">
-                <a:latin typeface="Courier"/>
-              </a:rPr>
-              <a:t>dir:tool</a:t>
-            </a:r>
-            <a:r>
-              <a:rPr lang="de-DE" dirty="0">
-                <a:latin typeface="Courier"/>
-              </a:rPr>
-              <a:t>}"\run.py</a:t>
-            </a:r>
-          </a:p>
-        </p:txBody>
-      </p:sp>
       <p:pic>
         <p:nvPicPr>
-          <p:cNvPr id="2" name="Grafik 1">
-            <a:extLst>
-              <a:ext uri="{FF2B5EF4-FFF2-40B4-BE49-F238E27FC236}">
-                <a16:creationId xmlns:a16="http://schemas.microsoft.com/office/drawing/2014/main" id="{69FA3636-9084-445F-BE0A-8DAE2E453726}"/>
+          <p:cNvPr id="3" name="Grafik 2">
+            <a:extLst>
+              <a:ext uri="{FF2B5EF4-FFF2-40B4-BE49-F238E27FC236}">
+                <a16:creationId xmlns:a16="http://schemas.microsoft.com/office/drawing/2014/main" id="{C8C47F0B-6074-4C10-A29E-FBD99A26EAB6}"/>
               </a:ext>
             </a:extLst>
           </p:cNvPr>
@@ -5517,7 +10933,7 @@
         </p:blipFill>
         <p:spPr>
           <a:xfrm>
-            <a:off x="5488419" y="0"/>
+            <a:off x="2744209" y="0"/>
             <a:ext cx="6703581" cy="6858000"/>
           </a:xfrm>
           <a:prstGeom prst="rect">
@@ -5525,10 +10941,670 @@
           </a:prstGeom>
         </p:spPr>
       </p:pic>
+      <p:pic>
+        <p:nvPicPr>
+          <p:cNvPr id="4" name="Grafik 3">
+            <a:extLst>
+              <a:ext uri="{FF2B5EF4-FFF2-40B4-BE49-F238E27FC236}">
+                <a16:creationId xmlns:a16="http://schemas.microsoft.com/office/drawing/2014/main" id="{B30D7328-0542-41C4-96E4-1CCE3BD4456B}"/>
+              </a:ext>
+            </a:extLst>
+          </p:cNvPr>
+          <p:cNvPicPr>
+            <a:picLocks noChangeAspect="1"/>
+          </p:cNvPicPr>
+          <p:nvPr/>
+        </p:nvPicPr>
+        <p:blipFill>
+          <a:blip r:embed="rId3"/>
+          <a:stretch>
+            <a:fillRect/>
+          </a:stretch>
+        </p:blipFill>
+        <p:spPr>
+          <a:xfrm>
+            <a:off x="5297627" y="1462177"/>
+            <a:ext cx="5581650" cy="2867025"/>
+          </a:xfrm>
+          <a:prstGeom prst="rect">
+            <a:avLst/>
+          </a:prstGeom>
+          <a:effectLst>
+            <a:outerShdw blurRad="63500" sx="102000" sy="102000" algn="ctr" rotWithShape="0">
+              <a:prstClr val="black">
+                <a:alpha val="40000"/>
+              </a:prstClr>
+            </a:outerShdw>
+          </a:effectLst>
+        </p:spPr>
+      </p:pic>
+      <p:sp>
+        <p:nvSpPr>
+          <p:cNvPr id="5" name="Legende: mit gebogener Linie 4">
+            <a:extLst>
+              <a:ext uri="{FF2B5EF4-FFF2-40B4-BE49-F238E27FC236}">
+                <a16:creationId xmlns:a16="http://schemas.microsoft.com/office/drawing/2014/main" id="{59CE9C22-25FE-4BBE-B8B7-8DDF0B1EE3C7}"/>
+              </a:ext>
+            </a:extLst>
+          </p:cNvPr>
+          <p:cNvSpPr/>
+          <p:nvPr/>
+        </p:nvSpPr>
+        <p:spPr>
+          <a:xfrm>
+            <a:off x="9236690" y="586595"/>
+            <a:ext cx="2687061" cy="349371"/>
+          </a:xfrm>
+          <a:prstGeom prst="borderCallout2">
+            <a:avLst>
+              <a:gd name="adj1" fmla="val 18750"/>
+              <a:gd name="adj2" fmla="val -8333"/>
+              <a:gd name="adj3" fmla="val 18750"/>
+              <a:gd name="adj4" fmla="val -16667"/>
+              <a:gd name="adj5" fmla="val 133038"/>
+              <a:gd name="adj6" fmla="val -11948"/>
+            </a:avLst>
+          </a:prstGeom>
+          <a:solidFill>
+            <a:schemeClr val="bg1"/>
+          </a:solidFill>
+          <a:ln>
+            <a:solidFill>
+              <a:schemeClr val="tx1">
+                <a:lumMod val="50000"/>
+                <a:lumOff val="50000"/>
+              </a:schemeClr>
+            </a:solidFill>
+          </a:ln>
+          <a:effectLst>
+            <a:outerShdw blurRad="50800" dist="38100" dir="2700000" algn="tl" rotWithShape="0">
+              <a:prstClr val="black">
+                <a:alpha val="40000"/>
+              </a:prstClr>
+            </a:outerShdw>
+          </a:effectLst>
+        </p:spPr>
+        <p:style>
+          <a:lnRef idx="2">
+            <a:schemeClr val="accent1">
+              <a:shade val="50000"/>
+            </a:schemeClr>
+          </a:lnRef>
+          <a:fillRef idx="1">
+            <a:schemeClr val="accent1"/>
+          </a:fillRef>
+          <a:effectRef idx="0">
+            <a:schemeClr val="accent1"/>
+          </a:effectRef>
+          <a:fontRef idx="minor">
+            <a:schemeClr val="lt1"/>
+          </a:fontRef>
+        </p:style>
+        <p:txBody>
+          <a:bodyPr rtlCol="0" anchor="ctr"/>
+          <a:lstStyle/>
+          <a:p>
+            <a:pPr marL="361950" indent="-361950"/>
+            <a:r>
+              <a:rPr lang="en-US" dirty="0">
+                <a:solidFill>
+                  <a:schemeClr val="tx1">
+                    <a:lumMod val="75000"/>
+                    <a:lumOff val="25000"/>
+                  </a:schemeClr>
+                </a:solidFill>
+              </a:rPr>
+              <a:t>(1) Add launch setting</a:t>
+            </a:r>
+            <a:endParaRPr lang="de-DE" dirty="0">
+              <a:solidFill>
+                <a:schemeClr val="tx1">
+                  <a:lumMod val="75000"/>
+                  <a:lumOff val="25000"/>
+                </a:schemeClr>
+              </a:solidFill>
+            </a:endParaRPr>
+          </a:p>
+        </p:txBody>
+      </p:sp>
+      <p:sp>
+        <p:nvSpPr>
+          <p:cNvPr id="6" name="Legende: mit gebogener Linie 5">
+            <a:extLst>
+              <a:ext uri="{FF2B5EF4-FFF2-40B4-BE49-F238E27FC236}">
+                <a16:creationId xmlns:a16="http://schemas.microsoft.com/office/drawing/2014/main" id="{A3C3954A-7B77-4FF9-9A10-13C05268B3FE}"/>
+              </a:ext>
+            </a:extLst>
+          </p:cNvPr>
+          <p:cNvSpPr/>
+          <p:nvPr/>
+        </p:nvSpPr>
+        <p:spPr>
+          <a:xfrm flipH="1">
+            <a:off x="1478135" y="2543441"/>
+            <a:ext cx="2687061" cy="349371"/>
+          </a:xfrm>
+          <a:prstGeom prst="borderCallout2">
+            <a:avLst>
+              <a:gd name="adj1" fmla="val 18750"/>
+              <a:gd name="adj2" fmla="val -8333"/>
+              <a:gd name="adj3" fmla="val 18750"/>
+              <a:gd name="adj4" fmla="val -16667"/>
+              <a:gd name="adj5" fmla="val -145973"/>
+              <a:gd name="adj6" fmla="val -45336"/>
+            </a:avLst>
+          </a:prstGeom>
+          <a:solidFill>
+            <a:schemeClr val="bg1"/>
+          </a:solidFill>
+          <a:ln>
+            <a:solidFill>
+              <a:schemeClr val="tx1">
+                <a:lumMod val="50000"/>
+                <a:lumOff val="50000"/>
+              </a:schemeClr>
+            </a:solidFill>
+          </a:ln>
+          <a:effectLst>
+            <a:outerShdw blurRad="50800" dist="38100" dir="2700000" algn="tl" rotWithShape="0">
+              <a:prstClr val="black">
+                <a:alpha val="40000"/>
+              </a:prstClr>
+            </a:outerShdw>
+          </a:effectLst>
+        </p:spPr>
+        <p:style>
+          <a:lnRef idx="2">
+            <a:schemeClr val="accent1">
+              <a:shade val="50000"/>
+            </a:schemeClr>
+          </a:lnRef>
+          <a:fillRef idx="1">
+            <a:schemeClr val="accent1"/>
+          </a:fillRef>
+          <a:effectRef idx="0">
+            <a:schemeClr val="accent1"/>
+          </a:effectRef>
+          <a:fontRef idx="minor">
+            <a:schemeClr val="lt1"/>
+          </a:fontRef>
+        </p:style>
+        <p:txBody>
+          <a:bodyPr rtlCol="0" anchor="ctr"/>
+          <a:lstStyle/>
+          <a:p>
+            <a:pPr marL="361950" indent="-361950"/>
+            <a:r>
+              <a:rPr lang="en-US" dirty="0">
+                <a:solidFill>
+                  <a:schemeClr val="tx1">
+                    <a:lumMod val="75000"/>
+                    <a:lumOff val="25000"/>
+                  </a:schemeClr>
+                </a:solidFill>
+              </a:rPr>
+              <a:t>(2) Point to tool directory</a:t>
+            </a:r>
+            <a:endParaRPr lang="de-DE" dirty="0">
+              <a:solidFill>
+                <a:schemeClr val="tx1">
+                  <a:lumMod val="75000"/>
+                  <a:lumOff val="25000"/>
+                </a:schemeClr>
+              </a:solidFill>
+            </a:endParaRPr>
+          </a:p>
+        </p:txBody>
+      </p:sp>
+      <p:sp>
+        <p:nvSpPr>
+          <p:cNvPr id="7" name="Legende: mit gebogener Linie 6">
+            <a:extLst>
+              <a:ext uri="{FF2B5EF4-FFF2-40B4-BE49-F238E27FC236}">
+                <a16:creationId xmlns:a16="http://schemas.microsoft.com/office/drawing/2014/main" id="{4440B103-8068-4882-865F-FEA75BFE056B}"/>
+              </a:ext>
+            </a:extLst>
+          </p:cNvPr>
+          <p:cNvSpPr/>
+          <p:nvPr/>
+        </p:nvSpPr>
+        <p:spPr>
+          <a:xfrm flipH="1">
+            <a:off x="1478134" y="3015018"/>
+            <a:ext cx="2687061" cy="349371"/>
+          </a:xfrm>
+          <a:prstGeom prst="borderCallout2">
+            <a:avLst>
+              <a:gd name="adj1" fmla="val 18750"/>
+              <a:gd name="adj2" fmla="val -8333"/>
+              <a:gd name="adj3" fmla="val 18750"/>
+              <a:gd name="adj4" fmla="val -16667"/>
+              <a:gd name="adj5" fmla="val -205232"/>
+              <a:gd name="adj6" fmla="val -44373"/>
+            </a:avLst>
+          </a:prstGeom>
+          <a:solidFill>
+            <a:schemeClr val="bg1"/>
+          </a:solidFill>
+          <a:ln>
+            <a:solidFill>
+              <a:schemeClr val="tx1">
+                <a:lumMod val="50000"/>
+                <a:lumOff val="50000"/>
+              </a:schemeClr>
+            </a:solidFill>
+          </a:ln>
+          <a:effectLst>
+            <a:outerShdw blurRad="50800" dist="38100" dir="2700000" algn="tl" rotWithShape="0">
+              <a:prstClr val="black">
+                <a:alpha val="40000"/>
+              </a:prstClr>
+            </a:outerShdw>
+          </a:effectLst>
+        </p:spPr>
+        <p:style>
+          <a:lnRef idx="2">
+            <a:schemeClr val="accent1">
+              <a:shade val="50000"/>
+            </a:schemeClr>
+          </a:lnRef>
+          <a:fillRef idx="1">
+            <a:schemeClr val="accent1"/>
+          </a:fillRef>
+          <a:effectRef idx="0">
+            <a:schemeClr val="accent1"/>
+          </a:effectRef>
+          <a:fontRef idx="minor">
+            <a:schemeClr val="lt1"/>
+          </a:fontRef>
+        </p:style>
+        <p:txBody>
+          <a:bodyPr rtlCol="0" anchor="ctr"/>
+          <a:lstStyle/>
+          <a:p>
+            <a:pPr marL="361950" indent="-361950"/>
+            <a:r>
+              <a:rPr lang="en-US" dirty="0">
+                <a:solidFill>
+                  <a:schemeClr val="tx1">
+                    <a:lumMod val="75000"/>
+                    <a:lumOff val="25000"/>
+                  </a:schemeClr>
+                </a:solidFill>
+              </a:rPr>
+              <a:t>(3) Select tool version</a:t>
+            </a:r>
+            <a:endParaRPr lang="de-DE" dirty="0">
+              <a:solidFill>
+                <a:schemeClr val="tx1">
+                  <a:lumMod val="75000"/>
+                  <a:lumOff val="25000"/>
+                </a:schemeClr>
+              </a:solidFill>
+            </a:endParaRPr>
+          </a:p>
+        </p:txBody>
+      </p:sp>
+      <p:sp>
+        <p:nvSpPr>
+          <p:cNvPr id="8" name="Legende: mit gebogener Linie 7">
+            <a:extLst>
+              <a:ext uri="{FF2B5EF4-FFF2-40B4-BE49-F238E27FC236}">
+                <a16:creationId xmlns:a16="http://schemas.microsoft.com/office/drawing/2014/main" id="{8E670E2A-E1C0-4F01-940A-C2A9837A75A5}"/>
+              </a:ext>
+            </a:extLst>
+          </p:cNvPr>
+          <p:cNvSpPr/>
+          <p:nvPr/>
+        </p:nvSpPr>
+        <p:spPr>
+          <a:xfrm flipH="1">
+            <a:off x="1112807" y="3508794"/>
+            <a:ext cx="3052385" cy="349371"/>
+          </a:xfrm>
+          <a:prstGeom prst="borderCallout2">
+            <a:avLst>
+              <a:gd name="adj1" fmla="val 18750"/>
+              <a:gd name="adj2" fmla="val -8333"/>
+              <a:gd name="adj3" fmla="val 18750"/>
+              <a:gd name="adj4" fmla="val -16667"/>
+              <a:gd name="adj5" fmla="val -121963"/>
+              <a:gd name="adj6" fmla="val -50422"/>
+            </a:avLst>
+          </a:prstGeom>
+          <a:solidFill>
+            <a:schemeClr val="bg1"/>
+          </a:solidFill>
+          <a:ln>
+            <a:solidFill>
+              <a:schemeClr val="tx1">
+                <a:lumMod val="50000"/>
+                <a:lumOff val="50000"/>
+              </a:schemeClr>
+            </a:solidFill>
+          </a:ln>
+          <a:effectLst>
+            <a:outerShdw blurRad="50800" dist="38100" dir="2700000" algn="tl" rotWithShape="0">
+              <a:prstClr val="black">
+                <a:alpha val="40000"/>
+              </a:prstClr>
+            </a:outerShdw>
+          </a:effectLst>
+        </p:spPr>
+        <p:style>
+          <a:lnRef idx="2">
+            <a:schemeClr val="accent1">
+              <a:shade val="50000"/>
+            </a:schemeClr>
+          </a:lnRef>
+          <a:fillRef idx="1">
+            <a:schemeClr val="accent1"/>
+          </a:fillRef>
+          <a:effectRef idx="0">
+            <a:schemeClr val="accent1"/>
+          </a:effectRef>
+          <a:fontRef idx="minor">
+            <a:schemeClr val="lt1"/>
+          </a:fontRef>
+        </p:style>
+        <p:txBody>
+          <a:bodyPr rtlCol="0" anchor="ctr"/>
+          <a:lstStyle/>
+          <a:p>
+            <a:pPr marL="361950" indent="-361950"/>
+            <a:r>
+              <a:rPr lang="en-US" dirty="0">
+                <a:solidFill>
+                  <a:schemeClr val="tx1">
+                    <a:lumMod val="75000"/>
+                    <a:lumOff val="25000"/>
+                  </a:schemeClr>
+                </a:solidFill>
+              </a:rPr>
+              <a:t>(4) Select checkboxes like this</a:t>
+            </a:r>
+            <a:endParaRPr lang="de-DE" dirty="0">
+              <a:solidFill>
+                <a:schemeClr val="tx1">
+                  <a:lumMod val="75000"/>
+                  <a:lumOff val="25000"/>
+                </a:schemeClr>
+              </a:solidFill>
+            </a:endParaRPr>
+          </a:p>
+        </p:txBody>
+      </p:sp>
+      <p:sp>
+        <p:nvSpPr>
+          <p:cNvPr id="9" name="Legende: mit gebogener Linie 8">
+            <a:extLst>
+              <a:ext uri="{FF2B5EF4-FFF2-40B4-BE49-F238E27FC236}">
+                <a16:creationId xmlns:a16="http://schemas.microsoft.com/office/drawing/2014/main" id="{6DFFFDAA-E02F-4661-BE8E-1EA1A45E93D7}"/>
+              </a:ext>
+            </a:extLst>
+          </p:cNvPr>
+          <p:cNvSpPr/>
+          <p:nvPr/>
+        </p:nvSpPr>
+        <p:spPr>
+          <a:xfrm flipH="1">
+            <a:off x="268246" y="5360597"/>
+            <a:ext cx="3052385" cy="539871"/>
+          </a:xfrm>
+          <a:prstGeom prst="borderCallout2">
+            <a:avLst>
+              <a:gd name="adj1" fmla="val 18750"/>
+              <a:gd name="adj2" fmla="val -8333"/>
+              <a:gd name="adj3" fmla="val 18750"/>
+              <a:gd name="adj4" fmla="val -16667"/>
+              <a:gd name="adj5" fmla="val -26682"/>
+              <a:gd name="adj6" fmla="val -21596"/>
+            </a:avLst>
+          </a:prstGeom>
+          <a:solidFill>
+            <a:schemeClr val="bg1"/>
+          </a:solidFill>
+          <a:ln>
+            <a:solidFill>
+              <a:schemeClr val="tx1">
+                <a:lumMod val="50000"/>
+                <a:lumOff val="50000"/>
+              </a:schemeClr>
+            </a:solidFill>
+          </a:ln>
+          <a:effectLst>
+            <a:outerShdw blurRad="50800" dist="38100" dir="2700000" algn="tl" rotWithShape="0">
+              <a:prstClr val="black">
+                <a:alpha val="40000"/>
+              </a:prstClr>
+            </a:outerShdw>
+          </a:effectLst>
+        </p:spPr>
+        <p:style>
+          <a:lnRef idx="2">
+            <a:schemeClr val="accent1">
+              <a:shade val="50000"/>
+            </a:schemeClr>
+          </a:lnRef>
+          <a:fillRef idx="1">
+            <a:schemeClr val="accent1"/>
+          </a:fillRef>
+          <a:effectRef idx="0">
+            <a:schemeClr val="accent1"/>
+          </a:effectRef>
+          <a:fontRef idx="minor">
+            <a:schemeClr val="lt1"/>
+          </a:fontRef>
+        </p:style>
+        <p:txBody>
+          <a:bodyPr rtlCol="0" anchor="ctr"/>
+          <a:lstStyle/>
+          <a:p>
+            <a:pPr marL="361950" indent="-361950"/>
+            <a:r>
+              <a:rPr lang="en-US" dirty="0">
+                <a:solidFill>
+                  <a:schemeClr val="tx1">
+                    <a:lumMod val="75000"/>
+                    <a:lumOff val="25000"/>
+                  </a:schemeClr>
+                </a:solidFill>
+              </a:rPr>
+              <a:t>(5) Select your preferred copying behavior</a:t>
+            </a:r>
+            <a:endParaRPr lang="de-DE" dirty="0">
+              <a:solidFill>
+                <a:schemeClr val="tx1">
+                  <a:lumMod val="75000"/>
+                  <a:lumOff val="25000"/>
+                </a:schemeClr>
+              </a:solidFill>
+            </a:endParaRPr>
+          </a:p>
+        </p:txBody>
+      </p:sp>
+      <p:sp>
+        <p:nvSpPr>
+          <p:cNvPr id="10" name="Legende: mit gebogener Linie 9">
+            <a:extLst>
+              <a:ext uri="{FF2B5EF4-FFF2-40B4-BE49-F238E27FC236}">
+                <a16:creationId xmlns:a16="http://schemas.microsoft.com/office/drawing/2014/main" id="{0A79809A-AB8D-401D-85F3-83B569C17323}"/>
+              </a:ext>
+            </a:extLst>
+          </p:cNvPr>
+          <p:cNvSpPr/>
+          <p:nvPr/>
+        </p:nvSpPr>
+        <p:spPr>
+          <a:xfrm>
+            <a:off x="8871366" y="5185911"/>
+            <a:ext cx="3052385" cy="349372"/>
+          </a:xfrm>
+          <a:prstGeom prst="borderCallout2">
+            <a:avLst>
+              <a:gd name="adj1" fmla="val 18750"/>
+              <a:gd name="adj2" fmla="val -8333"/>
+              <a:gd name="adj3" fmla="val 18750"/>
+              <a:gd name="adj4" fmla="val -16667"/>
+              <a:gd name="adj5" fmla="val -30470"/>
+              <a:gd name="adj6" fmla="val -44205"/>
+            </a:avLst>
+          </a:prstGeom>
+          <a:solidFill>
+            <a:schemeClr val="bg1"/>
+          </a:solidFill>
+          <a:ln>
+            <a:solidFill>
+              <a:schemeClr val="tx1">
+                <a:lumMod val="50000"/>
+                <a:lumOff val="50000"/>
+              </a:schemeClr>
+            </a:solidFill>
+          </a:ln>
+          <a:effectLst>
+            <a:outerShdw blurRad="50800" dist="38100" dir="2700000" algn="tl" rotWithShape="0">
+              <a:prstClr val="black">
+                <a:alpha val="40000"/>
+              </a:prstClr>
+            </a:outerShdw>
+          </a:effectLst>
+        </p:spPr>
+        <p:style>
+          <a:lnRef idx="2">
+            <a:schemeClr val="accent1">
+              <a:shade val="50000"/>
+            </a:schemeClr>
+          </a:lnRef>
+          <a:fillRef idx="1">
+            <a:schemeClr val="accent1"/>
+          </a:fillRef>
+          <a:effectRef idx="0">
+            <a:schemeClr val="accent1"/>
+          </a:effectRef>
+          <a:fontRef idx="minor">
+            <a:schemeClr val="lt1"/>
+          </a:fontRef>
+        </p:style>
+        <p:txBody>
+          <a:bodyPr rtlCol="0" anchor="ctr"/>
+          <a:lstStyle/>
+          <a:p>
+            <a:pPr marL="361950" indent="-361950"/>
+            <a:r>
+              <a:rPr lang="en-US" dirty="0">
+                <a:solidFill>
+                  <a:schemeClr val="tx1">
+                    <a:lumMod val="75000"/>
+                    <a:lumOff val="25000"/>
+                  </a:schemeClr>
+                </a:solidFill>
+              </a:rPr>
+              <a:t>(6) Convenient for debugging…</a:t>
+            </a:r>
+            <a:endParaRPr lang="de-DE" dirty="0">
+              <a:solidFill>
+                <a:schemeClr val="tx1">
+                  <a:lumMod val="75000"/>
+                  <a:lumOff val="25000"/>
+                </a:schemeClr>
+              </a:solidFill>
+            </a:endParaRPr>
+          </a:p>
+        </p:txBody>
+      </p:sp>
+      <p:sp>
+        <p:nvSpPr>
+          <p:cNvPr id="13" name="Legende: mit gebogener Linie 12">
+            <a:extLst>
+              <a:ext uri="{FF2B5EF4-FFF2-40B4-BE49-F238E27FC236}">
+                <a16:creationId xmlns:a16="http://schemas.microsoft.com/office/drawing/2014/main" id="{1857FAED-6FDE-49D7-8B86-AAEA71B46168}"/>
+              </a:ext>
+            </a:extLst>
+          </p:cNvPr>
+          <p:cNvSpPr/>
+          <p:nvPr/>
+        </p:nvSpPr>
+        <p:spPr>
+          <a:xfrm>
+            <a:off x="7159576" y="5867138"/>
+            <a:ext cx="1144708" cy="345444"/>
+          </a:xfrm>
+          <a:prstGeom prst="borderCallout2">
+            <a:avLst>
+              <a:gd name="adj1" fmla="val 18750"/>
+              <a:gd name="adj2" fmla="val -8333"/>
+              <a:gd name="adj3" fmla="val 18750"/>
+              <a:gd name="adj4" fmla="val -16667"/>
+              <a:gd name="adj5" fmla="val 201852"/>
+              <a:gd name="adj6" fmla="val -60387"/>
+            </a:avLst>
+          </a:prstGeom>
+          <a:solidFill>
+            <a:schemeClr val="bg1"/>
+          </a:solidFill>
+          <a:ln>
+            <a:solidFill>
+              <a:schemeClr val="tx1">
+                <a:lumMod val="50000"/>
+                <a:lumOff val="50000"/>
+              </a:schemeClr>
+            </a:solidFill>
+          </a:ln>
+          <a:effectLst>
+            <a:outerShdw blurRad="50800" dist="38100" dir="2700000" algn="tl" rotWithShape="0">
+              <a:prstClr val="black">
+                <a:alpha val="40000"/>
+              </a:prstClr>
+            </a:outerShdw>
+          </a:effectLst>
+        </p:spPr>
+        <p:style>
+          <a:lnRef idx="2">
+            <a:schemeClr val="accent1">
+              <a:shade val="50000"/>
+            </a:schemeClr>
+          </a:lnRef>
+          <a:fillRef idx="1">
+            <a:schemeClr val="accent1"/>
+          </a:fillRef>
+          <a:effectRef idx="0">
+            <a:schemeClr val="accent1"/>
+          </a:effectRef>
+          <a:fontRef idx="minor">
+            <a:schemeClr val="lt1"/>
+          </a:fontRef>
+        </p:style>
+        <p:txBody>
+          <a:bodyPr rtlCol="0" anchor="ctr"/>
+          <a:lstStyle/>
+          <a:p>
+            <a:pPr marL="361950" indent="-361950"/>
+            <a:r>
+              <a:rPr lang="en-US" dirty="0">
+                <a:solidFill>
+                  <a:schemeClr val="tx1">
+                    <a:lumMod val="75000"/>
+                    <a:lumOff val="25000"/>
+                  </a:schemeClr>
+                </a:solidFill>
+              </a:rPr>
+              <a:t>(7) Next &gt;</a:t>
+            </a:r>
+            <a:endParaRPr lang="de-DE" dirty="0">
+              <a:solidFill>
+                <a:schemeClr val="tx1">
+                  <a:lumMod val="75000"/>
+                  <a:lumOff val="25000"/>
+                </a:schemeClr>
+              </a:solidFill>
+            </a:endParaRPr>
+          </a:p>
+        </p:txBody>
+      </p:sp>
     </p:spTree>
     <p:extLst>
       <p:ext uri="{BB962C8B-B14F-4D97-AF65-F5344CB8AC3E}">
-        <p14:creationId xmlns:p14="http://schemas.microsoft.com/office/powerpoint/2010/main" val="2384244233"/>
+        <p14:creationId xmlns:p14="http://schemas.microsoft.com/office/powerpoint/2010/main" val="2777036493"/>
       </p:ext>
     </p:extLst>
   </p:cSld>
@@ -5560,7 +11636,7 @@
           <p:cNvPr id="5" name="Rechteck 4">
             <a:extLst>
               <a:ext uri="{FF2B5EF4-FFF2-40B4-BE49-F238E27FC236}">
-                <a16:creationId xmlns:a16="http://schemas.microsoft.com/office/drawing/2014/main" id="{216A6DAA-F260-403C-B677-3F0A260680B2}"/>
+                <a16:creationId xmlns:a16="http://schemas.microsoft.com/office/drawing/2014/main" id="{B4ACF704-C2EF-43B2-8B68-3529E747FB45}"/>
               </a:ext>
             </a:extLst>
           </p:cNvPr>
@@ -5569,12 +11645,30 @@
         </p:nvSpPr>
         <p:spPr>
           <a:xfrm>
-            <a:off x="152400" y="498545"/>
-            <a:ext cx="5003800" cy="3162404"/>
+            <a:off x="228600" y="536138"/>
+            <a:ext cx="4851400" cy="646331"/>
           </a:xfrm>
           <a:prstGeom prst="rect">
             <a:avLst/>
           </a:prstGeom>
+          <a:solidFill>
+            <a:schemeClr val="bg1"/>
+          </a:solidFill>
+          <a:ln>
+            <a:solidFill>
+              <a:schemeClr val="tx1">
+                <a:lumMod val="50000"/>
+                <a:lumOff val="50000"/>
+              </a:schemeClr>
+            </a:solidFill>
+          </a:ln>
+          <a:effectLst>
+            <a:outerShdw blurRad="63500" sx="102000" sy="102000" algn="ctr" rotWithShape="0">
+              <a:prstClr val="black">
+                <a:alpha val="40000"/>
+              </a:prstClr>
+            </a:outerShdw>
+          </a:effectLst>
         </p:spPr>
         <p:txBody>
           <a:bodyPr wrap="square">
@@ -5583,338 +11677,45 @@
           <a:lstStyle/>
           <a:p>
             <a:r>
-              <a:rPr lang="en-US" sz="1050" dirty="0">
+              <a:rPr lang="de-DE" sz="1200" dirty="0">
                 <a:latin typeface="Courier"/>
               </a:rPr>
-              <a:t># Create folder structure, if not already existing</a:t>
-            </a:r>
-          </a:p>
-          <a:p>
-            <a:endParaRPr lang="en-US" sz="1050" dirty="0">
+              <a:t>C:\ProgramData\mambaforge\Scripts\activate.bat </a:t>
+            </a:r>
+            <a:r>
+              <a:rPr lang="de-DE" sz="1200" dirty="0" err="1">
+                <a:latin typeface="Courier"/>
+              </a:rPr>
+              <a:t>cpacsSeminar</a:t>
+            </a:r>
+            <a:endParaRPr lang="de-DE" sz="1200" dirty="0">
               <a:latin typeface="Courier"/>
             </a:endParaRPr>
           </a:p>
           <a:p>
             <a:r>
-              <a:rPr lang="en-US" sz="1050" dirty="0" err="1">
+              <a:rPr lang="de-DE" sz="1200" dirty="0" err="1">
                 <a:latin typeface="Courier"/>
               </a:rPr>
-              <a:t>cpacsIOName</a:t>
-            </a:r>
-            <a:r>
-              <a:rPr lang="en-US" sz="1050" dirty="0">
+              <a:t>python</a:t>
+            </a:r>
+            <a:r>
+              <a:rPr lang="de-DE" sz="1200" dirty="0">
                 <a:latin typeface="Courier"/>
               </a:rPr>
-              <a:t> = "</a:t>
-            </a:r>
-            <a:r>
-              <a:rPr lang="en-US" sz="1050" dirty="0" err="1">
+              <a:t> "${</a:t>
+            </a:r>
+            <a:r>
+              <a:rPr lang="de-DE" sz="1200" dirty="0" err="1">
                 <a:latin typeface="Courier"/>
               </a:rPr>
-              <a:t>cpacsIO</a:t>
-            </a:r>
-            <a:r>
-              <a:rPr lang="en-US" sz="1050" dirty="0">
+              <a:t>dir:tool</a:t>
+            </a:r>
+            <a:r>
+              <a:rPr lang="de-DE" sz="1200" dirty="0">
                 <a:latin typeface="Courier"/>
               </a:rPr>
-              <a:t>" # CPACS input/output</a:t>
-            </a:r>
-          </a:p>
-          <a:p>
-            <a:r>
-              <a:rPr lang="en-US" sz="1050" dirty="0" err="1">
-                <a:latin typeface="Courier"/>
-              </a:rPr>
-              <a:t>toolIOName</a:t>
-            </a:r>
-            <a:r>
-              <a:rPr lang="en-US" sz="1050" dirty="0">
-                <a:latin typeface="Courier"/>
-              </a:rPr>
-              <a:t> = "</a:t>
-            </a:r>
-            <a:r>
-              <a:rPr lang="en-US" sz="1050" dirty="0" err="1">
-                <a:latin typeface="Courier"/>
-              </a:rPr>
-              <a:t>toolIO</a:t>
-            </a:r>
-            <a:r>
-              <a:rPr lang="en-US" sz="1050" dirty="0">
-                <a:latin typeface="Courier"/>
-              </a:rPr>
-              <a:t>" # Additional tool input/output</a:t>
-            </a:r>
-          </a:p>
-          <a:p>
-            <a:endParaRPr lang="en-US" sz="1050" dirty="0">
-              <a:latin typeface="Courier"/>
-            </a:endParaRPr>
-          </a:p>
-          <a:p>
-            <a:r>
-              <a:rPr lang="en-US" sz="1050" dirty="0">
-                <a:latin typeface="Courier"/>
-              </a:rPr>
-              <a:t>for </a:t>
-            </a:r>
-            <a:r>
-              <a:rPr lang="en-US" sz="1050" dirty="0" err="1">
-                <a:latin typeface="Courier"/>
-              </a:rPr>
-              <a:t>dirName</a:t>
-            </a:r>
-            <a:r>
-              <a:rPr lang="en-US" sz="1050" dirty="0">
-                <a:latin typeface="Courier"/>
-              </a:rPr>
-              <a:t> in [</a:t>
-            </a:r>
-            <a:r>
-              <a:rPr lang="en-US" sz="1050" dirty="0" err="1">
-                <a:latin typeface="Courier"/>
-              </a:rPr>
-              <a:t>cpacsIOName,toolIOName</a:t>
-            </a:r>
-            <a:r>
-              <a:rPr lang="en-US" sz="1050" dirty="0">
-                <a:latin typeface="Courier"/>
-              </a:rPr>
-              <a:t>]:</a:t>
-            </a:r>
-          </a:p>
-          <a:p>
-            <a:r>
-              <a:rPr lang="en-US" sz="1050" dirty="0">
-                <a:latin typeface="Courier"/>
-              </a:rPr>
-              <a:t>    try:</a:t>
-            </a:r>
-          </a:p>
-          <a:p>
-            <a:r>
-              <a:rPr lang="en-US" sz="1050" dirty="0">
-                <a:latin typeface="Courier"/>
-              </a:rPr>
-              <a:t>        </a:t>
-            </a:r>
-            <a:r>
-              <a:rPr lang="en-US" sz="1050" dirty="0" err="1">
-                <a:latin typeface="Courier"/>
-              </a:rPr>
-              <a:t>os.mkdir</a:t>
-            </a:r>
-            <a:r>
-              <a:rPr lang="en-US" sz="1050" dirty="0">
-                <a:latin typeface="Courier"/>
-              </a:rPr>
-              <a:t>(</a:t>
-            </a:r>
-            <a:r>
-              <a:rPr lang="en-US" sz="1050" dirty="0" err="1">
-                <a:latin typeface="Courier"/>
-              </a:rPr>
-              <a:t>os.path.join</a:t>
-            </a:r>
-            <a:r>
-              <a:rPr lang="en-US" sz="1050" dirty="0">
-                <a:latin typeface="Courier"/>
-              </a:rPr>
-              <a:t>("${</a:t>
-            </a:r>
-            <a:r>
-              <a:rPr lang="en-US" sz="1050" dirty="0" err="1">
-                <a:latin typeface="Courier"/>
-              </a:rPr>
-              <a:t>dir:working</a:t>
-            </a:r>
-            <a:r>
-              <a:rPr lang="en-US" sz="1050" dirty="0">
-                <a:latin typeface="Courier"/>
-              </a:rPr>
-              <a:t>}", </a:t>
-            </a:r>
-            <a:r>
-              <a:rPr lang="en-US" sz="1050" dirty="0" err="1">
-                <a:latin typeface="Courier"/>
-              </a:rPr>
-              <a:t>dirName</a:t>
-            </a:r>
-            <a:r>
-              <a:rPr lang="en-US" sz="1050" dirty="0">
-                <a:latin typeface="Courier"/>
-              </a:rPr>
-              <a:t>))</a:t>
-            </a:r>
-          </a:p>
-          <a:p>
-            <a:r>
-              <a:rPr lang="en-US" sz="1050" dirty="0">
-                <a:latin typeface="Courier"/>
-              </a:rPr>
-              <a:t>    except:</a:t>
-            </a:r>
-          </a:p>
-          <a:p>
-            <a:r>
-              <a:rPr lang="en-US" sz="1050" dirty="0">
-                <a:latin typeface="Courier"/>
-              </a:rPr>
-              <a:t>        print("An exception occurred")</a:t>
-            </a:r>
-          </a:p>
-          <a:p>
-            <a:endParaRPr lang="en-US" sz="1050" dirty="0">
-              <a:latin typeface="Courier"/>
-            </a:endParaRPr>
-          </a:p>
-          <a:p>
-            <a:endParaRPr lang="en-US" sz="1050" dirty="0">
-              <a:latin typeface="Courier"/>
-            </a:endParaRPr>
-          </a:p>
-          <a:p>
-            <a:r>
-              <a:rPr lang="en-US" sz="1050" dirty="0">
-                <a:latin typeface="Courier"/>
-              </a:rPr>
-              <a:t># Copy CPACS input from RCE to tool input directory:</a:t>
-            </a:r>
-          </a:p>
-          <a:p>
-            <a:endParaRPr lang="en-US" sz="1050" dirty="0">
-              <a:latin typeface="Courier"/>
-            </a:endParaRPr>
-          </a:p>
-          <a:p>
-            <a:r>
-              <a:rPr lang="en-US" sz="1050" dirty="0" err="1">
-                <a:latin typeface="Courier"/>
-              </a:rPr>
-              <a:t>fileName</a:t>
-            </a:r>
-            <a:r>
-              <a:rPr lang="en-US" sz="1050" dirty="0">
-                <a:latin typeface="Courier"/>
-              </a:rPr>
-              <a:t> = "CPACS_in.xml"</a:t>
-            </a:r>
-          </a:p>
-          <a:p>
-            <a:endParaRPr lang="en-US" sz="1050" dirty="0">
-              <a:latin typeface="Courier"/>
-            </a:endParaRPr>
-          </a:p>
-          <a:p>
-            <a:r>
-              <a:rPr lang="en-US" sz="1050" dirty="0" err="1">
-                <a:latin typeface="Courier"/>
-              </a:rPr>
-              <a:t>inputDir</a:t>
-            </a:r>
-            <a:r>
-              <a:rPr lang="en-US" sz="1050" dirty="0">
-                <a:latin typeface="Courier"/>
-              </a:rPr>
-              <a:t> = </a:t>
-            </a:r>
-            <a:r>
-              <a:rPr lang="en-US" sz="1050" dirty="0" err="1">
-                <a:latin typeface="Courier"/>
-              </a:rPr>
-              <a:t>os.path.join</a:t>
-            </a:r>
-            <a:r>
-              <a:rPr lang="en-US" sz="1050" dirty="0">
-                <a:latin typeface="Courier"/>
-              </a:rPr>
-              <a:t>("${</a:t>
-            </a:r>
-            <a:r>
-              <a:rPr lang="en-US" sz="1050" dirty="0" err="1">
-                <a:latin typeface="Courier"/>
-              </a:rPr>
-              <a:t>dir:working</a:t>
-            </a:r>
-            <a:r>
-              <a:rPr lang="en-US" sz="1050" dirty="0">
-                <a:latin typeface="Courier"/>
-              </a:rPr>
-              <a:t>}", </a:t>
-            </a:r>
-            <a:r>
-              <a:rPr lang="en-US" sz="1050" dirty="0" err="1">
-                <a:latin typeface="Courier"/>
-              </a:rPr>
-              <a:t>cpacsIOName</a:t>
-            </a:r>
-            <a:r>
-              <a:rPr lang="en-US" sz="1050" dirty="0">
-                <a:latin typeface="Courier"/>
-              </a:rPr>
-              <a:t>)</a:t>
-            </a:r>
-          </a:p>
-          <a:p>
-            <a:r>
-              <a:rPr lang="en-US" sz="1050" dirty="0" err="1">
-                <a:latin typeface="Courier"/>
-              </a:rPr>
-              <a:t>shutil.copyfile</a:t>
-            </a:r>
-            <a:r>
-              <a:rPr lang="en-US" sz="1050" dirty="0">
-                <a:latin typeface="Courier"/>
-              </a:rPr>
-              <a:t>("${</a:t>
-            </a:r>
-            <a:r>
-              <a:rPr lang="en-US" sz="1050" dirty="0" err="1">
-                <a:latin typeface="Courier"/>
-              </a:rPr>
-              <a:t>in:CPACS_in</a:t>
-            </a:r>
-            <a:r>
-              <a:rPr lang="en-US" sz="1050" dirty="0">
-                <a:latin typeface="Courier"/>
-              </a:rPr>
-              <a:t>}", </a:t>
-            </a:r>
-            <a:r>
-              <a:rPr lang="en-US" sz="1050" dirty="0" err="1">
-                <a:latin typeface="Courier"/>
-              </a:rPr>
-              <a:t>os.path.join</a:t>
-            </a:r>
-            <a:r>
-              <a:rPr lang="en-US" sz="1050" dirty="0">
-                <a:latin typeface="Courier"/>
-              </a:rPr>
-              <a:t>(</a:t>
-            </a:r>
-            <a:r>
-              <a:rPr lang="en-US" sz="1050" dirty="0" err="1">
-                <a:latin typeface="Courier"/>
-              </a:rPr>
-              <a:t>inputDir</a:t>
-            </a:r>
-            <a:r>
-              <a:rPr lang="en-US" sz="1050" dirty="0">
-                <a:latin typeface="Courier"/>
-              </a:rPr>
-              <a:t>, </a:t>
-            </a:r>
-            <a:r>
-              <a:rPr lang="en-US" sz="1050" dirty="0" err="1">
-                <a:latin typeface="Courier"/>
-              </a:rPr>
-              <a:t>fileName</a:t>
-            </a:r>
-            <a:r>
-              <a:rPr lang="en-US" sz="1050" dirty="0">
-                <a:latin typeface="Courier"/>
-              </a:rPr>
-              <a:t>))</a:t>
+              <a:t>}"\run.py</a:t>
             </a:r>
           </a:p>
         </p:txBody>
@@ -5924,7 +11725,7 @@
           <p:cNvPr id="2" name="Grafik 1">
             <a:extLst>
               <a:ext uri="{FF2B5EF4-FFF2-40B4-BE49-F238E27FC236}">
-                <a16:creationId xmlns:a16="http://schemas.microsoft.com/office/drawing/2014/main" id="{32F44614-6E4B-4FCD-B954-8E384BEF8823}"/>
+                <a16:creationId xmlns:a16="http://schemas.microsoft.com/office/drawing/2014/main" id="{69FA3636-9084-445F-BE0A-8DAE2E453726}"/>
               </a:ext>
             </a:extLst>
           </p:cNvPr>
@@ -5949,10 +11750,336 @@
           </a:prstGeom>
         </p:spPr>
       </p:pic>
+      <p:sp>
+        <p:nvSpPr>
+          <p:cNvPr id="4" name="Legende: mit gebogener Linie 3">
+            <a:extLst>
+              <a:ext uri="{FF2B5EF4-FFF2-40B4-BE49-F238E27FC236}">
+                <a16:creationId xmlns:a16="http://schemas.microsoft.com/office/drawing/2014/main" id="{2CFAB339-552F-49EE-9EA2-39E7E44C2DA0}"/>
+              </a:ext>
+            </a:extLst>
+          </p:cNvPr>
+          <p:cNvSpPr/>
+          <p:nvPr/>
+        </p:nvSpPr>
+        <p:spPr>
+          <a:xfrm flipH="1">
+            <a:off x="862642" y="1836074"/>
+            <a:ext cx="3535466" cy="587949"/>
+          </a:xfrm>
+          <a:prstGeom prst="borderCallout2">
+            <a:avLst>
+              <a:gd name="adj1" fmla="val 18750"/>
+              <a:gd name="adj2" fmla="val -8333"/>
+              <a:gd name="adj3" fmla="val 18750"/>
+              <a:gd name="adj4" fmla="val -16667"/>
+              <a:gd name="adj5" fmla="val -46597"/>
+              <a:gd name="adj6" fmla="val -34804"/>
+            </a:avLst>
+          </a:prstGeom>
+          <a:solidFill>
+            <a:schemeClr val="bg1"/>
+          </a:solidFill>
+          <a:ln>
+            <a:solidFill>
+              <a:schemeClr val="tx1">
+                <a:lumMod val="50000"/>
+                <a:lumOff val="50000"/>
+              </a:schemeClr>
+            </a:solidFill>
+          </a:ln>
+          <a:effectLst>
+            <a:outerShdw blurRad="50800" dist="38100" dir="2700000" algn="tl" rotWithShape="0">
+              <a:prstClr val="black">
+                <a:alpha val="40000"/>
+              </a:prstClr>
+            </a:outerShdw>
+          </a:effectLst>
+        </p:spPr>
+        <p:style>
+          <a:lnRef idx="2">
+            <a:schemeClr val="accent1">
+              <a:shade val="50000"/>
+            </a:schemeClr>
+          </a:lnRef>
+          <a:fillRef idx="1">
+            <a:schemeClr val="accent1"/>
+          </a:fillRef>
+          <a:effectRef idx="0">
+            <a:schemeClr val="accent1"/>
+          </a:effectRef>
+          <a:fontRef idx="minor">
+            <a:schemeClr val="lt1"/>
+          </a:fontRef>
+        </p:style>
+        <p:txBody>
+          <a:bodyPr rtlCol="0" anchor="ctr"/>
+          <a:lstStyle/>
+          <a:p>
+            <a:pPr marL="361950" indent="-361950"/>
+            <a:r>
+              <a:rPr lang="en-US" dirty="0">
+                <a:solidFill>
+                  <a:schemeClr val="tx1">
+                    <a:lumMod val="75000"/>
+                    <a:lumOff val="25000"/>
+                  </a:schemeClr>
+                </a:solidFill>
+              </a:rPr>
+              <a:t>(1) Specify execution commands for Windows and/or Linux</a:t>
+            </a:r>
+            <a:endParaRPr lang="de-DE" dirty="0">
+              <a:solidFill>
+                <a:schemeClr val="tx1">
+                  <a:lumMod val="75000"/>
+                  <a:lumOff val="25000"/>
+                </a:schemeClr>
+              </a:solidFill>
+            </a:endParaRPr>
+          </a:p>
+        </p:txBody>
+      </p:sp>
+      <p:sp>
+        <p:nvSpPr>
+          <p:cNvPr id="3" name="Textfeld 2">
+            <a:extLst>
+              <a:ext uri="{FF2B5EF4-FFF2-40B4-BE49-F238E27FC236}">
+                <a16:creationId xmlns:a16="http://schemas.microsoft.com/office/drawing/2014/main" id="{92FE064F-DD6F-4944-A19B-1E5FC7CC8B4A}"/>
+              </a:ext>
+            </a:extLst>
+          </p:cNvPr>
+          <p:cNvSpPr txBox="1"/>
+          <p:nvPr/>
+        </p:nvSpPr>
+        <p:spPr>
+          <a:xfrm>
+            <a:off x="862642" y="2720282"/>
+            <a:ext cx="3897774" cy="807922"/>
+          </a:xfrm>
+          <a:prstGeom prst="rect">
+            <a:avLst/>
+          </a:prstGeom>
+          <a:solidFill>
+            <a:schemeClr val="bg1"/>
+          </a:solidFill>
+          <a:ln>
+            <a:solidFill>
+              <a:schemeClr val="tx1">
+                <a:lumMod val="50000"/>
+                <a:lumOff val="50000"/>
+              </a:schemeClr>
+            </a:solidFill>
+          </a:ln>
+          <a:effectLst>
+            <a:outerShdw blurRad="50800" dist="38100" dir="2700000" algn="tl" rotWithShape="0">
+              <a:prstClr val="black">
+                <a:alpha val="40000"/>
+              </a:prstClr>
+            </a:outerShdw>
+          </a:effectLst>
+        </p:spPr>
+        <p:style>
+          <a:lnRef idx="2">
+            <a:schemeClr val="accent1">
+              <a:shade val="50000"/>
+            </a:schemeClr>
+          </a:lnRef>
+          <a:fillRef idx="1">
+            <a:schemeClr val="accent1"/>
+          </a:fillRef>
+          <a:effectRef idx="0">
+            <a:schemeClr val="accent1"/>
+          </a:effectRef>
+          <a:fontRef idx="minor">
+            <a:schemeClr val="lt1"/>
+          </a:fontRef>
+        </p:style>
+        <p:txBody>
+          <a:bodyPr rtlCol="0" anchor="ctr"/>
+          <a:lstStyle>
+            <a:defPPr>
+              <a:defRPr lang="de-DE"/>
+            </a:defPPr>
+            <a:lvl1pPr marL="361950" indent="-361950">
+              <a:defRPr>
+                <a:solidFill>
+                  <a:schemeClr val="tx1">
+                    <a:lumMod val="75000"/>
+                    <a:lumOff val="25000"/>
+                  </a:schemeClr>
+                </a:solidFill>
+              </a:defRPr>
+            </a:lvl1pPr>
+            <a:lvl2pPr>
+              <a:defRPr>
+                <a:solidFill>
+                  <a:schemeClr val="lt1"/>
+                </a:solidFill>
+              </a:defRPr>
+            </a:lvl2pPr>
+            <a:lvl3pPr>
+              <a:defRPr>
+                <a:solidFill>
+                  <a:schemeClr val="lt1"/>
+                </a:solidFill>
+              </a:defRPr>
+            </a:lvl3pPr>
+            <a:lvl4pPr>
+              <a:defRPr>
+                <a:solidFill>
+                  <a:schemeClr val="lt1"/>
+                </a:solidFill>
+              </a:defRPr>
+            </a:lvl4pPr>
+            <a:lvl5pPr>
+              <a:defRPr>
+                <a:solidFill>
+                  <a:schemeClr val="lt1"/>
+                </a:solidFill>
+              </a:defRPr>
+            </a:lvl5pPr>
+            <a:lvl6pPr>
+              <a:defRPr>
+                <a:solidFill>
+                  <a:schemeClr val="lt1"/>
+                </a:solidFill>
+              </a:defRPr>
+            </a:lvl6pPr>
+            <a:lvl7pPr>
+              <a:defRPr>
+                <a:solidFill>
+                  <a:schemeClr val="lt1"/>
+                </a:solidFill>
+              </a:defRPr>
+            </a:lvl7pPr>
+            <a:lvl8pPr>
+              <a:defRPr>
+                <a:solidFill>
+                  <a:schemeClr val="lt1"/>
+                </a:solidFill>
+              </a:defRPr>
+            </a:lvl8pPr>
+            <a:lvl9pPr>
+              <a:defRPr>
+                <a:solidFill>
+                  <a:schemeClr val="lt1"/>
+                </a:solidFill>
+              </a:defRPr>
+            </a:lvl9pPr>
+          </a:lstStyle>
+          <a:p>
+            <a:pPr marL="266700" indent="-266700"/>
+            <a:r>
+              <a:rPr lang="de-DE" dirty="0">
+                <a:solidFill>
+                  <a:schemeClr val="accent4">
+                    <a:lumMod val="75000"/>
+                  </a:schemeClr>
+                </a:solidFill>
+              </a:rPr>
+              <a:t>🛈 </a:t>
+            </a:r>
+            <a:r>
+              <a:rPr lang="en-US" sz="1600" dirty="0"/>
+              <a:t>This example is written in Python, so we need to activate the correct interpreter first.</a:t>
+            </a:r>
+            <a:endParaRPr lang="de-DE" dirty="0"/>
+          </a:p>
+        </p:txBody>
+      </p:sp>
+      <p:sp>
+        <p:nvSpPr>
+          <p:cNvPr id="7" name="Legende: mit gebogener Linie 6">
+            <a:extLst>
+              <a:ext uri="{FF2B5EF4-FFF2-40B4-BE49-F238E27FC236}">
+                <a16:creationId xmlns:a16="http://schemas.microsoft.com/office/drawing/2014/main" id="{E46D3D0A-F431-4119-A4FD-FEB511E0EB73}"/>
+              </a:ext>
+            </a:extLst>
+          </p:cNvPr>
+          <p:cNvSpPr/>
+          <p:nvPr/>
+        </p:nvSpPr>
+        <p:spPr>
+          <a:xfrm flipH="1">
+            <a:off x="886567" y="5033599"/>
+            <a:ext cx="3535466" cy="375163"/>
+          </a:xfrm>
+          <a:prstGeom prst="borderCallout2">
+            <a:avLst>
+              <a:gd name="adj1" fmla="val 18750"/>
+              <a:gd name="adj2" fmla="val -8333"/>
+              <a:gd name="adj3" fmla="val 18750"/>
+              <a:gd name="adj4" fmla="val -16667"/>
+              <a:gd name="adj5" fmla="val -69591"/>
+              <a:gd name="adj6" fmla="val -35292"/>
+            </a:avLst>
+          </a:prstGeom>
+          <a:solidFill>
+            <a:schemeClr val="bg1"/>
+          </a:solidFill>
+          <a:ln>
+            <a:solidFill>
+              <a:schemeClr val="tx1">
+                <a:lumMod val="50000"/>
+                <a:lumOff val="50000"/>
+              </a:schemeClr>
+            </a:solidFill>
+          </a:ln>
+          <a:effectLst>
+            <a:outerShdw blurRad="50800" dist="38100" dir="2700000" algn="tl" rotWithShape="0">
+              <a:prstClr val="black">
+                <a:alpha val="40000"/>
+              </a:prstClr>
+            </a:outerShdw>
+          </a:effectLst>
+        </p:spPr>
+        <p:style>
+          <a:lnRef idx="2">
+            <a:schemeClr val="accent1">
+              <a:shade val="50000"/>
+            </a:schemeClr>
+          </a:lnRef>
+          <a:fillRef idx="1">
+            <a:schemeClr val="accent1"/>
+          </a:fillRef>
+          <a:effectRef idx="0">
+            <a:schemeClr val="accent1"/>
+          </a:effectRef>
+          <a:fontRef idx="minor">
+            <a:schemeClr val="lt1"/>
+          </a:fontRef>
+        </p:style>
+        <p:txBody>
+          <a:bodyPr rtlCol="0" anchor="ctr"/>
+          <a:lstStyle/>
+          <a:p>
+            <a:pPr marL="361950" indent="-361950"/>
+            <a:r>
+              <a:rPr lang="en-US" dirty="0">
+                <a:solidFill>
+                  <a:schemeClr val="tx1">
+                    <a:lumMod val="75000"/>
+                    <a:lumOff val="25000"/>
+                  </a:schemeClr>
+                </a:solidFill>
+              </a:rPr>
+              <a:t>(2) Select “Working directory”</a:t>
+            </a:r>
+            <a:endParaRPr lang="de-DE" dirty="0">
+              <a:solidFill>
+                <a:schemeClr val="tx1">
+                  <a:lumMod val="75000"/>
+                  <a:lumOff val="25000"/>
+                </a:schemeClr>
+              </a:solidFill>
+            </a:endParaRPr>
+          </a:p>
+        </p:txBody>
+      </p:sp>
     </p:spTree>
     <p:extLst>
       <p:ext uri="{BB962C8B-B14F-4D97-AF65-F5344CB8AC3E}">
-        <p14:creationId xmlns:p14="http://schemas.microsoft.com/office/powerpoint/2010/main" val="2169688895"/>
+        <p14:creationId xmlns:p14="http://schemas.microsoft.com/office/powerpoint/2010/main" val="2384244233"/>
       </p:ext>
     </p:extLst>
   </p:cSld>
@@ -5984,7 +12111,7 @@
           <p:cNvPr id="5" name="Rechteck 4">
             <a:extLst>
               <a:ext uri="{FF2B5EF4-FFF2-40B4-BE49-F238E27FC236}">
-                <a16:creationId xmlns:a16="http://schemas.microsoft.com/office/drawing/2014/main" id="{2788D9EA-0446-4DD9-874F-043C100A8DD4}"/>
+                <a16:creationId xmlns:a16="http://schemas.microsoft.com/office/drawing/2014/main" id="{216A6DAA-F260-403C-B677-3F0A260680B2}"/>
               </a:ext>
             </a:extLst>
           </p:cNvPr>
@@ -5993,12 +12120,30 @@
         </p:nvSpPr>
         <p:spPr>
           <a:xfrm>
-            <a:off x="215900" y="897235"/>
-            <a:ext cx="4761542" cy="1061829"/>
+            <a:off x="152400" y="498545"/>
+            <a:ext cx="5003800" cy="3162404"/>
           </a:xfrm>
           <a:prstGeom prst="rect">
             <a:avLst/>
           </a:prstGeom>
+          <a:solidFill>
+            <a:schemeClr val="bg1"/>
+          </a:solidFill>
+          <a:ln>
+            <a:solidFill>
+              <a:schemeClr val="tx1">
+                <a:lumMod val="50000"/>
+                <a:lumOff val="50000"/>
+              </a:schemeClr>
+            </a:solidFill>
+          </a:ln>
+          <a:effectLst>
+            <a:outerShdw blurRad="63500" sx="102000" sy="102000" algn="ctr" rotWithShape="0">
+              <a:prstClr val="black">
+                <a:alpha val="40000"/>
+              </a:prstClr>
+            </a:outerShdw>
+          </a:effectLst>
         </p:spPr>
         <p:txBody>
           <a:bodyPr wrap="square">
@@ -6007,121 +12152,339 @@
           <a:lstStyle/>
           <a:p>
             <a:r>
-              <a:rPr lang="de-DE" sz="1050" dirty="0" err="1">
+              <a:rPr lang="en-US" sz="1050" dirty="0">
                 <a:latin typeface="Courier"/>
               </a:rPr>
-              <a:t>dirName</a:t>
-            </a:r>
-            <a:r>
-              <a:rPr lang="de-DE" sz="1050" dirty="0">
-                <a:latin typeface="Courier"/>
-              </a:rPr>
-              <a:t> = "</a:t>
-            </a:r>
-            <a:r>
-              <a:rPr lang="de-DE" sz="1050" dirty="0" err="1">
-                <a:latin typeface="Courier"/>
-              </a:rPr>
-              <a:t>cpacsIO</a:t>
-            </a:r>
-            <a:r>
-              <a:rPr lang="de-DE" sz="1050" dirty="0">
-                <a:latin typeface="Courier"/>
-              </a:rPr>
-              <a:t>"</a:t>
-            </a:r>
-          </a:p>
-          <a:p>
-            <a:r>
-              <a:rPr lang="de-DE" sz="1050" dirty="0" err="1">
-                <a:latin typeface="Courier"/>
-              </a:rPr>
-              <a:t>fileName</a:t>
-            </a:r>
-            <a:r>
-              <a:rPr lang="de-DE" sz="1050" dirty="0">
-                <a:latin typeface="Courier"/>
-              </a:rPr>
-              <a:t> = "CPACS_out.xml"</a:t>
-            </a:r>
-          </a:p>
-          <a:p>
-            <a:endParaRPr lang="de-DE" sz="1050" dirty="0">
+              <a:t># Create folder structure, if not already existing</a:t>
+            </a:r>
+          </a:p>
+          <a:p>
+            <a:endParaRPr lang="en-US" sz="1050" dirty="0">
               <a:latin typeface="Courier"/>
             </a:endParaRPr>
           </a:p>
           <a:p>
             <a:r>
-              <a:rPr lang="de-DE" sz="1050" dirty="0">
+              <a:rPr lang="en-US" sz="1050" dirty="0" err="1">
                 <a:latin typeface="Courier"/>
               </a:rPr>
-              <a:t>${</a:t>
-            </a:r>
-            <a:r>
-              <a:rPr lang="de-DE" sz="1050" dirty="0" err="1">
+              <a:t>cpacsIOName</a:t>
+            </a:r>
+            <a:r>
+              <a:rPr lang="en-US" sz="1050" dirty="0">
                 <a:latin typeface="Courier"/>
               </a:rPr>
-              <a:t>out:CPACS_out</a:t>
-            </a:r>
-            <a:r>
-              <a:rPr lang="de-DE" sz="1050" dirty="0">
+              <a:t> = "</a:t>
+            </a:r>
+            <a:r>
+              <a:rPr lang="en-US" sz="1050" dirty="0" err="1">
                 <a:latin typeface="Courier"/>
               </a:rPr>
-              <a:t>} = </a:t>
-            </a:r>
-            <a:r>
-              <a:rPr lang="de-DE" sz="1050" dirty="0" err="1">
+              <a:t>cpacsIO</a:t>
+            </a:r>
+            <a:r>
+              <a:rPr lang="en-US" sz="1050" dirty="0">
                 <a:latin typeface="Courier"/>
               </a:rPr>
-              <a:t>os.path.join</a:t>
-            </a:r>
-            <a:r>
-              <a:rPr lang="de-DE" sz="1050" dirty="0">
+              <a:t>" # CPACS input/output</a:t>
+            </a:r>
+          </a:p>
+          <a:p>
+            <a:r>
+              <a:rPr lang="en-US" sz="1050" dirty="0" err="1">
                 <a:latin typeface="Courier"/>
               </a:rPr>
-              <a:t>("${</a:t>
-            </a:r>
-            <a:r>
-              <a:rPr lang="de-DE" sz="1050" dirty="0" err="1">
+              <a:t>toolIOName</a:t>
+            </a:r>
+            <a:r>
+              <a:rPr lang="en-US" sz="1050" dirty="0">
                 <a:latin typeface="Courier"/>
               </a:rPr>
-              <a:t>dir:working</a:t>
-            </a:r>
-            <a:r>
-              <a:rPr lang="de-DE" sz="1050" dirty="0">
+              <a:t> = "</a:t>
+            </a:r>
+            <a:r>
+              <a:rPr lang="en-US" sz="1050" dirty="0" err="1">
                 <a:latin typeface="Courier"/>
               </a:rPr>
-              <a:t>}", </a:t>
-            </a:r>
-            <a:r>
-              <a:rPr lang="de-DE" sz="1050" dirty="0" err="1">
+              <a:t>toolIO</a:t>
+            </a:r>
+            <a:r>
+              <a:rPr lang="en-US" sz="1050" dirty="0">
                 <a:latin typeface="Courier"/>
               </a:rPr>
-              <a:t>dirName</a:t>
-            </a:r>
-            <a:r>
-              <a:rPr lang="de-DE" sz="1050" dirty="0">
-                <a:latin typeface="Courier"/>
-              </a:rPr>
-              <a:t>, </a:t>
-            </a:r>
-            <a:r>
-              <a:rPr lang="de-DE" sz="1050" dirty="0" err="1">
-                <a:latin typeface="Courier"/>
-              </a:rPr>
-              <a:t>fileName</a:t>
-            </a:r>
-            <a:r>
-              <a:rPr lang="de-DE" sz="1050" dirty="0">
-                <a:latin typeface="Courier"/>
-              </a:rPr>
-              <a:t>)</a:t>
-            </a:r>
-          </a:p>
-          <a:p>
-            <a:endParaRPr lang="de-DE" sz="1050" dirty="0">
+              <a:t>" # Additional tool input/output</a:t>
+            </a:r>
+          </a:p>
+          <a:p>
+            <a:endParaRPr lang="en-US" sz="1050" dirty="0">
               <a:latin typeface="Courier"/>
             </a:endParaRPr>
+          </a:p>
+          <a:p>
+            <a:r>
+              <a:rPr lang="en-US" sz="1050" dirty="0">
+                <a:latin typeface="Courier"/>
+              </a:rPr>
+              <a:t>for </a:t>
+            </a:r>
+            <a:r>
+              <a:rPr lang="en-US" sz="1050" dirty="0" err="1">
+                <a:latin typeface="Courier"/>
+              </a:rPr>
+              <a:t>dirName</a:t>
+            </a:r>
+            <a:r>
+              <a:rPr lang="en-US" sz="1050" dirty="0">
+                <a:latin typeface="Courier"/>
+              </a:rPr>
+              <a:t> in [</a:t>
+            </a:r>
+            <a:r>
+              <a:rPr lang="en-US" sz="1050" dirty="0" err="1">
+                <a:latin typeface="Courier"/>
+              </a:rPr>
+              <a:t>cpacsIOName,toolIOName</a:t>
+            </a:r>
+            <a:r>
+              <a:rPr lang="en-US" sz="1050" dirty="0">
+                <a:latin typeface="Courier"/>
+              </a:rPr>
+              <a:t>]:</a:t>
+            </a:r>
+          </a:p>
+          <a:p>
+            <a:r>
+              <a:rPr lang="en-US" sz="1050" dirty="0">
+                <a:latin typeface="Courier"/>
+              </a:rPr>
+              <a:t>    try:</a:t>
+            </a:r>
+          </a:p>
+          <a:p>
+            <a:r>
+              <a:rPr lang="en-US" sz="1050" dirty="0">
+                <a:latin typeface="Courier"/>
+              </a:rPr>
+              <a:t>        </a:t>
+            </a:r>
+            <a:r>
+              <a:rPr lang="en-US" sz="1050" dirty="0" err="1">
+                <a:latin typeface="Courier"/>
+              </a:rPr>
+              <a:t>os.mkdir</a:t>
+            </a:r>
+            <a:r>
+              <a:rPr lang="en-US" sz="1050" dirty="0">
+                <a:latin typeface="Courier"/>
+              </a:rPr>
+              <a:t>(</a:t>
+            </a:r>
+            <a:r>
+              <a:rPr lang="en-US" sz="1050" dirty="0" err="1">
+                <a:latin typeface="Courier"/>
+              </a:rPr>
+              <a:t>os.path.join</a:t>
+            </a:r>
+            <a:r>
+              <a:rPr lang="en-US" sz="1050" dirty="0">
+                <a:latin typeface="Courier"/>
+              </a:rPr>
+              <a:t>("${</a:t>
+            </a:r>
+            <a:r>
+              <a:rPr lang="en-US" sz="1050" dirty="0" err="1">
+                <a:latin typeface="Courier"/>
+              </a:rPr>
+              <a:t>dir:working</a:t>
+            </a:r>
+            <a:r>
+              <a:rPr lang="en-US" sz="1050" dirty="0">
+                <a:latin typeface="Courier"/>
+              </a:rPr>
+              <a:t>}", </a:t>
+            </a:r>
+            <a:r>
+              <a:rPr lang="en-US" sz="1050" dirty="0" err="1">
+                <a:latin typeface="Courier"/>
+              </a:rPr>
+              <a:t>dirName</a:t>
+            </a:r>
+            <a:r>
+              <a:rPr lang="en-US" sz="1050" dirty="0">
+                <a:latin typeface="Courier"/>
+              </a:rPr>
+              <a:t>))</a:t>
+            </a:r>
+          </a:p>
+          <a:p>
+            <a:r>
+              <a:rPr lang="en-US" sz="1050" dirty="0">
+                <a:latin typeface="Courier"/>
+              </a:rPr>
+              <a:t>    except:</a:t>
+            </a:r>
+          </a:p>
+          <a:p>
+            <a:r>
+              <a:rPr lang="en-US" sz="1050" dirty="0">
+                <a:latin typeface="Courier"/>
+              </a:rPr>
+              <a:t>        print("An exception occurred")</a:t>
+            </a:r>
+          </a:p>
+          <a:p>
+            <a:endParaRPr lang="en-US" sz="1050" dirty="0">
+              <a:latin typeface="Courier"/>
+            </a:endParaRPr>
+          </a:p>
+          <a:p>
+            <a:endParaRPr lang="en-US" sz="1050" dirty="0">
+              <a:latin typeface="Courier"/>
+            </a:endParaRPr>
+          </a:p>
+          <a:p>
+            <a:r>
+              <a:rPr lang="en-US" sz="1050" dirty="0">
+                <a:latin typeface="Courier"/>
+              </a:rPr>
+              <a:t># Copy CPACS input from RCE to tool input directory:</a:t>
+            </a:r>
+          </a:p>
+          <a:p>
+            <a:endParaRPr lang="en-US" sz="1050" dirty="0">
+              <a:latin typeface="Courier"/>
+            </a:endParaRPr>
+          </a:p>
+          <a:p>
+            <a:r>
+              <a:rPr lang="en-US" sz="1050" dirty="0" err="1">
+                <a:latin typeface="Courier"/>
+              </a:rPr>
+              <a:t>fileName</a:t>
+            </a:r>
+            <a:r>
+              <a:rPr lang="en-US" sz="1050" dirty="0">
+                <a:latin typeface="Courier"/>
+              </a:rPr>
+              <a:t> = "CPACS_in.xml"</a:t>
+            </a:r>
+          </a:p>
+          <a:p>
+            <a:endParaRPr lang="en-US" sz="1050" dirty="0">
+              <a:latin typeface="Courier"/>
+            </a:endParaRPr>
+          </a:p>
+          <a:p>
+            <a:r>
+              <a:rPr lang="en-US" sz="1050" dirty="0" err="1">
+                <a:latin typeface="Courier"/>
+              </a:rPr>
+              <a:t>inputDir</a:t>
+            </a:r>
+            <a:r>
+              <a:rPr lang="en-US" sz="1050" dirty="0">
+                <a:latin typeface="Courier"/>
+              </a:rPr>
+              <a:t> = </a:t>
+            </a:r>
+            <a:r>
+              <a:rPr lang="en-US" sz="1050" dirty="0" err="1">
+                <a:latin typeface="Courier"/>
+              </a:rPr>
+              <a:t>os.path.join</a:t>
+            </a:r>
+            <a:r>
+              <a:rPr lang="en-US" sz="1050" dirty="0">
+                <a:latin typeface="Courier"/>
+              </a:rPr>
+              <a:t>("${</a:t>
+            </a:r>
+            <a:r>
+              <a:rPr lang="en-US" sz="1050" dirty="0" err="1">
+                <a:latin typeface="Courier"/>
+              </a:rPr>
+              <a:t>dir:working</a:t>
+            </a:r>
+            <a:r>
+              <a:rPr lang="en-US" sz="1050" dirty="0">
+                <a:latin typeface="Courier"/>
+              </a:rPr>
+              <a:t>}", </a:t>
+            </a:r>
+            <a:r>
+              <a:rPr lang="en-US" sz="1050" dirty="0" err="1">
+                <a:latin typeface="Courier"/>
+              </a:rPr>
+              <a:t>cpacsIOName</a:t>
+            </a:r>
+            <a:r>
+              <a:rPr lang="en-US" sz="1050" dirty="0">
+                <a:latin typeface="Courier"/>
+              </a:rPr>
+              <a:t>)</a:t>
+            </a:r>
+          </a:p>
+          <a:p>
+            <a:r>
+              <a:rPr lang="en-US" sz="1050" dirty="0" err="1">
+                <a:latin typeface="Courier"/>
+              </a:rPr>
+              <a:t>shutil.copyfile</a:t>
+            </a:r>
+            <a:r>
+              <a:rPr lang="en-US" sz="1050" dirty="0">
+                <a:latin typeface="Courier"/>
+              </a:rPr>
+              <a:t>("${</a:t>
+            </a:r>
+            <a:r>
+              <a:rPr lang="en-US" sz="1050" dirty="0" err="1">
+                <a:latin typeface="Courier"/>
+              </a:rPr>
+              <a:t>in:CPACS_in</a:t>
+            </a:r>
+            <a:r>
+              <a:rPr lang="en-US" sz="1050" dirty="0">
+                <a:latin typeface="Courier"/>
+              </a:rPr>
+              <a:t>}", </a:t>
+            </a:r>
+            <a:r>
+              <a:rPr lang="en-US" sz="1050" dirty="0" err="1">
+                <a:latin typeface="Courier"/>
+              </a:rPr>
+              <a:t>os.path.join</a:t>
+            </a:r>
+            <a:r>
+              <a:rPr lang="en-US" sz="1050" dirty="0">
+                <a:latin typeface="Courier"/>
+              </a:rPr>
+              <a:t>(</a:t>
+            </a:r>
+            <a:r>
+              <a:rPr lang="en-US" sz="1050" dirty="0" err="1">
+                <a:latin typeface="Courier"/>
+              </a:rPr>
+              <a:t>inputDir</a:t>
+            </a:r>
+            <a:r>
+              <a:rPr lang="en-US" sz="1050" dirty="0">
+                <a:latin typeface="Courier"/>
+              </a:rPr>
+              <a:t>, </a:t>
+            </a:r>
+            <a:r>
+              <a:rPr lang="en-US" sz="1050" dirty="0" err="1">
+                <a:latin typeface="Courier"/>
+              </a:rPr>
+              <a:t>fileName</a:t>
+            </a:r>
+            <a:r>
+              <a:rPr lang="en-US" sz="1050" dirty="0">
+                <a:latin typeface="Courier"/>
+              </a:rPr>
+              <a:t>))</a:t>
+            </a:r>
           </a:p>
         </p:txBody>
       </p:sp>
@@ -6130,7 +12493,7 @@
           <p:cNvPr id="2" name="Grafik 1">
             <a:extLst>
               <a:ext uri="{FF2B5EF4-FFF2-40B4-BE49-F238E27FC236}">
-                <a16:creationId xmlns:a16="http://schemas.microsoft.com/office/drawing/2014/main" id="{DC1BB6C3-10EE-4B98-A634-E4B9D3A08A55}"/>
+                <a16:creationId xmlns:a16="http://schemas.microsoft.com/office/drawing/2014/main" id="{32F44614-6E4B-4FCD-B954-8E384BEF8823}"/>
               </a:ext>
             </a:extLst>
           </p:cNvPr>
@@ -6155,10 +12518,247 @@
           </a:prstGeom>
         </p:spPr>
       </p:pic>
+      <p:sp>
+        <p:nvSpPr>
+          <p:cNvPr id="6" name="Textfeld 5">
+            <a:extLst>
+              <a:ext uri="{FF2B5EF4-FFF2-40B4-BE49-F238E27FC236}">
+                <a16:creationId xmlns:a16="http://schemas.microsoft.com/office/drawing/2014/main" id="{CD5E1710-9028-4774-8A1D-36853B3BF68C}"/>
+              </a:ext>
+            </a:extLst>
+          </p:cNvPr>
+          <p:cNvSpPr txBox="1"/>
+          <p:nvPr/>
+        </p:nvSpPr>
+        <p:spPr>
+          <a:xfrm>
+            <a:off x="152400" y="4896352"/>
+            <a:ext cx="3897774" cy="1032208"/>
+          </a:xfrm>
+          <a:prstGeom prst="rect">
+            <a:avLst/>
+          </a:prstGeom>
+          <a:solidFill>
+            <a:schemeClr val="bg1"/>
+          </a:solidFill>
+          <a:ln>
+            <a:solidFill>
+              <a:schemeClr val="tx1">
+                <a:lumMod val="50000"/>
+                <a:lumOff val="50000"/>
+              </a:schemeClr>
+            </a:solidFill>
+          </a:ln>
+          <a:effectLst>
+            <a:outerShdw blurRad="50800" dist="38100" dir="2700000" algn="tl" rotWithShape="0">
+              <a:prstClr val="black">
+                <a:alpha val="40000"/>
+              </a:prstClr>
+            </a:outerShdw>
+          </a:effectLst>
+        </p:spPr>
+        <p:style>
+          <a:lnRef idx="2">
+            <a:schemeClr val="accent1">
+              <a:shade val="50000"/>
+            </a:schemeClr>
+          </a:lnRef>
+          <a:fillRef idx="1">
+            <a:schemeClr val="accent1"/>
+          </a:fillRef>
+          <a:effectRef idx="0">
+            <a:schemeClr val="accent1"/>
+          </a:effectRef>
+          <a:fontRef idx="minor">
+            <a:schemeClr val="lt1"/>
+          </a:fontRef>
+        </p:style>
+        <p:txBody>
+          <a:bodyPr rtlCol="0" anchor="ctr"/>
+          <a:lstStyle>
+            <a:defPPr>
+              <a:defRPr lang="de-DE"/>
+            </a:defPPr>
+            <a:lvl1pPr marL="361950" indent="-361950">
+              <a:defRPr>
+                <a:solidFill>
+                  <a:schemeClr val="tx1">
+                    <a:lumMod val="75000"/>
+                    <a:lumOff val="25000"/>
+                  </a:schemeClr>
+                </a:solidFill>
+              </a:defRPr>
+            </a:lvl1pPr>
+            <a:lvl2pPr>
+              <a:defRPr>
+                <a:solidFill>
+                  <a:schemeClr val="lt1"/>
+                </a:solidFill>
+              </a:defRPr>
+            </a:lvl2pPr>
+            <a:lvl3pPr>
+              <a:defRPr>
+                <a:solidFill>
+                  <a:schemeClr val="lt1"/>
+                </a:solidFill>
+              </a:defRPr>
+            </a:lvl3pPr>
+            <a:lvl4pPr>
+              <a:defRPr>
+                <a:solidFill>
+                  <a:schemeClr val="lt1"/>
+                </a:solidFill>
+              </a:defRPr>
+            </a:lvl4pPr>
+            <a:lvl5pPr>
+              <a:defRPr>
+                <a:solidFill>
+                  <a:schemeClr val="lt1"/>
+                </a:solidFill>
+              </a:defRPr>
+            </a:lvl5pPr>
+            <a:lvl6pPr>
+              <a:defRPr>
+                <a:solidFill>
+                  <a:schemeClr val="lt1"/>
+                </a:solidFill>
+              </a:defRPr>
+            </a:lvl6pPr>
+            <a:lvl7pPr>
+              <a:defRPr>
+                <a:solidFill>
+                  <a:schemeClr val="lt1"/>
+                </a:solidFill>
+              </a:defRPr>
+            </a:lvl7pPr>
+            <a:lvl8pPr>
+              <a:defRPr>
+                <a:solidFill>
+                  <a:schemeClr val="lt1"/>
+                </a:solidFill>
+              </a:defRPr>
+            </a:lvl8pPr>
+            <a:lvl9pPr>
+              <a:defRPr>
+                <a:solidFill>
+                  <a:schemeClr val="lt1"/>
+                </a:solidFill>
+              </a:defRPr>
+            </a:lvl9pPr>
+          </a:lstStyle>
+          <a:p>
+            <a:pPr marL="266700" indent="-266700"/>
+            <a:r>
+              <a:rPr lang="de-DE" dirty="0">
+                <a:solidFill>
+                  <a:schemeClr val="accent4">
+                    <a:lumMod val="75000"/>
+                  </a:schemeClr>
+                </a:solidFill>
+              </a:rPr>
+              <a:t>🛈 </a:t>
+            </a:r>
+            <a:r>
+              <a:rPr lang="en-US" sz="1600" dirty="0"/>
+              <a:t>Pre-execution: What happens before the actual tool is activated. Use this to create the required folder structure, if necessary, and copy the input file into it.</a:t>
+            </a:r>
+            <a:endParaRPr lang="de-DE" dirty="0"/>
+          </a:p>
+        </p:txBody>
+      </p:sp>
+      <p:sp>
+        <p:nvSpPr>
+          <p:cNvPr id="7" name="Legende: mit gebogener Linie 6">
+            <a:extLst>
+              <a:ext uri="{FF2B5EF4-FFF2-40B4-BE49-F238E27FC236}">
+                <a16:creationId xmlns:a16="http://schemas.microsoft.com/office/drawing/2014/main" id="{92210DEA-AC9F-410C-9A4A-8DCEA0E30FB4}"/>
+              </a:ext>
+            </a:extLst>
+          </p:cNvPr>
+          <p:cNvSpPr/>
+          <p:nvPr/>
+        </p:nvSpPr>
+        <p:spPr>
+          <a:xfrm flipH="1">
+            <a:off x="2724763" y="3986833"/>
+            <a:ext cx="2431437" cy="583635"/>
+          </a:xfrm>
+          <a:prstGeom prst="borderCallout2">
+            <a:avLst>
+              <a:gd name="adj1" fmla="val 18750"/>
+              <a:gd name="adj2" fmla="val -8333"/>
+              <a:gd name="adj3" fmla="val 18750"/>
+              <a:gd name="adj4" fmla="val -16667"/>
+              <a:gd name="adj5" fmla="val -89505"/>
+              <a:gd name="adj6" fmla="val -71297"/>
+            </a:avLst>
+          </a:prstGeom>
+          <a:solidFill>
+            <a:schemeClr val="bg1"/>
+          </a:solidFill>
+          <a:ln>
+            <a:solidFill>
+              <a:schemeClr val="tx1">
+                <a:lumMod val="50000"/>
+                <a:lumOff val="50000"/>
+              </a:schemeClr>
+            </a:solidFill>
+          </a:ln>
+          <a:effectLst>
+            <a:outerShdw blurRad="50800" dist="38100" dir="2700000" algn="tl" rotWithShape="0">
+              <a:prstClr val="black">
+                <a:alpha val="40000"/>
+              </a:prstClr>
+            </a:outerShdw>
+          </a:effectLst>
+        </p:spPr>
+        <p:style>
+          <a:lnRef idx="2">
+            <a:schemeClr val="accent1">
+              <a:shade val="50000"/>
+            </a:schemeClr>
+          </a:lnRef>
+          <a:fillRef idx="1">
+            <a:schemeClr val="accent1"/>
+          </a:fillRef>
+          <a:effectRef idx="0">
+            <a:schemeClr val="accent1"/>
+          </a:effectRef>
+          <a:fontRef idx="minor">
+            <a:schemeClr val="lt1"/>
+          </a:fontRef>
+        </p:style>
+        <p:txBody>
+          <a:bodyPr rtlCol="0" anchor="ctr"/>
+          <a:lstStyle/>
+          <a:p>
+            <a:pPr marL="361950" indent="-361950"/>
+            <a:r>
+              <a:rPr lang="en-US" dirty="0">
+                <a:solidFill>
+                  <a:schemeClr val="tx1">
+                    <a:lumMod val="75000"/>
+                    <a:lumOff val="25000"/>
+                  </a:schemeClr>
+                </a:solidFill>
+              </a:rPr>
+              <a:t>(1) Insert pre-execution script in Python</a:t>
+            </a:r>
+            <a:endParaRPr lang="de-DE" dirty="0">
+              <a:solidFill>
+                <a:schemeClr val="tx1">
+                  <a:lumMod val="75000"/>
+                  <a:lumOff val="25000"/>
+                </a:schemeClr>
+              </a:solidFill>
+            </a:endParaRPr>
+          </a:p>
+        </p:txBody>
+      </p:sp>
     </p:spTree>
     <p:extLst>
       <p:ext uri="{BB962C8B-B14F-4D97-AF65-F5344CB8AC3E}">
-        <p14:creationId xmlns:p14="http://schemas.microsoft.com/office/powerpoint/2010/main" val="4043790863"/>
+        <p14:creationId xmlns:p14="http://schemas.microsoft.com/office/powerpoint/2010/main" val="2169688895"/>
       </p:ext>
     </p:extLst>
   </p:cSld>

--- a/ToolIntegration/dummyTools/wingInitializer/documentation/toolIntegrationSettings.pptx
+++ b/ToolIntegration/dummyTools/wingInitializer/documentation/toolIntegrationSettings.pptx
@@ -5608,7 +5608,7 @@
         </p:nvGrpSpPr>
         <p:grpSpPr>
           <a:xfrm>
-            <a:off x="4388449" y="3531475"/>
+            <a:off x="9325555" y="940557"/>
             <a:ext cx="2529904" cy="2980545"/>
             <a:chOff x="9325555" y="1219200"/>
             <a:chExt cx="2529904" cy="2980545"/>
@@ -5682,6 +5682,7 @@
                 </a:schemeClr>
               </a:solidFill>
             </a:ln>
+            <a:effectLst/>
           </p:spPr>
           <p:style>
             <a:lnRef idx="2">
@@ -5733,7 +5734,7 @@
         </p:nvSpPr>
         <p:spPr>
           <a:xfrm>
-            <a:off x="5287720" y="4232584"/>
+            <a:off x="10224826" y="1641666"/>
             <a:ext cx="238125" cy="238125"/>
           </a:xfrm>
           <a:prstGeom prst="ellipse">
@@ -5800,7 +5801,7 @@
         </p:nvSpPr>
         <p:spPr>
           <a:xfrm>
-            <a:off x="5644908" y="4427564"/>
+            <a:off x="10582014" y="1836646"/>
             <a:ext cx="238125" cy="238125"/>
           </a:xfrm>
           <a:prstGeom prst="ellipse">
@@ -5867,7 +5868,7 @@
         </p:nvSpPr>
         <p:spPr>
           <a:xfrm>
-            <a:off x="6719673" y="4962684"/>
+            <a:off x="11656779" y="2371766"/>
             <a:ext cx="238125" cy="238125"/>
           </a:xfrm>
           <a:prstGeom prst="ellipse">
@@ -5934,7 +5935,7 @@
         </p:nvSpPr>
         <p:spPr>
           <a:xfrm>
-            <a:off x="5883033" y="5934234"/>
+            <a:off x="10820139" y="3343316"/>
             <a:ext cx="238125" cy="238125"/>
           </a:xfrm>
           <a:prstGeom prst="ellipse">
